--- a/report/Presentation.pptx
+++ b/report/Presentation.pptx
@@ -22,6 +22,7 @@
     <p:sldId id="269" r:id="rId17"/>
     <p:sldId id="270" r:id="rId18"/>
     <p:sldId id="271" r:id="rId19"/>
+    <p:sldId id="272" r:id="rId20"/>
   </p:sldIdLst>
   <p:sldSz cx="10080625" cy="5670550"/>
   <p:notesSz cx="7559675" cy="10691813"/>
@@ -52,7 +53,7 @@
             <a:spLocks noGrp="1"/>
           </p:cNvSpPr>
           <p:nvPr>
-            <p:ph type="ftr" idx="2"/>
+            <p:ph type="ftr" idx="1"/>
           </p:nvPr>
         </p:nvSpPr>
         <p:spPr/>
@@ -72,14 +73,14 @@
             <a:spLocks noGrp="1"/>
           </p:cNvSpPr>
           <p:nvPr>
-            <p:ph type="sldNum" idx="3"/>
-          </p:nvPr>
-        </p:nvSpPr>
-        <p:spPr/>
-        <p:txBody>
-          <a:bodyPr/>
-          <a:p>
-            <a:fld id="{EECE1AD1-7704-4D0C-8F90-8DA18543C9C2}" type="slidenum">
+            <p:ph type="sldNum" idx="2"/>
+          </p:nvPr>
+        </p:nvSpPr>
+        <p:spPr/>
+        <p:txBody>
+          <a:bodyPr/>
+          <a:p>
+            <a:fld id="{7117FC6F-7FC8-48FE-8D25-F41B647C7252}" type="slidenum">
               <a:t>&lt;#&gt;</a:t>
             </a:fld>
           </a:p>
@@ -92,7 +93,7 @@
             <a:spLocks noGrp="1"/>
           </p:cNvSpPr>
           <p:nvPr>
-            <p:ph type="dt" idx="1"/>
+            <p:ph type="dt" idx="3"/>
           </p:nvPr>
         </p:nvSpPr>
         <p:spPr/>
@@ -140,8 +141,8 @@
         </p:nvSpPr>
         <p:spPr>
           <a:xfrm>
-            <a:off x="360000" y="180000"/>
-            <a:ext cx="9360000" cy="478080"/>
+            <a:off x="360000" y="106200"/>
+            <a:ext cx="9359640" cy="625320"/>
           </a:xfrm>
           <a:prstGeom prst="rect">
             <a:avLst/>
@@ -159,9 +160,9 @@
             <a:pPr indent="0" algn="ctr">
               <a:buNone/>
             </a:pPr>
-            <a:endParaRPr b="0" lang="en-US" sz="3300" spc="-1" strike="noStrike">
-              <a:solidFill>
-                <a:srgbClr val="ffffff"/>
+            <a:endParaRPr b="0" lang="en-US" sz="4400" spc="-1" strike="noStrike">
+              <a:solidFill>
+                <a:srgbClr val="000000"/>
               </a:solidFill>
               <a:latin typeface="Arial"/>
             </a:endParaRPr>
@@ -181,7 +182,7 @@
         <p:spPr>
           <a:xfrm>
             <a:off x="360000" y="1080000"/>
-            <a:ext cx="9360000" cy="1716840"/>
+            <a:ext cx="9359640" cy="1716840"/>
           </a:xfrm>
           <a:prstGeom prst="rect">
             <a:avLst/>
@@ -193,18 +194,18 @@
         </p:spPr>
         <p:txBody>
           <a:bodyPr lIns="0" rIns="0" tIns="0" bIns="0" anchor="t">
-            <a:noAutofit/>
+            <a:normAutofit/>
           </a:bodyPr>
           <a:p>
             <a:pPr indent="0">
               <a:spcBef>
-                <a:spcPts val="1060"/>
+                <a:spcPts val="1417"/>
               </a:spcBef>
               <a:buNone/>
             </a:pPr>
-            <a:endParaRPr b="0" lang="en-US" sz="2400" spc="-1" strike="noStrike">
-              <a:solidFill>
-                <a:srgbClr val="009bdd"/>
+            <a:endParaRPr b="0" lang="en-US" sz="3200" spc="-1" strike="noStrike">
+              <a:solidFill>
+                <a:srgbClr val="000000"/>
               </a:solidFill>
               <a:latin typeface="Arial"/>
             </a:endParaRPr>
@@ -224,7 +225,7 @@
         <p:spPr>
           <a:xfrm>
             <a:off x="360000" y="2960280"/>
-            <a:ext cx="9360000" cy="1716840"/>
+            <a:ext cx="9359640" cy="1716840"/>
           </a:xfrm>
           <a:prstGeom prst="rect">
             <a:avLst/>
@@ -236,18 +237,18 @@
         </p:spPr>
         <p:txBody>
           <a:bodyPr lIns="0" rIns="0" tIns="0" bIns="0" anchor="t">
-            <a:noAutofit/>
+            <a:normAutofit/>
           </a:bodyPr>
           <a:p>
             <a:pPr indent="0">
               <a:spcBef>
-                <a:spcPts val="1060"/>
+                <a:spcPts val="1417"/>
               </a:spcBef>
               <a:buNone/>
             </a:pPr>
-            <a:endParaRPr b="0" lang="en-US" sz="2400" spc="-1" strike="noStrike">
-              <a:solidFill>
-                <a:srgbClr val="009bdd"/>
+            <a:endParaRPr b="0" lang="en-US" sz="3200" spc="-1" strike="noStrike">
+              <a:solidFill>
+                <a:srgbClr val="000000"/>
               </a:solidFill>
               <a:latin typeface="Arial"/>
             </a:endParaRPr>
@@ -261,7 +262,7 @@
             <a:spLocks noGrp="1"/>
           </p:cNvSpPr>
           <p:nvPr>
-            <p:ph type="ftr" idx="2"/>
+            <p:ph type="ftr" idx="1"/>
           </p:nvPr>
         </p:nvSpPr>
         <p:spPr/>
@@ -281,14 +282,14 @@
             <a:spLocks noGrp="1"/>
           </p:cNvSpPr>
           <p:nvPr>
-            <p:ph type="sldNum" idx="3"/>
-          </p:nvPr>
-        </p:nvSpPr>
-        <p:spPr/>
-        <p:txBody>
-          <a:bodyPr/>
-          <a:p>
-            <a:fld id="{66AA614B-7668-4F8A-AE0C-AC8C3225AFDE}" type="slidenum">
+            <p:ph type="sldNum" idx="2"/>
+          </p:nvPr>
+        </p:nvSpPr>
+        <p:spPr/>
+        <p:txBody>
+          <a:bodyPr/>
+          <a:p>
+            <a:fld id="{C25A2869-6B05-4874-BC62-9F009C8A7946}" type="slidenum">
               <a:t>&lt;#&gt;</a:t>
             </a:fld>
           </a:p>
@@ -301,7 +302,7 @@
             <a:spLocks noGrp="1"/>
           </p:cNvSpPr>
           <p:nvPr>
-            <p:ph type="dt" idx="1"/>
+            <p:ph type="dt" idx="3"/>
           </p:nvPr>
         </p:nvSpPr>
         <p:spPr/>
@@ -349,8 +350,8 @@
         </p:nvSpPr>
         <p:spPr>
           <a:xfrm>
-            <a:off x="360000" y="180000"/>
-            <a:ext cx="9360000" cy="478080"/>
+            <a:off x="360000" y="106200"/>
+            <a:ext cx="9359640" cy="625320"/>
           </a:xfrm>
           <a:prstGeom prst="rect">
             <a:avLst/>
@@ -368,9 +369,9 @@
             <a:pPr indent="0" algn="ctr">
               <a:buNone/>
             </a:pPr>
-            <a:endParaRPr b="0" lang="en-US" sz="3300" spc="-1" strike="noStrike">
-              <a:solidFill>
-                <a:srgbClr val="ffffff"/>
+            <a:endParaRPr b="0" lang="en-US" sz="4400" spc="-1" strike="noStrike">
+              <a:solidFill>
+                <a:srgbClr val="000000"/>
               </a:solidFill>
               <a:latin typeface="Arial"/>
             </a:endParaRPr>
@@ -402,18 +403,18 @@
         </p:spPr>
         <p:txBody>
           <a:bodyPr lIns="0" rIns="0" tIns="0" bIns="0" anchor="t">
-            <a:noAutofit/>
+            <a:normAutofit/>
           </a:bodyPr>
           <a:p>
             <a:pPr indent="0">
               <a:spcBef>
-                <a:spcPts val="1060"/>
+                <a:spcPts val="1417"/>
               </a:spcBef>
               <a:buNone/>
             </a:pPr>
-            <a:endParaRPr b="0" lang="en-US" sz="2400" spc="-1" strike="noStrike">
-              <a:solidFill>
-                <a:srgbClr val="009bdd"/>
+            <a:endParaRPr b="0" lang="en-US" sz="3200" spc="-1" strike="noStrike">
+              <a:solidFill>
+                <a:srgbClr val="000000"/>
               </a:solidFill>
               <a:latin typeface="Arial"/>
             </a:endParaRPr>
@@ -445,18 +446,18 @@
         </p:spPr>
         <p:txBody>
           <a:bodyPr lIns="0" rIns="0" tIns="0" bIns="0" anchor="t">
-            <a:noAutofit/>
+            <a:normAutofit/>
           </a:bodyPr>
           <a:p>
             <a:pPr indent="0">
               <a:spcBef>
-                <a:spcPts val="1060"/>
+                <a:spcPts val="1417"/>
               </a:spcBef>
               <a:buNone/>
             </a:pPr>
-            <a:endParaRPr b="0" lang="en-US" sz="2400" spc="-1" strike="noStrike">
-              <a:solidFill>
-                <a:srgbClr val="009bdd"/>
+            <a:endParaRPr b="0" lang="en-US" sz="3200" spc="-1" strike="noStrike">
+              <a:solidFill>
+                <a:srgbClr val="000000"/>
               </a:solidFill>
               <a:latin typeface="Arial"/>
             </a:endParaRPr>
@@ -488,18 +489,18 @@
         </p:spPr>
         <p:txBody>
           <a:bodyPr lIns="0" rIns="0" tIns="0" bIns="0" anchor="t">
-            <a:noAutofit/>
+            <a:normAutofit/>
           </a:bodyPr>
           <a:p>
             <a:pPr indent="0">
               <a:spcBef>
-                <a:spcPts val="1060"/>
+                <a:spcPts val="1417"/>
               </a:spcBef>
               <a:buNone/>
             </a:pPr>
-            <a:endParaRPr b="0" lang="en-US" sz="2400" spc="-1" strike="noStrike">
-              <a:solidFill>
-                <a:srgbClr val="009bdd"/>
+            <a:endParaRPr b="0" lang="en-US" sz="3200" spc="-1" strike="noStrike">
+              <a:solidFill>
+                <a:srgbClr val="000000"/>
               </a:solidFill>
               <a:latin typeface="Arial"/>
             </a:endParaRPr>
@@ -531,18 +532,18 @@
         </p:spPr>
         <p:txBody>
           <a:bodyPr lIns="0" rIns="0" tIns="0" bIns="0" anchor="t">
-            <a:noAutofit/>
+            <a:normAutofit/>
           </a:bodyPr>
           <a:p>
             <a:pPr indent="0">
               <a:spcBef>
-                <a:spcPts val="1060"/>
+                <a:spcPts val="1417"/>
               </a:spcBef>
               <a:buNone/>
             </a:pPr>
-            <a:endParaRPr b="0" lang="en-US" sz="2400" spc="-1" strike="noStrike">
-              <a:solidFill>
-                <a:srgbClr val="009bdd"/>
+            <a:endParaRPr b="0" lang="en-US" sz="3200" spc="-1" strike="noStrike">
+              <a:solidFill>
+                <a:srgbClr val="000000"/>
               </a:solidFill>
               <a:latin typeface="Arial"/>
             </a:endParaRPr>
@@ -556,7 +557,7 @@
             <a:spLocks noGrp="1"/>
           </p:cNvSpPr>
           <p:nvPr>
-            <p:ph type="ftr" idx="2"/>
+            <p:ph type="ftr" idx="1"/>
           </p:nvPr>
         </p:nvSpPr>
         <p:spPr/>
@@ -576,14 +577,14 @@
             <a:spLocks noGrp="1"/>
           </p:cNvSpPr>
           <p:nvPr>
-            <p:ph type="sldNum" idx="3"/>
-          </p:nvPr>
-        </p:nvSpPr>
-        <p:spPr/>
-        <p:txBody>
-          <a:bodyPr/>
-          <a:p>
-            <a:fld id="{60E6895E-4B64-4E95-8C1C-691B1382563F}" type="slidenum">
+            <p:ph type="sldNum" idx="2"/>
+          </p:nvPr>
+        </p:nvSpPr>
+        <p:spPr/>
+        <p:txBody>
+          <a:bodyPr/>
+          <a:p>
+            <a:fld id="{47179DB5-ED1D-46A5-95C9-550BBA99CC18}" type="slidenum">
               <a:t>&lt;#&gt;</a:t>
             </a:fld>
           </a:p>
@@ -596,7 +597,7 @@
             <a:spLocks noGrp="1"/>
           </p:cNvSpPr>
           <p:nvPr>
-            <p:ph type="dt" idx="1"/>
+            <p:ph type="dt" idx="3"/>
           </p:nvPr>
         </p:nvSpPr>
         <p:spPr/>
@@ -644,8 +645,8 @@
         </p:nvSpPr>
         <p:spPr>
           <a:xfrm>
-            <a:off x="360000" y="180000"/>
-            <a:ext cx="9360000" cy="478080"/>
+            <a:off x="360000" y="106200"/>
+            <a:ext cx="9359640" cy="625320"/>
           </a:xfrm>
           <a:prstGeom prst="rect">
             <a:avLst/>
@@ -663,9 +664,9 @@
             <a:pPr indent="0" algn="ctr">
               <a:buNone/>
             </a:pPr>
-            <a:endParaRPr b="0" lang="en-US" sz="3300" spc="-1" strike="noStrike">
-              <a:solidFill>
-                <a:srgbClr val="ffffff"/>
+            <a:endParaRPr b="0" lang="en-US" sz="4400" spc="-1" strike="noStrike">
+              <a:solidFill>
+                <a:srgbClr val="000000"/>
               </a:solidFill>
               <a:latin typeface="Arial"/>
             </a:endParaRPr>
@@ -697,18 +698,18 @@
         </p:spPr>
         <p:txBody>
           <a:bodyPr lIns="0" rIns="0" tIns="0" bIns="0" anchor="t">
-            <a:noAutofit/>
+            <a:normAutofit/>
           </a:bodyPr>
           <a:p>
             <a:pPr indent="0">
               <a:spcBef>
-                <a:spcPts val="1060"/>
+                <a:spcPts val="1417"/>
               </a:spcBef>
               <a:buNone/>
             </a:pPr>
-            <a:endParaRPr b="0" lang="en-US" sz="2400" spc="-1" strike="noStrike">
-              <a:solidFill>
-                <a:srgbClr val="009bdd"/>
+            <a:endParaRPr b="0" lang="en-US" sz="3200" spc="-1" strike="noStrike">
+              <a:solidFill>
+                <a:srgbClr val="000000"/>
               </a:solidFill>
               <a:latin typeface="Arial"/>
             </a:endParaRPr>
@@ -740,18 +741,18 @@
         </p:spPr>
         <p:txBody>
           <a:bodyPr lIns="0" rIns="0" tIns="0" bIns="0" anchor="t">
-            <a:noAutofit/>
+            <a:normAutofit/>
           </a:bodyPr>
           <a:p>
             <a:pPr indent="0">
               <a:spcBef>
-                <a:spcPts val="1060"/>
+                <a:spcPts val="1417"/>
               </a:spcBef>
               <a:buNone/>
             </a:pPr>
-            <a:endParaRPr b="0" lang="en-US" sz="2400" spc="-1" strike="noStrike">
-              <a:solidFill>
-                <a:srgbClr val="009bdd"/>
+            <a:endParaRPr b="0" lang="en-US" sz="3200" spc="-1" strike="noStrike">
+              <a:solidFill>
+                <a:srgbClr val="000000"/>
               </a:solidFill>
               <a:latin typeface="Arial"/>
             </a:endParaRPr>
@@ -783,18 +784,18 @@
         </p:spPr>
         <p:txBody>
           <a:bodyPr lIns="0" rIns="0" tIns="0" bIns="0" anchor="t">
-            <a:noAutofit/>
+            <a:normAutofit/>
           </a:bodyPr>
           <a:p>
             <a:pPr indent="0">
               <a:spcBef>
-                <a:spcPts val="1060"/>
+                <a:spcPts val="1417"/>
               </a:spcBef>
               <a:buNone/>
             </a:pPr>
-            <a:endParaRPr b="0" lang="en-US" sz="2400" spc="-1" strike="noStrike">
-              <a:solidFill>
-                <a:srgbClr val="009bdd"/>
+            <a:endParaRPr b="0" lang="en-US" sz="3200" spc="-1" strike="noStrike">
+              <a:solidFill>
+                <a:srgbClr val="000000"/>
               </a:solidFill>
               <a:latin typeface="Arial"/>
             </a:endParaRPr>
@@ -826,18 +827,18 @@
         </p:spPr>
         <p:txBody>
           <a:bodyPr lIns="0" rIns="0" tIns="0" bIns="0" anchor="t">
-            <a:noAutofit/>
+            <a:normAutofit/>
           </a:bodyPr>
           <a:p>
             <a:pPr indent="0">
               <a:spcBef>
-                <a:spcPts val="1060"/>
+                <a:spcPts val="1417"/>
               </a:spcBef>
               <a:buNone/>
             </a:pPr>
-            <a:endParaRPr b="0" lang="en-US" sz="2400" spc="-1" strike="noStrike">
-              <a:solidFill>
-                <a:srgbClr val="009bdd"/>
+            <a:endParaRPr b="0" lang="en-US" sz="3200" spc="-1" strike="noStrike">
+              <a:solidFill>
+                <a:srgbClr val="000000"/>
               </a:solidFill>
               <a:latin typeface="Arial"/>
             </a:endParaRPr>
@@ -869,18 +870,18 @@
         </p:spPr>
         <p:txBody>
           <a:bodyPr lIns="0" rIns="0" tIns="0" bIns="0" anchor="t">
-            <a:noAutofit/>
+            <a:normAutofit/>
           </a:bodyPr>
           <a:p>
             <a:pPr indent="0">
               <a:spcBef>
-                <a:spcPts val="1060"/>
+                <a:spcPts val="1417"/>
               </a:spcBef>
               <a:buNone/>
             </a:pPr>
-            <a:endParaRPr b="0" lang="en-US" sz="2400" spc="-1" strike="noStrike">
-              <a:solidFill>
-                <a:srgbClr val="009bdd"/>
+            <a:endParaRPr b="0" lang="en-US" sz="3200" spc="-1" strike="noStrike">
+              <a:solidFill>
+                <a:srgbClr val="000000"/>
               </a:solidFill>
               <a:latin typeface="Arial"/>
             </a:endParaRPr>
@@ -912,18 +913,18 @@
         </p:spPr>
         <p:txBody>
           <a:bodyPr lIns="0" rIns="0" tIns="0" bIns="0" anchor="t">
-            <a:noAutofit/>
+            <a:normAutofit/>
           </a:bodyPr>
           <a:p>
             <a:pPr indent="0">
               <a:spcBef>
-                <a:spcPts val="1060"/>
+                <a:spcPts val="1417"/>
               </a:spcBef>
               <a:buNone/>
             </a:pPr>
-            <a:endParaRPr b="0" lang="en-US" sz="2400" spc="-1" strike="noStrike">
-              <a:solidFill>
-                <a:srgbClr val="009bdd"/>
+            <a:endParaRPr b="0" lang="en-US" sz="3200" spc="-1" strike="noStrike">
+              <a:solidFill>
+                <a:srgbClr val="000000"/>
               </a:solidFill>
               <a:latin typeface="Arial"/>
             </a:endParaRPr>
@@ -937,7 +938,7 @@
             <a:spLocks noGrp="1"/>
           </p:cNvSpPr>
           <p:nvPr>
-            <p:ph type="ftr" idx="2"/>
+            <p:ph type="ftr" idx="1"/>
           </p:nvPr>
         </p:nvSpPr>
         <p:spPr/>
@@ -957,14 +958,14 @@
             <a:spLocks noGrp="1"/>
           </p:cNvSpPr>
           <p:nvPr>
-            <p:ph type="sldNum" idx="3"/>
-          </p:nvPr>
-        </p:nvSpPr>
-        <p:spPr/>
-        <p:txBody>
-          <a:bodyPr/>
-          <a:p>
-            <a:fld id="{85BFEB8C-763A-4D01-93F4-78863E3E9B90}" type="slidenum">
+            <p:ph type="sldNum" idx="2"/>
+          </p:nvPr>
+        </p:nvSpPr>
+        <p:spPr/>
+        <p:txBody>
+          <a:bodyPr/>
+          <a:p>
+            <a:fld id="{21F027F9-A39D-4F59-AEF6-393D146E8438}" type="slidenum">
               <a:t>&lt;#&gt;</a:t>
             </a:fld>
           </a:p>
@@ -977,7 +978,7 @@
             <a:spLocks noGrp="1"/>
           </p:cNvSpPr>
           <p:nvPr>
-            <p:ph type="dt" idx="1"/>
+            <p:ph type="dt" idx="3"/>
           </p:nvPr>
         </p:nvSpPr>
         <p:spPr/>
@@ -1020,7 +1021,7 @@
             <a:spLocks noGrp="1"/>
           </p:cNvSpPr>
           <p:nvPr>
-            <p:ph type="ftr" idx="5"/>
+            <p:ph type="ftr" idx="4"/>
           </p:nvPr>
         </p:nvSpPr>
         <p:spPr/>
@@ -1040,14 +1041,14 @@
             <a:spLocks noGrp="1"/>
           </p:cNvSpPr>
           <p:nvPr>
-            <p:ph type="sldNum" idx="6"/>
-          </p:nvPr>
-        </p:nvSpPr>
-        <p:spPr/>
-        <p:txBody>
-          <a:bodyPr/>
-          <a:p>
-            <a:fld id="{1AD3FBB8-6679-4070-8A3F-6DCA741D816F}" type="slidenum">
+            <p:ph type="sldNum" idx="5"/>
+          </p:nvPr>
+        </p:nvSpPr>
+        <p:spPr/>
+        <p:txBody>
+          <a:bodyPr/>
+          <a:p>
+            <a:fld id="{7FAE5D7E-37F1-4A26-9273-D7B6F65446CE}" type="slidenum">
               <a:t>&lt;#&gt;</a:t>
             </a:fld>
           </a:p>
@@ -1060,7 +1061,7 @@
             <a:spLocks noGrp="1"/>
           </p:cNvSpPr>
           <p:nvPr>
-            <p:ph type="dt" idx="4"/>
+            <p:ph type="dt" idx="6"/>
           </p:nvPr>
         </p:nvSpPr>
         <p:spPr/>
@@ -1108,8 +1109,8 @@
         </p:nvSpPr>
         <p:spPr>
           <a:xfrm>
-            <a:off x="360000" y="180000"/>
-            <a:ext cx="9360000" cy="478080"/>
+            <a:off x="360000" y="106200"/>
+            <a:ext cx="9359640" cy="625320"/>
           </a:xfrm>
           <a:prstGeom prst="rect">
             <a:avLst/>
@@ -1127,9 +1128,9 @@
             <a:pPr indent="0" algn="ctr">
               <a:buNone/>
             </a:pPr>
-            <a:endParaRPr b="0" lang="en-US" sz="3300" spc="-1" strike="noStrike">
-              <a:solidFill>
-                <a:srgbClr val="ffffff"/>
+            <a:endParaRPr b="0" lang="en-US" sz="4400" spc="-1" strike="noStrike">
+              <a:solidFill>
+                <a:srgbClr val="000000"/>
               </a:solidFill>
               <a:latin typeface="Arial"/>
             </a:endParaRPr>
@@ -1149,7 +1150,7 @@
         <p:spPr>
           <a:xfrm>
             <a:off x="360000" y="1080000"/>
-            <a:ext cx="9360000" cy="3600000"/>
+            <a:ext cx="9359640" cy="3599640"/>
           </a:xfrm>
           <a:prstGeom prst="rect">
             <a:avLst/>
@@ -1171,9 +1172,6 @@
               <a:solidFill>
                 <a:srgbClr val="000000"/>
               </a:solidFill>
-              <a:highlight>
-                <a:srgbClr val="ffffff"/>
-              </a:highlight>
               <a:latin typeface="Arial"/>
             </a:endParaRPr>
           </a:p>
@@ -1186,7 +1184,7 @@
             <a:spLocks noGrp="1"/>
           </p:cNvSpPr>
           <p:nvPr>
-            <p:ph type="ftr" idx="5"/>
+            <p:ph type="ftr" idx="4"/>
           </p:nvPr>
         </p:nvSpPr>
         <p:spPr/>
@@ -1206,14 +1204,14 @@
             <a:spLocks noGrp="1"/>
           </p:cNvSpPr>
           <p:nvPr>
-            <p:ph type="sldNum" idx="6"/>
-          </p:nvPr>
-        </p:nvSpPr>
-        <p:spPr/>
-        <p:txBody>
-          <a:bodyPr/>
-          <a:p>
-            <a:fld id="{845F91B4-63F0-4B38-B252-4CBCFD0F456D}" type="slidenum">
+            <p:ph type="sldNum" idx="5"/>
+          </p:nvPr>
+        </p:nvSpPr>
+        <p:spPr/>
+        <p:txBody>
+          <a:bodyPr/>
+          <a:p>
+            <a:fld id="{45C38721-35E2-4945-AEC1-679158624C3A}" type="slidenum">
               <a:t>&lt;#&gt;</a:t>
             </a:fld>
           </a:p>
@@ -1226,7 +1224,7 @@
             <a:spLocks noGrp="1"/>
           </p:cNvSpPr>
           <p:nvPr>
-            <p:ph type="dt" idx="4"/>
+            <p:ph type="dt" idx="6"/>
           </p:nvPr>
         </p:nvSpPr>
         <p:spPr/>
@@ -1274,8 +1272,8 @@
         </p:nvSpPr>
         <p:spPr>
           <a:xfrm>
-            <a:off x="360000" y="180000"/>
-            <a:ext cx="9360000" cy="478080"/>
+            <a:off x="360000" y="106200"/>
+            <a:ext cx="9359640" cy="625320"/>
           </a:xfrm>
           <a:prstGeom prst="rect">
             <a:avLst/>
@@ -1293,9 +1291,9 @@
             <a:pPr indent="0" algn="ctr">
               <a:buNone/>
             </a:pPr>
-            <a:endParaRPr b="0" lang="en-US" sz="3300" spc="-1" strike="noStrike">
-              <a:solidFill>
-                <a:srgbClr val="ffffff"/>
+            <a:endParaRPr b="0" lang="en-US" sz="4400" spc="-1" strike="noStrike">
+              <a:solidFill>
+                <a:srgbClr val="000000"/>
               </a:solidFill>
               <a:latin typeface="Arial"/>
             </a:endParaRPr>
@@ -1315,7 +1313,7 @@
         <p:spPr>
           <a:xfrm>
             <a:off x="360000" y="1080000"/>
-            <a:ext cx="9360000" cy="3600000"/>
+            <a:ext cx="9359640" cy="3599640"/>
           </a:xfrm>
           <a:prstGeom prst="rect">
             <a:avLst/>
@@ -1327,18 +1325,18 @@
         </p:spPr>
         <p:txBody>
           <a:bodyPr lIns="0" rIns="0" tIns="0" bIns="0" anchor="t">
-            <a:noAutofit/>
+            <a:normAutofit/>
           </a:bodyPr>
           <a:p>
             <a:pPr indent="0">
               <a:spcBef>
-                <a:spcPts val="1060"/>
+                <a:spcPts val="1417"/>
               </a:spcBef>
               <a:buNone/>
             </a:pPr>
-            <a:endParaRPr b="0" lang="en-US" sz="2400" spc="-1" strike="noStrike">
-              <a:solidFill>
-                <a:srgbClr val="009bdd"/>
+            <a:endParaRPr b="0" lang="en-US" sz="3200" spc="-1" strike="noStrike">
+              <a:solidFill>
+                <a:srgbClr val="000000"/>
               </a:solidFill>
               <a:latin typeface="Arial"/>
             </a:endParaRPr>
@@ -1352,7 +1350,7 @@
             <a:spLocks noGrp="1"/>
           </p:cNvSpPr>
           <p:nvPr>
-            <p:ph type="ftr" idx="5"/>
+            <p:ph type="ftr" idx="4"/>
           </p:nvPr>
         </p:nvSpPr>
         <p:spPr/>
@@ -1372,14 +1370,14 @@
             <a:spLocks noGrp="1"/>
           </p:cNvSpPr>
           <p:nvPr>
-            <p:ph type="sldNum" idx="6"/>
-          </p:nvPr>
-        </p:nvSpPr>
-        <p:spPr/>
-        <p:txBody>
-          <a:bodyPr/>
-          <a:p>
-            <a:fld id="{5FC6CE37-2A8D-4830-ABC0-FA7DE5F95181}" type="slidenum">
+            <p:ph type="sldNum" idx="5"/>
+          </p:nvPr>
+        </p:nvSpPr>
+        <p:spPr/>
+        <p:txBody>
+          <a:bodyPr/>
+          <a:p>
+            <a:fld id="{53AFECF8-0F83-45BA-85AC-2446FF46BDEA}" type="slidenum">
               <a:t>&lt;#&gt;</a:t>
             </a:fld>
           </a:p>
@@ -1392,7 +1390,7 @@
             <a:spLocks noGrp="1"/>
           </p:cNvSpPr>
           <p:nvPr>
-            <p:ph type="dt" idx="4"/>
+            <p:ph type="dt" idx="6"/>
           </p:nvPr>
         </p:nvSpPr>
         <p:spPr/>
@@ -1440,8 +1438,8 @@
         </p:nvSpPr>
         <p:spPr>
           <a:xfrm>
-            <a:off x="360000" y="180000"/>
-            <a:ext cx="9360000" cy="478080"/>
+            <a:off x="360000" y="106200"/>
+            <a:ext cx="9359640" cy="625320"/>
           </a:xfrm>
           <a:prstGeom prst="rect">
             <a:avLst/>
@@ -1459,9 +1457,9 @@
             <a:pPr indent="0" algn="ctr">
               <a:buNone/>
             </a:pPr>
-            <a:endParaRPr b="0" lang="en-US" sz="3300" spc="-1" strike="noStrike">
-              <a:solidFill>
-                <a:srgbClr val="ffffff"/>
+            <a:endParaRPr b="0" lang="en-US" sz="4400" spc="-1" strike="noStrike">
+              <a:solidFill>
+                <a:srgbClr val="000000"/>
               </a:solidFill>
               <a:latin typeface="Arial"/>
             </a:endParaRPr>
@@ -1481,7 +1479,7 @@
         <p:spPr>
           <a:xfrm>
             <a:off x="360000" y="1080000"/>
-            <a:ext cx="4567320" cy="3600000"/>
+            <a:ext cx="4567320" cy="3599640"/>
           </a:xfrm>
           <a:prstGeom prst="rect">
             <a:avLst/>
@@ -1493,18 +1491,18 @@
         </p:spPr>
         <p:txBody>
           <a:bodyPr lIns="0" rIns="0" tIns="0" bIns="0" anchor="t">
-            <a:noAutofit/>
+            <a:normAutofit/>
           </a:bodyPr>
           <a:p>
             <a:pPr indent="0">
               <a:spcBef>
-                <a:spcPts val="1060"/>
+                <a:spcPts val="1417"/>
               </a:spcBef>
               <a:buNone/>
             </a:pPr>
-            <a:endParaRPr b="0" lang="en-US" sz="2400" spc="-1" strike="noStrike">
-              <a:solidFill>
-                <a:srgbClr val="009bdd"/>
+            <a:endParaRPr b="0" lang="en-US" sz="3200" spc="-1" strike="noStrike">
+              <a:solidFill>
+                <a:srgbClr val="000000"/>
               </a:solidFill>
               <a:latin typeface="Arial"/>
             </a:endParaRPr>
@@ -1524,7 +1522,7 @@
         <p:spPr>
           <a:xfrm>
             <a:off x="5155920" y="1080000"/>
-            <a:ext cx="4567320" cy="3600000"/>
+            <a:ext cx="4567320" cy="3599640"/>
           </a:xfrm>
           <a:prstGeom prst="rect">
             <a:avLst/>
@@ -1536,18 +1534,18 @@
         </p:spPr>
         <p:txBody>
           <a:bodyPr lIns="0" rIns="0" tIns="0" bIns="0" anchor="t">
-            <a:noAutofit/>
+            <a:normAutofit/>
           </a:bodyPr>
           <a:p>
             <a:pPr indent="0">
               <a:spcBef>
-                <a:spcPts val="1060"/>
+                <a:spcPts val="1417"/>
               </a:spcBef>
               <a:buNone/>
             </a:pPr>
-            <a:endParaRPr b="0" lang="en-US" sz="2400" spc="-1" strike="noStrike">
-              <a:solidFill>
-                <a:srgbClr val="009bdd"/>
+            <a:endParaRPr b="0" lang="en-US" sz="3200" spc="-1" strike="noStrike">
+              <a:solidFill>
+                <a:srgbClr val="000000"/>
               </a:solidFill>
               <a:latin typeface="Arial"/>
             </a:endParaRPr>
@@ -1561,7 +1559,7 @@
             <a:spLocks noGrp="1"/>
           </p:cNvSpPr>
           <p:nvPr>
-            <p:ph type="ftr" idx="5"/>
+            <p:ph type="ftr" idx="4"/>
           </p:nvPr>
         </p:nvSpPr>
         <p:spPr/>
@@ -1581,14 +1579,14 @@
             <a:spLocks noGrp="1"/>
           </p:cNvSpPr>
           <p:nvPr>
-            <p:ph type="sldNum" idx="6"/>
-          </p:nvPr>
-        </p:nvSpPr>
-        <p:spPr/>
-        <p:txBody>
-          <a:bodyPr/>
-          <a:p>
-            <a:fld id="{5FF27B34-6130-4ACF-8A92-83F3AEE1877D}" type="slidenum">
+            <p:ph type="sldNum" idx="5"/>
+          </p:nvPr>
+        </p:nvSpPr>
+        <p:spPr/>
+        <p:txBody>
+          <a:bodyPr/>
+          <a:p>
+            <a:fld id="{FA9A9E02-0698-46D6-9943-804DD31869A6}" type="slidenum">
               <a:t>&lt;#&gt;</a:t>
             </a:fld>
           </a:p>
@@ -1601,7 +1599,7 @@
             <a:spLocks noGrp="1"/>
           </p:cNvSpPr>
           <p:nvPr>
-            <p:ph type="dt" idx="4"/>
+            <p:ph type="dt" idx="6"/>
           </p:nvPr>
         </p:nvSpPr>
         <p:spPr/>
@@ -1649,8 +1647,8 @@
         </p:nvSpPr>
         <p:spPr>
           <a:xfrm>
-            <a:off x="360000" y="180000"/>
-            <a:ext cx="9360000" cy="478080"/>
+            <a:off x="360000" y="106200"/>
+            <a:ext cx="9359640" cy="625320"/>
           </a:xfrm>
           <a:prstGeom prst="rect">
             <a:avLst/>
@@ -1668,9 +1666,9 @@
             <a:pPr indent="0" algn="ctr">
               <a:buNone/>
             </a:pPr>
-            <a:endParaRPr b="0" lang="en-US" sz="3300" spc="-1" strike="noStrike">
-              <a:solidFill>
-                <a:srgbClr val="ffffff"/>
+            <a:endParaRPr b="0" lang="en-US" sz="4400" spc="-1" strike="noStrike">
+              <a:solidFill>
+                <a:srgbClr val="000000"/>
               </a:solidFill>
               <a:latin typeface="Arial"/>
             </a:endParaRPr>
@@ -1684,7 +1682,7 @@
             <a:spLocks noGrp="1"/>
           </p:cNvSpPr>
           <p:nvPr>
-            <p:ph type="ftr" idx="5"/>
+            <p:ph type="ftr" idx="4"/>
           </p:nvPr>
         </p:nvSpPr>
         <p:spPr/>
@@ -1704,14 +1702,14 @@
             <a:spLocks noGrp="1"/>
           </p:cNvSpPr>
           <p:nvPr>
-            <p:ph type="sldNum" idx="6"/>
-          </p:nvPr>
-        </p:nvSpPr>
-        <p:spPr/>
-        <p:txBody>
-          <a:bodyPr/>
-          <a:p>
-            <a:fld id="{60E03FD9-AC06-4753-9A38-931DD5DB09F9}" type="slidenum">
+            <p:ph type="sldNum" idx="5"/>
+          </p:nvPr>
+        </p:nvSpPr>
+        <p:spPr/>
+        <p:txBody>
+          <a:bodyPr/>
+          <a:p>
+            <a:fld id="{F3568FA3-C793-402E-8CA6-B7D642E68D5D}" type="slidenum">
               <a:t>&lt;#&gt;</a:t>
             </a:fld>
           </a:p>
@@ -1724,7 +1722,7 @@
             <a:spLocks noGrp="1"/>
           </p:cNvSpPr>
           <p:nvPr>
-            <p:ph type="dt" idx="4"/>
+            <p:ph type="dt" idx="6"/>
           </p:nvPr>
         </p:nvSpPr>
         <p:spPr/>
@@ -1773,7 +1771,7 @@
         <p:spPr>
           <a:xfrm>
             <a:off x="360000" y="180000"/>
-            <a:ext cx="9360000" cy="2217240"/>
+            <a:ext cx="9359640" cy="2215800"/>
           </a:xfrm>
           <a:prstGeom prst="rect">
             <a:avLst/>
@@ -1793,9 +1791,6 @@
               <a:solidFill>
                 <a:srgbClr val="000000"/>
               </a:solidFill>
-              <a:highlight>
-                <a:srgbClr val="ffffff"/>
-              </a:highlight>
               <a:latin typeface="Arial"/>
             </a:endParaRPr>
           </a:p>
@@ -1808,7 +1803,7 @@
             <a:spLocks noGrp="1"/>
           </p:cNvSpPr>
           <p:nvPr>
-            <p:ph type="ftr" idx="5"/>
+            <p:ph type="ftr" idx="4"/>
           </p:nvPr>
         </p:nvSpPr>
         <p:spPr/>
@@ -1828,14 +1823,14 @@
             <a:spLocks noGrp="1"/>
           </p:cNvSpPr>
           <p:nvPr>
-            <p:ph type="sldNum" idx="6"/>
-          </p:nvPr>
-        </p:nvSpPr>
-        <p:spPr/>
-        <p:txBody>
-          <a:bodyPr/>
-          <a:p>
-            <a:fld id="{59BA6873-AE9E-4426-9B84-4EDDBC1B6B5E}" type="slidenum">
+            <p:ph type="sldNum" idx="5"/>
+          </p:nvPr>
+        </p:nvSpPr>
+        <p:spPr/>
+        <p:txBody>
+          <a:bodyPr/>
+          <a:p>
+            <a:fld id="{657D7BB8-1BE8-4F8F-8B8E-B3356E6A8FB1}" type="slidenum">
               <a:t>&lt;#&gt;</a:t>
             </a:fld>
           </a:p>
@@ -1848,7 +1843,7 @@
             <a:spLocks noGrp="1"/>
           </p:cNvSpPr>
           <p:nvPr>
-            <p:ph type="dt" idx="4"/>
+            <p:ph type="dt" idx="6"/>
           </p:nvPr>
         </p:nvSpPr>
         <p:spPr/>
@@ -1896,8 +1891,8 @@
         </p:nvSpPr>
         <p:spPr>
           <a:xfrm>
-            <a:off x="360000" y="180000"/>
-            <a:ext cx="9360000" cy="478080"/>
+            <a:off x="360000" y="106200"/>
+            <a:ext cx="9359640" cy="625320"/>
           </a:xfrm>
           <a:prstGeom prst="rect">
             <a:avLst/>
@@ -1915,9 +1910,9 @@
             <a:pPr indent="0" algn="ctr">
               <a:buNone/>
             </a:pPr>
-            <a:endParaRPr b="0" lang="en-US" sz="3300" spc="-1" strike="noStrike">
-              <a:solidFill>
-                <a:srgbClr val="ffffff"/>
+            <a:endParaRPr b="0" lang="en-US" sz="4400" spc="-1" strike="noStrike">
+              <a:solidFill>
+                <a:srgbClr val="000000"/>
               </a:solidFill>
               <a:latin typeface="Arial"/>
             </a:endParaRPr>
@@ -1949,18 +1944,18 @@
         </p:spPr>
         <p:txBody>
           <a:bodyPr lIns="0" rIns="0" tIns="0" bIns="0" anchor="t">
-            <a:noAutofit/>
+            <a:normAutofit/>
           </a:bodyPr>
           <a:p>
             <a:pPr indent="0">
               <a:spcBef>
-                <a:spcPts val="1060"/>
+                <a:spcPts val="1417"/>
               </a:spcBef>
               <a:buNone/>
             </a:pPr>
-            <a:endParaRPr b="0" lang="en-US" sz="2400" spc="-1" strike="noStrike">
-              <a:solidFill>
-                <a:srgbClr val="009bdd"/>
+            <a:endParaRPr b="0" lang="en-US" sz="3200" spc="-1" strike="noStrike">
+              <a:solidFill>
+                <a:srgbClr val="000000"/>
               </a:solidFill>
               <a:latin typeface="Arial"/>
             </a:endParaRPr>
@@ -1980,7 +1975,7 @@
         <p:spPr>
           <a:xfrm>
             <a:off x="5155920" y="1080000"/>
-            <a:ext cx="4567320" cy="3600000"/>
+            <a:ext cx="4567320" cy="3599640"/>
           </a:xfrm>
           <a:prstGeom prst="rect">
             <a:avLst/>
@@ -1992,18 +1987,18 @@
         </p:spPr>
         <p:txBody>
           <a:bodyPr lIns="0" rIns="0" tIns="0" bIns="0" anchor="t">
-            <a:noAutofit/>
+            <a:normAutofit/>
           </a:bodyPr>
           <a:p>
             <a:pPr indent="0">
               <a:spcBef>
-                <a:spcPts val="1060"/>
+                <a:spcPts val="1417"/>
               </a:spcBef>
               <a:buNone/>
             </a:pPr>
-            <a:endParaRPr b="0" lang="en-US" sz="2400" spc="-1" strike="noStrike">
-              <a:solidFill>
-                <a:srgbClr val="009bdd"/>
+            <a:endParaRPr b="0" lang="en-US" sz="3200" spc="-1" strike="noStrike">
+              <a:solidFill>
+                <a:srgbClr val="000000"/>
               </a:solidFill>
               <a:latin typeface="Arial"/>
             </a:endParaRPr>
@@ -2035,18 +2030,18 @@
         </p:spPr>
         <p:txBody>
           <a:bodyPr lIns="0" rIns="0" tIns="0" bIns="0" anchor="t">
-            <a:noAutofit/>
+            <a:normAutofit/>
           </a:bodyPr>
           <a:p>
             <a:pPr indent="0">
               <a:spcBef>
-                <a:spcPts val="1060"/>
+                <a:spcPts val="1417"/>
               </a:spcBef>
               <a:buNone/>
             </a:pPr>
-            <a:endParaRPr b="0" lang="en-US" sz="2400" spc="-1" strike="noStrike">
-              <a:solidFill>
-                <a:srgbClr val="009bdd"/>
+            <a:endParaRPr b="0" lang="en-US" sz="3200" spc="-1" strike="noStrike">
+              <a:solidFill>
+                <a:srgbClr val="000000"/>
               </a:solidFill>
               <a:latin typeface="Arial"/>
             </a:endParaRPr>
@@ -2060,7 +2055,7 @@
             <a:spLocks noGrp="1"/>
           </p:cNvSpPr>
           <p:nvPr>
-            <p:ph type="ftr" idx="5"/>
+            <p:ph type="ftr" idx="4"/>
           </p:nvPr>
         </p:nvSpPr>
         <p:spPr/>
@@ -2080,14 +2075,14 @@
             <a:spLocks noGrp="1"/>
           </p:cNvSpPr>
           <p:nvPr>
-            <p:ph type="sldNum" idx="6"/>
-          </p:nvPr>
-        </p:nvSpPr>
-        <p:spPr/>
-        <p:txBody>
-          <a:bodyPr/>
-          <a:p>
-            <a:fld id="{B30F3E82-16D4-40DD-AFE5-E90BAA205203}" type="slidenum">
+            <p:ph type="sldNum" idx="5"/>
+          </p:nvPr>
+        </p:nvSpPr>
+        <p:spPr/>
+        <p:txBody>
+          <a:bodyPr/>
+          <a:p>
+            <a:fld id="{4EF0E579-E9DC-45A4-9016-23A45047A949}" type="slidenum">
               <a:t>&lt;#&gt;</a:t>
             </a:fld>
           </a:p>
@@ -2100,7 +2095,7 @@
             <a:spLocks noGrp="1"/>
           </p:cNvSpPr>
           <p:nvPr>
-            <p:ph type="dt" idx="4"/>
+            <p:ph type="dt" idx="6"/>
           </p:nvPr>
         </p:nvSpPr>
         <p:spPr/>
@@ -2148,8 +2143,8 @@
         </p:nvSpPr>
         <p:spPr>
           <a:xfrm>
-            <a:off x="360000" y="180000"/>
-            <a:ext cx="9360000" cy="478080"/>
+            <a:off x="360000" y="106200"/>
+            <a:ext cx="9359640" cy="625320"/>
           </a:xfrm>
           <a:prstGeom prst="rect">
             <a:avLst/>
@@ -2167,9 +2162,9 @@
             <a:pPr indent="0" algn="ctr">
               <a:buNone/>
             </a:pPr>
-            <a:endParaRPr b="0" lang="en-US" sz="3300" spc="-1" strike="noStrike">
-              <a:solidFill>
-                <a:srgbClr val="ffffff"/>
+            <a:endParaRPr b="0" lang="en-US" sz="4400" spc="-1" strike="noStrike">
+              <a:solidFill>
+                <a:srgbClr val="000000"/>
               </a:solidFill>
               <a:latin typeface="Arial"/>
             </a:endParaRPr>
@@ -2189,7 +2184,7 @@
         <p:spPr>
           <a:xfrm>
             <a:off x="360000" y="1080000"/>
-            <a:ext cx="9360000" cy="3600000"/>
+            <a:ext cx="9359640" cy="3599640"/>
           </a:xfrm>
           <a:prstGeom prst="rect">
             <a:avLst/>
@@ -2211,9 +2206,6 @@
               <a:solidFill>
                 <a:srgbClr val="000000"/>
               </a:solidFill>
-              <a:highlight>
-                <a:srgbClr val="ffffff"/>
-              </a:highlight>
               <a:latin typeface="Arial"/>
             </a:endParaRPr>
           </a:p>
@@ -2226,7 +2218,7 @@
             <a:spLocks noGrp="1"/>
           </p:cNvSpPr>
           <p:nvPr>
-            <p:ph type="ftr" idx="2"/>
+            <p:ph type="ftr" idx="1"/>
           </p:nvPr>
         </p:nvSpPr>
         <p:spPr/>
@@ -2246,14 +2238,14 @@
             <a:spLocks noGrp="1"/>
           </p:cNvSpPr>
           <p:nvPr>
-            <p:ph type="sldNum" idx="3"/>
-          </p:nvPr>
-        </p:nvSpPr>
-        <p:spPr/>
-        <p:txBody>
-          <a:bodyPr/>
-          <a:p>
-            <a:fld id="{42402A10-79F3-40CC-9A71-9D0BF4E6591A}" type="slidenum">
+            <p:ph type="sldNum" idx="2"/>
+          </p:nvPr>
+        </p:nvSpPr>
+        <p:spPr/>
+        <p:txBody>
+          <a:bodyPr/>
+          <a:p>
+            <a:fld id="{6E08D79D-4F4B-4D49-8BAC-E1F16D9E6375}" type="slidenum">
               <a:t>&lt;#&gt;</a:t>
             </a:fld>
           </a:p>
@@ -2266,7 +2258,7 @@
             <a:spLocks noGrp="1"/>
           </p:cNvSpPr>
           <p:nvPr>
-            <p:ph type="dt" idx="1"/>
+            <p:ph type="dt" idx="3"/>
           </p:nvPr>
         </p:nvSpPr>
         <p:spPr/>
@@ -2314,8 +2306,8 @@
         </p:nvSpPr>
         <p:spPr>
           <a:xfrm>
-            <a:off x="360000" y="180000"/>
-            <a:ext cx="9360000" cy="478080"/>
+            <a:off x="360000" y="106200"/>
+            <a:ext cx="9359640" cy="625320"/>
           </a:xfrm>
           <a:prstGeom prst="rect">
             <a:avLst/>
@@ -2333,9 +2325,9 @@
             <a:pPr indent="0" algn="ctr">
               <a:buNone/>
             </a:pPr>
-            <a:endParaRPr b="0" lang="en-US" sz="3300" spc="-1" strike="noStrike">
-              <a:solidFill>
-                <a:srgbClr val="ffffff"/>
+            <a:endParaRPr b="0" lang="en-US" sz="4400" spc="-1" strike="noStrike">
+              <a:solidFill>
+                <a:srgbClr val="000000"/>
               </a:solidFill>
               <a:latin typeface="Arial"/>
             </a:endParaRPr>
@@ -2355,7 +2347,7 @@
         <p:spPr>
           <a:xfrm>
             <a:off x="360000" y="1080000"/>
-            <a:ext cx="4567320" cy="3600000"/>
+            <a:ext cx="4567320" cy="3599640"/>
           </a:xfrm>
           <a:prstGeom prst="rect">
             <a:avLst/>
@@ -2367,18 +2359,18 @@
         </p:spPr>
         <p:txBody>
           <a:bodyPr lIns="0" rIns="0" tIns="0" bIns="0" anchor="t">
-            <a:noAutofit/>
+            <a:normAutofit/>
           </a:bodyPr>
           <a:p>
             <a:pPr indent="0">
               <a:spcBef>
-                <a:spcPts val="1060"/>
+                <a:spcPts val="1417"/>
               </a:spcBef>
               <a:buNone/>
             </a:pPr>
-            <a:endParaRPr b="0" lang="en-US" sz="2400" spc="-1" strike="noStrike">
-              <a:solidFill>
-                <a:srgbClr val="009bdd"/>
+            <a:endParaRPr b="0" lang="en-US" sz="3200" spc="-1" strike="noStrike">
+              <a:solidFill>
+                <a:srgbClr val="000000"/>
               </a:solidFill>
               <a:latin typeface="Arial"/>
             </a:endParaRPr>
@@ -2410,18 +2402,18 @@
         </p:spPr>
         <p:txBody>
           <a:bodyPr lIns="0" rIns="0" tIns="0" bIns="0" anchor="t">
-            <a:noAutofit/>
+            <a:normAutofit/>
           </a:bodyPr>
           <a:p>
             <a:pPr indent="0">
               <a:spcBef>
-                <a:spcPts val="1060"/>
+                <a:spcPts val="1417"/>
               </a:spcBef>
               <a:buNone/>
             </a:pPr>
-            <a:endParaRPr b="0" lang="en-US" sz="2400" spc="-1" strike="noStrike">
-              <a:solidFill>
-                <a:srgbClr val="009bdd"/>
+            <a:endParaRPr b="0" lang="en-US" sz="3200" spc="-1" strike="noStrike">
+              <a:solidFill>
+                <a:srgbClr val="000000"/>
               </a:solidFill>
               <a:latin typeface="Arial"/>
             </a:endParaRPr>
@@ -2453,18 +2445,18 @@
         </p:spPr>
         <p:txBody>
           <a:bodyPr lIns="0" rIns="0" tIns="0" bIns="0" anchor="t">
-            <a:noAutofit/>
+            <a:normAutofit/>
           </a:bodyPr>
           <a:p>
             <a:pPr indent="0">
               <a:spcBef>
-                <a:spcPts val="1060"/>
+                <a:spcPts val="1417"/>
               </a:spcBef>
               <a:buNone/>
             </a:pPr>
-            <a:endParaRPr b="0" lang="en-US" sz="2400" spc="-1" strike="noStrike">
-              <a:solidFill>
-                <a:srgbClr val="009bdd"/>
+            <a:endParaRPr b="0" lang="en-US" sz="3200" spc="-1" strike="noStrike">
+              <a:solidFill>
+                <a:srgbClr val="000000"/>
               </a:solidFill>
               <a:latin typeface="Arial"/>
             </a:endParaRPr>
@@ -2478,7 +2470,7 @@
             <a:spLocks noGrp="1"/>
           </p:cNvSpPr>
           <p:nvPr>
-            <p:ph type="ftr" idx="5"/>
+            <p:ph type="ftr" idx="4"/>
           </p:nvPr>
         </p:nvSpPr>
         <p:spPr/>
@@ -2498,14 +2490,14 @@
             <a:spLocks noGrp="1"/>
           </p:cNvSpPr>
           <p:nvPr>
-            <p:ph type="sldNum" idx="6"/>
-          </p:nvPr>
-        </p:nvSpPr>
-        <p:spPr/>
-        <p:txBody>
-          <a:bodyPr/>
-          <a:p>
-            <a:fld id="{19A1040C-43B1-4D9F-B4F2-A707B9A20A5D}" type="slidenum">
+            <p:ph type="sldNum" idx="5"/>
+          </p:nvPr>
+        </p:nvSpPr>
+        <p:spPr/>
+        <p:txBody>
+          <a:bodyPr/>
+          <a:p>
+            <a:fld id="{5CC0FC0B-F0F7-494D-B949-BCA314335487}" type="slidenum">
               <a:t>&lt;#&gt;</a:t>
             </a:fld>
           </a:p>
@@ -2518,7 +2510,7 @@
             <a:spLocks noGrp="1"/>
           </p:cNvSpPr>
           <p:nvPr>
-            <p:ph type="dt" idx="4"/>
+            <p:ph type="dt" idx="6"/>
           </p:nvPr>
         </p:nvSpPr>
         <p:spPr/>
@@ -2566,8 +2558,8 @@
         </p:nvSpPr>
         <p:spPr>
           <a:xfrm>
-            <a:off x="360000" y="180000"/>
-            <a:ext cx="9360000" cy="478080"/>
+            <a:off x="360000" y="106200"/>
+            <a:ext cx="9359640" cy="625320"/>
           </a:xfrm>
           <a:prstGeom prst="rect">
             <a:avLst/>
@@ -2585,9 +2577,9 @@
             <a:pPr indent="0" algn="ctr">
               <a:buNone/>
             </a:pPr>
-            <a:endParaRPr b="0" lang="en-US" sz="3300" spc="-1" strike="noStrike">
-              <a:solidFill>
-                <a:srgbClr val="ffffff"/>
+            <a:endParaRPr b="0" lang="en-US" sz="4400" spc="-1" strike="noStrike">
+              <a:solidFill>
+                <a:srgbClr val="000000"/>
               </a:solidFill>
               <a:latin typeface="Arial"/>
             </a:endParaRPr>
@@ -2619,18 +2611,18 @@
         </p:spPr>
         <p:txBody>
           <a:bodyPr lIns="0" rIns="0" tIns="0" bIns="0" anchor="t">
-            <a:noAutofit/>
+            <a:normAutofit/>
           </a:bodyPr>
           <a:p>
             <a:pPr indent="0">
               <a:spcBef>
-                <a:spcPts val="1060"/>
+                <a:spcPts val="1417"/>
               </a:spcBef>
               <a:buNone/>
             </a:pPr>
-            <a:endParaRPr b="0" lang="en-US" sz="2400" spc="-1" strike="noStrike">
-              <a:solidFill>
-                <a:srgbClr val="009bdd"/>
+            <a:endParaRPr b="0" lang="en-US" sz="3200" spc="-1" strike="noStrike">
+              <a:solidFill>
+                <a:srgbClr val="000000"/>
               </a:solidFill>
               <a:latin typeface="Arial"/>
             </a:endParaRPr>
@@ -2662,18 +2654,18 @@
         </p:spPr>
         <p:txBody>
           <a:bodyPr lIns="0" rIns="0" tIns="0" bIns="0" anchor="t">
-            <a:noAutofit/>
+            <a:normAutofit/>
           </a:bodyPr>
           <a:p>
             <a:pPr indent="0">
               <a:spcBef>
-                <a:spcPts val="1060"/>
+                <a:spcPts val="1417"/>
               </a:spcBef>
               <a:buNone/>
             </a:pPr>
-            <a:endParaRPr b="0" lang="en-US" sz="2400" spc="-1" strike="noStrike">
-              <a:solidFill>
-                <a:srgbClr val="009bdd"/>
+            <a:endParaRPr b="0" lang="en-US" sz="3200" spc="-1" strike="noStrike">
+              <a:solidFill>
+                <a:srgbClr val="000000"/>
               </a:solidFill>
               <a:latin typeface="Arial"/>
             </a:endParaRPr>
@@ -2693,7 +2685,7 @@
         <p:spPr>
           <a:xfrm>
             <a:off x="360000" y="2960280"/>
-            <a:ext cx="9360000" cy="1716840"/>
+            <a:ext cx="9359640" cy="1716840"/>
           </a:xfrm>
           <a:prstGeom prst="rect">
             <a:avLst/>
@@ -2705,18 +2697,18 @@
         </p:spPr>
         <p:txBody>
           <a:bodyPr lIns="0" rIns="0" tIns="0" bIns="0" anchor="t">
-            <a:noAutofit/>
+            <a:normAutofit/>
           </a:bodyPr>
           <a:p>
             <a:pPr indent="0">
               <a:spcBef>
-                <a:spcPts val="1060"/>
+                <a:spcPts val="1417"/>
               </a:spcBef>
               <a:buNone/>
             </a:pPr>
-            <a:endParaRPr b="0" lang="en-US" sz="2400" spc="-1" strike="noStrike">
-              <a:solidFill>
-                <a:srgbClr val="009bdd"/>
+            <a:endParaRPr b="0" lang="en-US" sz="3200" spc="-1" strike="noStrike">
+              <a:solidFill>
+                <a:srgbClr val="000000"/>
               </a:solidFill>
               <a:latin typeface="Arial"/>
             </a:endParaRPr>
@@ -2730,7 +2722,7 @@
             <a:spLocks noGrp="1"/>
           </p:cNvSpPr>
           <p:nvPr>
-            <p:ph type="ftr" idx="5"/>
+            <p:ph type="ftr" idx="4"/>
           </p:nvPr>
         </p:nvSpPr>
         <p:spPr/>
@@ -2750,14 +2742,14 @@
             <a:spLocks noGrp="1"/>
           </p:cNvSpPr>
           <p:nvPr>
-            <p:ph type="sldNum" idx="6"/>
-          </p:nvPr>
-        </p:nvSpPr>
-        <p:spPr/>
-        <p:txBody>
-          <a:bodyPr/>
-          <a:p>
-            <a:fld id="{FB2BA0F4-3EF9-4D49-BEFA-2351181EAC9F}" type="slidenum">
+            <p:ph type="sldNum" idx="5"/>
+          </p:nvPr>
+        </p:nvSpPr>
+        <p:spPr/>
+        <p:txBody>
+          <a:bodyPr/>
+          <a:p>
+            <a:fld id="{6763E790-6596-45F5-99B9-9EB0AA33437E}" type="slidenum">
               <a:t>&lt;#&gt;</a:t>
             </a:fld>
           </a:p>
@@ -2770,7 +2762,7 @@
             <a:spLocks noGrp="1"/>
           </p:cNvSpPr>
           <p:nvPr>
-            <p:ph type="dt" idx="4"/>
+            <p:ph type="dt" idx="6"/>
           </p:nvPr>
         </p:nvSpPr>
         <p:spPr/>
@@ -2818,8 +2810,8 @@
         </p:nvSpPr>
         <p:spPr>
           <a:xfrm>
-            <a:off x="360000" y="180000"/>
-            <a:ext cx="9360000" cy="478080"/>
+            <a:off x="360000" y="106200"/>
+            <a:ext cx="9359640" cy="625320"/>
           </a:xfrm>
           <a:prstGeom prst="rect">
             <a:avLst/>
@@ -2837,9 +2829,9 @@
             <a:pPr indent="0" algn="ctr">
               <a:buNone/>
             </a:pPr>
-            <a:endParaRPr b="0" lang="en-US" sz="3300" spc="-1" strike="noStrike">
-              <a:solidFill>
-                <a:srgbClr val="ffffff"/>
+            <a:endParaRPr b="0" lang="en-US" sz="4400" spc="-1" strike="noStrike">
+              <a:solidFill>
+                <a:srgbClr val="000000"/>
               </a:solidFill>
               <a:latin typeface="Arial"/>
             </a:endParaRPr>
@@ -2859,7 +2851,7 @@
         <p:spPr>
           <a:xfrm>
             <a:off x="360000" y="1080000"/>
-            <a:ext cx="9360000" cy="1716840"/>
+            <a:ext cx="9359640" cy="1716840"/>
           </a:xfrm>
           <a:prstGeom prst="rect">
             <a:avLst/>
@@ -2871,18 +2863,18 @@
         </p:spPr>
         <p:txBody>
           <a:bodyPr lIns="0" rIns="0" tIns="0" bIns="0" anchor="t">
-            <a:noAutofit/>
+            <a:normAutofit/>
           </a:bodyPr>
           <a:p>
             <a:pPr indent="0">
               <a:spcBef>
-                <a:spcPts val="1060"/>
+                <a:spcPts val="1417"/>
               </a:spcBef>
               <a:buNone/>
             </a:pPr>
-            <a:endParaRPr b="0" lang="en-US" sz="2400" spc="-1" strike="noStrike">
-              <a:solidFill>
-                <a:srgbClr val="009bdd"/>
+            <a:endParaRPr b="0" lang="en-US" sz="3200" spc="-1" strike="noStrike">
+              <a:solidFill>
+                <a:srgbClr val="000000"/>
               </a:solidFill>
               <a:latin typeface="Arial"/>
             </a:endParaRPr>
@@ -2902,7 +2894,7 @@
         <p:spPr>
           <a:xfrm>
             <a:off x="360000" y="2960280"/>
-            <a:ext cx="9360000" cy="1716840"/>
+            <a:ext cx="9359640" cy="1716840"/>
           </a:xfrm>
           <a:prstGeom prst="rect">
             <a:avLst/>
@@ -2914,18 +2906,18 @@
         </p:spPr>
         <p:txBody>
           <a:bodyPr lIns="0" rIns="0" tIns="0" bIns="0" anchor="t">
-            <a:noAutofit/>
+            <a:normAutofit/>
           </a:bodyPr>
           <a:p>
             <a:pPr indent="0">
               <a:spcBef>
-                <a:spcPts val="1060"/>
+                <a:spcPts val="1417"/>
               </a:spcBef>
               <a:buNone/>
             </a:pPr>
-            <a:endParaRPr b="0" lang="en-US" sz="2400" spc="-1" strike="noStrike">
-              <a:solidFill>
-                <a:srgbClr val="009bdd"/>
+            <a:endParaRPr b="0" lang="en-US" sz="3200" spc="-1" strike="noStrike">
+              <a:solidFill>
+                <a:srgbClr val="000000"/>
               </a:solidFill>
               <a:latin typeface="Arial"/>
             </a:endParaRPr>
@@ -2939,7 +2931,7 @@
             <a:spLocks noGrp="1"/>
           </p:cNvSpPr>
           <p:nvPr>
-            <p:ph type="ftr" idx="5"/>
+            <p:ph type="ftr" idx="4"/>
           </p:nvPr>
         </p:nvSpPr>
         <p:spPr/>
@@ -2959,14 +2951,14 @@
             <a:spLocks noGrp="1"/>
           </p:cNvSpPr>
           <p:nvPr>
-            <p:ph type="sldNum" idx="6"/>
-          </p:nvPr>
-        </p:nvSpPr>
-        <p:spPr/>
-        <p:txBody>
-          <a:bodyPr/>
-          <a:p>
-            <a:fld id="{608401AF-8092-428E-9137-3BF56A2980A1}" type="slidenum">
+            <p:ph type="sldNum" idx="5"/>
+          </p:nvPr>
+        </p:nvSpPr>
+        <p:spPr/>
+        <p:txBody>
+          <a:bodyPr/>
+          <a:p>
+            <a:fld id="{48A3F15C-5ECE-48C7-876F-93960EADBBAB}" type="slidenum">
               <a:t>&lt;#&gt;</a:t>
             </a:fld>
           </a:p>
@@ -2979,7 +2971,7 @@
             <a:spLocks noGrp="1"/>
           </p:cNvSpPr>
           <p:nvPr>
-            <p:ph type="dt" idx="4"/>
+            <p:ph type="dt" idx="6"/>
           </p:nvPr>
         </p:nvSpPr>
         <p:spPr/>
@@ -3027,8 +3019,8 @@
         </p:nvSpPr>
         <p:spPr>
           <a:xfrm>
-            <a:off x="360000" y="180000"/>
-            <a:ext cx="9360000" cy="478080"/>
+            <a:off x="360000" y="106200"/>
+            <a:ext cx="9359640" cy="625320"/>
           </a:xfrm>
           <a:prstGeom prst="rect">
             <a:avLst/>
@@ -3046,9 +3038,9 @@
             <a:pPr indent="0" algn="ctr">
               <a:buNone/>
             </a:pPr>
-            <a:endParaRPr b="0" lang="en-US" sz="3300" spc="-1" strike="noStrike">
-              <a:solidFill>
-                <a:srgbClr val="ffffff"/>
+            <a:endParaRPr b="0" lang="en-US" sz="4400" spc="-1" strike="noStrike">
+              <a:solidFill>
+                <a:srgbClr val="000000"/>
               </a:solidFill>
               <a:latin typeface="Arial"/>
             </a:endParaRPr>
@@ -3080,18 +3072,18 @@
         </p:spPr>
         <p:txBody>
           <a:bodyPr lIns="0" rIns="0" tIns="0" bIns="0" anchor="t">
-            <a:noAutofit/>
+            <a:normAutofit/>
           </a:bodyPr>
           <a:p>
             <a:pPr indent="0">
               <a:spcBef>
-                <a:spcPts val="1060"/>
+                <a:spcPts val="1417"/>
               </a:spcBef>
               <a:buNone/>
             </a:pPr>
-            <a:endParaRPr b="0" lang="en-US" sz="2400" spc="-1" strike="noStrike">
-              <a:solidFill>
-                <a:srgbClr val="009bdd"/>
+            <a:endParaRPr b="0" lang="en-US" sz="3200" spc="-1" strike="noStrike">
+              <a:solidFill>
+                <a:srgbClr val="000000"/>
               </a:solidFill>
               <a:latin typeface="Arial"/>
             </a:endParaRPr>
@@ -3123,18 +3115,18 @@
         </p:spPr>
         <p:txBody>
           <a:bodyPr lIns="0" rIns="0" tIns="0" bIns="0" anchor="t">
-            <a:noAutofit/>
+            <a:normAutofit/>
           </a:bodyPr>
           <a:p>
             <a:pPr indent="0">
               <a:spcBef>
-                <a:spcPts val="1060"/>
+                <a:spcPts val="1417"/>
               </a:spcBef>
               <a:buNone/>
             </a:pPr>
-            <a:endParaRPr b="0" lang="en-US" sz="2400" spc="-1" strike="noStrike">
-              <a:solidFill>
-                <a:srgbClr val="009bdd"/>
+            <a:endParaRPr b="0" lang="en-US" sz="3200" spc="-1" strike="noStrike">
+              <a:solidFill>
+                <a:srgbClr val="000000"/>
               </a:solidFill>
               <a:latin typeface="Arial"/>
             </a:endParaRPr>
@@ -3166,18 +3158,18 @@
         </p:spPr>
         <p:txBody>
           <a:bodyPr lIns="0" rIns="0" tIns="0" bIns="0" anchor="t">
-            <a:noAutofit/>
+            <a:normAutofit/>
           </a:bodyPr>
           <a:p>
             <a:pPr indent="0">
               <a:spcBef>
-                <a:spcPts val="1060"/>
+                <a:spcPts val="1417"/>
               </a:spcBef>
               <a:buNone/>
             </a:pPr>
-            <a:endParaRPr b="0" lang="en-US" sz="2400" spc="-1" strike="noStrike">
-              <a:solidFill>
-                <a:srgbClr val="009bdd"/>
+            <a:endParaRPr b="0" lang="en-US" sz="3200" spc="-1" strike="noStrike">
+              <a:solidFill>
+                <a:srgbClr val="000000"/>
               </a:solidFill>
               <a:latin typeface="Arial"/>
             </a:endParaRPr>
@@ -3209,18 +3201,18 @@
         </p:spPr>
         <p:txBody>
           <a:bodyPr lIns="0" rIns="0" tIns="0" bIns="0" anchor="t">
-            <a:noAutofit/>
+            <a:normAutofit/>
           </a:bodyPr>
           <a:p>
             <a:pPr indent="0">
               <a:spcBef>
-                <a:spcPts val="1060"/>
+                <a:spcPts val="1417"/>
               </a:spcBef>
               <a:buNone/>
             </a:pPr>
-            <a:endParaRPr b="0" lang="en-US" sz="2400" spc="-1" strike="noStrike">
-              <a:solidFill>
-                <a:srgbClr val="009bdd"/>
+            <a:endParaRPr b="0" lang="en-US" sz="3200" spc="-1" strike="noStrike">
+              <a:solidFill>
+                <a:srgbClr val="000000"/>
               </a:solidFill>
               <a:latin typeface="Arial"/>
             </a:endParaRPr>
@@ -3234,7 +3226,7 @@
             <a:spLocks noGrp="1"/>
           </p:cNvSpPr>
           <p:nvPr>
-            <p:ph type="ftr" idx="5"/>
+            <p:ph type="ftr" idx="4"/>
           </p:nvPr>
         </p:nvSpPr>
         <p:spPr/>
@@ -3254,14 +3246,14 @@
             <a:spLocks noGrp="1"/>
           </p:cNvSpPr>
           <p:nvPr>
-            <p:ph type="sldNum" idx="6"/>
-          </p:nvPr>
-        </p:nvSpPr>
-        <p:spPr/>
-        <p:txBody>
-          <a:bodyPr/>
-          <a:p>
-            <a:fld id="{82263363-D761-4D83-A303-15A9BD3E2857}" type="slidenum">
+            <p:ph type="sldNum" idx="5"/>
+          </p:nvPr>
+        </p:nvSpPr>
+        <p:spPr/>
+        <p:txBody>
+          <a:bodyPr/>
+          <a:p>
+            <a:fld id="{D3DC8331-E619-448C-9D31-F5E5B89453D1}" type="slidenum">
               <a:t>&lt;#&gt;</a:t>
             </a:fld>
           </a:p>
@@ -3274,7 +3266,7 @@
             <a:spLocks noGrp="1"/>
           </p:cNvSpPr>
           <p:nvPr>
-            <p:ph type="dt" idx="4"/>
+            <p:ph type="dt" idx="6"/>
           </p:nvPr>
         </p:nvSpPr>
         <p:spPr/>
@@ -3322,8 +3314,8 @@
         </p:nvSpPr>
         <p:spPr>
           <a:xfrm>
-            <a:off x="360000" y="180000"/>
-            <a:ext cx="9360000" cy="478080"/>
+            <a:off x="360000" y="106200"/>
+            <a:ext cx="9359640" cy="625320"/>
           </a:xfrm>
           <a:prstGeom prst="rect">
             <a:avLst/>
@@ -3341,9 +3333,9 @@
             <a:pPr indent="0" algn="ctr">
               <a:buNone/>
             </a:pPr>
-            <a:endParaRPr b="0" lang="en-US" sz="3300" spc="-1" strike="noStrike">
-              <a:solidFill>
-                <a:srgbClr val="ffffff"/>
+            <a:endParaRPr b="0" lang="en-US" sz="4400" spc="-1" strike="noStrike">
+              <a:solidFill>
+                <a:srgbClr val="000000"/>
               </a:solidFill>
               <a:latin typeface="Arial"/>
             </a:endParaRPr>
@@ -3375,18 +3367,18 @@
         </p:spPr>
         <p:txBody>
           <a:bodyPr lIns="0" rIns="0" tIns="0" bIns="0" anchor="t">
-            <a:noAutofit/>
+            <a:normAutofit/>
           </a:bodyPr>
           <a:p>
             <a:pPr indent="0">
               <a:spcBef>
-                <a:spcPts val="1060"/>
+                <a:spcPts val="1417"/>
               </a:spcBef>
               <a:buNone/>
             </a:pPr>
-            <a:endParaRPr b="0" lang="en-US" sz="2400" spc="-1" strike="noStrike">
-              <a:solidFill>
-                <a:srgbClr val="009bdd"/>
+            <a:endParaRPr b="0" lang="en-US" sz="3200" spc="-1" strike="noStrike">
+              <a:solidFill>
+                <a:srgbClr val="000000"/>
               </a:solidFill>
               <a:latin typeface="Arial"/>
             </a:endParaRPr>
@@ -3418,18 +3410,18 @@
         </p:spPr>
         <p:txBody>
           <a:bodyPr lIns="0" rIns="0" tIns="0" bIns="0" anchor="t">
-            <a:noAutofit/>
+            <a:normAutofit/>
           </a:bodyPr>
           <a:p>
             <a:pPr indent="0">
               <a:spcBef>
-                <a:spcPts val="1060"/>
+                <a:spcPts val="1417"/>
               </a:spcBef>
               <a:buNone/>
             </a:pPr>
-            <a:endParaRPr b="0" lang="en-US" sz="2400" spc="-1" strike="noStrike">
-              <a:solidFill>
-                <a:srgbClr val="009bdd"/>
+            <a:endParaRPr b="0" lang="en-US" sz="3200" spc="-1" strike="noStrike">
+              <a:solidFill>
+                <a:srgbClr val="000000"/>
               </a:solidFill>
               <a:latin typeface="Arial"/>
             </a:endParaRPr>
@@ -3461,18 +3453,18 @@
         </p:spPr>
         <p:txBody>
           <a:bodyPr lIns="0" rIns="0" tIns="0" bIns="0" anchor="t">
-            <a:noAutofit/>
+            <a:normAutofit/>
           </a:bodyPr>
           <a:p>
             <a:pPr indent="0">
               <a:spcBef>
-                <a:spcPts val="1060"/>
+                <a:spcPts val="1417"/>
               </a:spcBef>
               <a:buNone/>
             </a:pPr>
-            <a:endParaRPr b="0" lang="en-US" sz="2400" spc="-1" strike="noStrike">
-              <a:solidFill>
-                <a:srgbClr val="009bdd"/>
+            <a:endParaRPr b="0" lang="en-US" sz="3200" spc="-1" strike="noStrike">
+              <a:solidFill>
+                <a:srgbClr val="000000"/>
               </a:solidFill>
               <a:latin typeface="Arial"/>
             </a:endParaRPr>
@@ -3504,18 +3496,18 @@
         </p:spPr>
         <p:txBody>
           <a:bodyPr lIns="0" rIns="0" tIns="0" bIns="0" anchor="t">
-            <a:noAutofit/>
+            <a:normAutofit/>
           </a:bodyPr>
           <a:p>
             <a:pPr indent="0">
               <a:spcBef>
-                <a:spcPts val="1060"/>
+                <a:spcPts val="1417"/>
               </a:spcBef>
               <a:buNone/>
             </a:pPr>
-            <a:endParaRPr b="0" lang="en-US" sz="2400" spc="-1" strike="noStrike">
-              <a:solidFill>
-                <a:srgbClr val="009bdd"/>
+            <a:endParaRPr b="0" lang="en-US" sz="3200" spc="-1" strike="noStrike">
+              <a:solidFill>
+                <a:srgbClr val="000000"/>
               </a:solidFill>
               <a:latin typeface="Arial"/>
             </a:endParaRPr>
@@ -3547,18 +3539,18 @@
         </p:spPr>
         <p:txBody>
           <a:bodyPr lIns="0" rIns="0" tIns="0" bIns="0" anchor="t">
-            <a:noAutofit/>
+            <a:normAutofit/>
           </a:bodyPr>
           <a:p>
             <a:pPr indent="0">
               <a:spcBef>
-                <a:spcPts val="1060"/>
+                <a:spcPts val="1417"/>
               </a:spcBef>
               <a:buNone/>
             </a:pPr>
-            <a:endParaRPr b="0" lang="en-US" sz="2400" spc="-1" strike="noStrike">
-              <a:solidFill>
-                <a:srgbClr val="009bdd"/>
+            <a:endParaRPr b="0" lang="en-US" sz="3200" spc="-1" strike="noStrike">
+              <a:solidFill>
+                <a:srgbClr val="000000"/>
               </a:solidFill>
               <a:latin typeface="Arial"/>
             </a:endParaRPr>
@@ -3590,18 +3582,18 @@
         </p:spPr>
         <p:txBody>
           <a:bodyPr lIns="0" rIns="0" tIns="0" bIns="0" anchor="t">
-            <a:noAutofit/>
+            <a:normAutofit/>
           </a:bodyPr>
           <a:p>
             <a:pPr indent="0">
               <a:spcBef>
-                <a:spcPts val="1060"/>
+                <a:spcPts val="1417"/>
               </a:spcBef>
               <a:buNone/>
             </a:pPr>
-            <a:endParaRPr b="0" lang="en-US" sz="2400" spc="-1" strike="noStrike">
-              <a:solidFill>
-                <a:srgbClr val="009bdd"/>
+            <a:endParaRPr b="0" lang="en-US" sz="3200" spc="-1" strike="noStrike">
+              <a:solidFill>
+                <a:srgbClr val="000000"/>
               </a:solidFill>
               <a:latin typeface="Arial"/>
             </a:endParaRPr>
@@ -3615,7 +3607,7 @@
             <a:spLocks noGrp="1"/>
           </p:cNvSpPr>
           <p:nvPr>
-            <p:ph type="ftr" idx="5"/>
+            <p:ph type="ftr" idx="4"/>
           </p:nvPr>
         </p:nvSpPr>
         <p:spPr/>
@@ -3635,14 +3627,14 @@
             <a:spLocks noGrp="1"/>
           </p:cNvSpPr>
           <p:nvPr>
-            <p:ph type="sldNum" idx="6"/>
-          </p:nvPr>
-        </p:nvSpPr>
-        <p:spPr/>
-        <p:txBody>
-          <a:bodyPr/>
-          <a:p>
-            <a:fld id="{B0E3713E-EE0E-4414-BE17-490E662F11D6}" type="slidenum">
+            <p:ph type="sldNum" idx="5"/>
+          </p:nvPr>
+        </p:nvSpPr>
+        <p:spPr/>
+        <p:txBody>
+          <a:bodyPr/>
+          <a:p>
+            <a:fld id="{C5AAF54B-89A0-4B91-A751-F50BE4AD8134}" type="slidenum">
               <a:t>&lt;#&gt;</a:t>
             </a:fld>
           </a:p>
@@ -3655,7 +3647,7 @@
             <a:spLocks noGrp="1"/>
           </p:cNvSpPr>
           <p:nvPr>
-            <p:ph type="dt" idx="4"/>
+            <p:ph type="dt" idx="6"/>
           </p:nvPr>
         </p:nvSpPr>
         <p:spPr/>
@@ -3703,8 +3695,8 @@
         </p:nvSpPr>
         <p:spPr>
           <a:xfrm>
-            <a:off x="360000" y="180000"/>
-            <a:ext cx="9360000" cy="478080"/>
+            <a:off x="360000" y="106200"/>
+            <a:ext cx="9359640" cy="625320"/>
           </a:xfrm>
           <a:prstGeom prst="rect">
             <a:avLst/>
@@ -3722,9 +3714,9 @@
             <a:pPr indent="0" algn="ctr">
               <a:buNone/>
             </a:pPr>
-            <a:endParaRPr b="0" lang="en-US" sz="3300" spc="-1" strike="noStrike">
-              <a:solidFill>
-                <a:srgbClr val="ffffff"/>
+            <a:endParaRPr b="0" lang="en-US" sz="4400" spc="-1" strike="noStrike">
+              <a:solidFill>
+                <a:srgbClr val="000000"/>
               </a:solidFill>
               <a:latin typeface="Arial"/>
             </a:endParaRPr>
@@ -3744,7 +3736,7 @@
         <p:spPr>
           <a:xfrm>
             <a:off x="360000" y="1080000"/>
-            <a:ext cx="9360000" cy="3600000"/>
+            <a:ext cx="9359640" cy="3599640"/>
           </a:xfrm>
           <a:prstGeom prst="rect">
             <a:avLst/>
@@ -3756,18 +3748,18 @@
         </p:spPr>
         <p:txBody>
           <a:bodyPr lIns="0" rIns="0" tIns="0" bIns="0" anchor="t">
-            <a:noAutofit/>
+            <a:normAutofit/>
           </a:bodyPr>
           <a:p>
             <a:pPr indent="0">
               <a:spcBef>
-                <a:spcPts val="1060"/>
+                <a:spcPts val="1417"/>
               </a:spcBef>
               <a:buNone/>
             </a:pPr>
-            <a:endParaRPr b="0" lang="en-US" sz="2400" spc="-1" strike="noStrike">
-              <a:solidFill>
-                <a:srgbClr val="009bdd"/>
+            <a:endParaRPr b="0" lang="en-US" sz="3200" spc="-1" strike="noStrike">
+              <a:solidFill>
+                <a:srgbClr val="000000"/>
               </a:solidFill>
               <a:latin typeface="Arial"/>
             </a:endParaRPr>
@@ -3781,7 +3773,7 @@
             <a:spLocks noGrp="1"/>
           </p:cNvSpPr>
           <p:nvPr>
-            <p:ph type="ftr" idx="2"/>
+            <p:ph type="ftr" idx="1"/>
           </p:nvPr>
         </p:nvSpPr>
         <p:spPr/>
@@ -3801,14 +3793,14 @@
             <a:spLocks noGrp="1"/>
           </p:cNvSpPr>
           <p:nvPr>
-            <p:ph type="sldNum" idx="3"/>
-          </p:nvPr>
-        </p:nvSpPr>
-        <p:spPr/>
-        <p:txBody>
-          <a:bodyPr/>
-          <a:p>
-            <a:fld id="{37E392CD-1FA3-4475-B189-761A020F9312}" type="slidenum">
+            <p:ph type="sldNum" idx="2"/>
+          </p:nvPr>
+        </p:nvSpPr>
+        <p:spPr/>
+        <p:txBody>
+          <a:bodyPr/>
+          <a:p>
+            <a:fld id="{EC1F8BD3-CAB5-40B9-B549-0B998442E892}" type="slidenum">
               <a:t>&lt;#&gt;</a:t>
             </a:fld>
           </a:p>
@@ -3821,7 +3813,7 @@
             <a:spLocks noGrp="1"/>
           </p:cNvSpPr>
           <p:nvPr>
-            <p:ph type="dt" idx="1"/>
+            <p:ph type="dt" idx="3"/>
           </p:nvPr>
         </p:nvSpPr>
         <p:spPr/>
@@ -3869,8 +3861,8 @@
         </p:nvSpPr>
         <p:spPr>
           <a:xfrm>
-            <a:off x="360000" y="180000"/>
-            <a:ext cx="9360000" cy="478080"/>
+            <a:off x="360000" y="106200"/>
+            <a:ext cx="9359640" cy="625320"/>
           </a:xfrm>
           <a:prstGeom prst="rect">
             <a:avLst/>
@@ -3888,9 +3880,9 @@
             <a:pPr indent="0" algn="ctr">
               <a:buNone/>
             </a:pPr>
-            <a:endParaRPr b="0" lang="en-US" sz="3300" spc="-1" strike="noStrike">
-              <a:solidFill>
-                <a:srgbClr val="ffffff"/>
+            <a:endParaRPr b="0" lang="en-US" sz="4400" spc="-1" strike="noStrike">
+              <a:solidFill>
+                <a:srgbClr val="000000"/>
               </a:solidFill>
               <a:latin typeface="Arial"/>
             </a:endParaRPr>
@@ -3910,7 +3902,7 @@
         <p:spPr>
           <a:xfrm>
             <a:off x="360000" y="1080000"/>
-            <a:ext cx="4567320" cy="3600000"/>
+            <a:ext cx="4567320" cy="3599640"/>
           </a:xfrm>
           <a:prstGeom prst="rect">
             <a:avLst/>
@@ -3922,18 +3914,18 @@
         </p:spPr>
         <p:txBody>
           <a:bodyPr lIns="0" rIns="0" tIns="0" bIns="0" anchor="t">
-            <a:noAutofit/>
+            <a:normAutofit/>
           </a:bodyPr>
           <a:p>
             <a:pPr indent="0">
               <a:spcBef>
-                <a:spcPts val="1060"/>
+                <a:spcPts val="1417"/>
               </a:spcBef>
               <a:buNone/>
             </a:pPr>
-            <a:endParaRPr b="0" lang="en-US" sz="2400" spc="-1" strike="noStrike">
-              <a:solidFill>
-                <a:srgbClr val="009bdd"/>
+            <a:endParaRPr b="0" lang="en-US" sz="3200" spc="-1" strike="noStrike">
+              <a:solidFill>
+                <a:srgbClr val="000000"/>
               </a:solidFill>
               <a:latin typeface="Arial"/>
             </a:endParaRPr>
@@ -3953,7 +3945,7 @@
         <p:spPr>
           <a:xfrm>
             <a:off x="5155920" y="1080000"/>
-            <a:ext cx="4567320" cy="3600000"/>
+            <a:ext cx="4567320" cy="3599640"/>
           </a:xfrm>
           <a:prstGeom prst="rect">
             <a:avLst/>
@@ -3965,18 +3957,18 @@
         </p:spPr>
         <p:txBody>
           <a:bodyPr lIns="0" rIns="0" tIns="0" bIns="0" anchor="t">
-            <a:noAutofit/>
+            <a:normAutofit/>
           </a:bodyPr>
           <a:p>
             <a:pPr indent="0">
               <a:spcBef>
-                <a:spcPts val="1060"/>
+                <a:spcPts val="1417"/>
               </a:spcBef>
               <a:buNone/>
             </a:pPr>
-            <a:endParaRPr b="0" lang="en-US" sz="2400" spc="-1" strike="noStrike">
-              <a:solidFill>
-                <a:srgbClr val="009bdd"/>
+            <a:endParaRPr b="0" lang="en-US" sz="3200" spc="-1" strike="noStrike">
+              <a:solidFill>
+                <a:srgbClr val="000000"/>
               </a:solidFill>
               <a:latin typeface="Arial"/>
             </a:endParaRPr>
@@ -3990,7 +3982,7 @@
             <a:spLocks noGrp="1"/>
           </p:cNvSpPr>
           <p:nvPr>
-            <p:ph type="ftr" idx="2"/>
+            <p:ph type="ftr" idx="1"/>
           </p:nvPr>
         </p:nvSpPr>
         <p:spPr/>
@@ -4010,14 +4002,14 @@
             <a:spLocks noGrp="1"/>
           </p:cNvSpPr>
           <p:nvPr>
-            <p:ph type="sldNum" idx="3"/>
-          </p:nvPr>
-        </p:nvSpPr>
-        <p:spPr/>
-        <p:txBody>
-          <a:bodyPr/>
-          <a:p>
-            <a:fld id="{C6813CA6-0643-42FD-88B2-B4D2F99E3A5D}" type="slidenum">
+            <p:ph type="sldNum" idx="2"/>
+          </p:nvPr>
+        </p:nvSpPr>
+        <p:spPr/>
+        <p:txBody>
+          <a:bodyPr/>
+          <a:p>
+            <a:fld id="{77135A11-9789-4136-B22C-87FC9E123D1C}" type="slidenum">
               <a:t>&lt;#&gt;</a:t>
             </a:fld>
           </a:p>
@@ -4030,7 +4022,7 @@
             <a:spLocks noGrp="1"/>
           </p:cNvSpPr>
           <p:nvPr>
-            <p:ph type="dt" idx="1"/>
+            <p:ph type="dt" idx="3"/>
           </p:nvPr>
         </p:nvSpPr>
         <p:spPr/>
@@ -4078,8 +4070,8 @@
         </p:nvSpPr>
         <p:spPr>
           <a:xfrm>
-            <a:off x="360000" y="180000"/>
-            <a:ext cx="9360000" cy="478080"/>
+            <a:off x="360000" y="106200"/>
+            <a:ext cx="9359640" cy="625320"/>
           </a:xfrm>
           <a:prstGeom prst="rect">
             <a:avLst/>
@@ -4097,9 +4089,9 @@
             <a:pPr indent="0" algn="ctr">
               <a:buNone/>
             </a:pPr>
-            <a:endParaRPr b="0" lang="en-US" sz="3300" spc="-1" strike="noStrike">
-              <a:solidFill>
-                <a:srgbClr val="ffffff"/>
+            <a:endParaRPr b="0" lang="en-US" sz="4400" spc="-1" strike="noStrike">
+              <a:solidFill>
+                <a:srgbClr val="000000"/>
               </a:solidFill>
               <a:latin typeface="Arial"/>
             </a:endParaRPr>
@@ -4113,7 +4105,7 @@
             <a:spLocks noGrp="1"/>
           </p:cNvSpPr>
           <p:nvPr>
-            <p:ph type="ftr" idx="2"/>
+            <p:ph type="ftr" idx="1"/>
           </p:nvPr>
         </p:nvSpPr>
         <p:spPr/>
@@ -4133,14 +4125,14 @@
             <a:spLocks noGrp="1"/>
           </p:cNvSpPr>
           <p:nvPr>
-            <p:ph type="sldNum" idx="3"/>
-          </p:nvPr>
-        </p:nvSpPr>
-        <p:spPr/>
-        <p:txBody>
-          <a:bodyPr/>
-          <a:p>
-            <a:fld id="{226F5AA4-6EEA-43A1-BCCB-57A1D9A46F3F}" type="slidenum">
+            <p:ph type="sldNum" idx="2"/>
+          </p:nvPr>
+        </p:nvSpPr>
+        <p:spPr/>
+        <p:txBody>
+          <a:bodyPr/>
+          <a:p>
+            <a:fld id="{04D5A8AD-A30E-420B-B2C1-074F7267EFAA}" type="slidenum">
               <a:t>&lt;#&gt;</a:t>
             </a:fld>
           </a:p>
@@ -4153,7 +4145,7 @@
             <a:spLocks noGrp="1"/>
           </p:cNvSpPr>
           <p:nvPr>
-            <p:ph type="dt" idx="1"/>
+            <p:ph type="dt" idx="3"/>
           </p:nvPr>
         </p:nvSpPr>
         <p:spPr/>
@@ -4202,7 +4194,7 @@
         <p:spPr>
           <a:xfrm>
             <a:off x="360000" y="180000"/>
-            <a:ext cx="9360000" cy="2217240"/>
+            <a:ext cx="9359640" cy="2215800"/>
           </a:xfrm>
           <a:prstGeom prst="rect">
             <a:avLst/>
@@ -4222,9 +4214,6 @@
               <a:solidFill>
                 <a:srgbClr val="000000"/>
               </a:solidFill>
-              <a:highlight>
-                <a:srgbClr val="ffffff"/>
-              </a:highlight>
               <a:latin typeface="Arial"/>
             </a:endParaRPr>
           </a:p>
@@ -4237,7 +4226,7 @@
             <a:spLocks noGrp="1"/>
           </p:cNvSpPr>
           <p:nvPr>
-            <p:ph type="ftr" idx="2"/>
+            <p:ph type="ftr" idx="1"/>
           </p:nvPr>
         </p:nvSpPr>
         <p:spPr/>
@@ -4257,14 +4246,14 @@
             <a:spLocks noGrp="1"/>
           </p:cNvSpPr>
           <p:nvPr>
-            <p:ph type="sldNum" idx="3"/>
-          </p:nvPr>
-        </p:nvSpPr>
-        <p:spPr/>
-        <p:txBody>
-          <a:bodyPr/>
-          <a:p>
-            <a:fld id="{439E680D-96FC-496B-A77D-29CEC35494CA}" type="slidenum">
+            <p:ph type="sldNum" idx="2"/>
+          </p:nvPr>
+        </p:nvSpPr>
+        <p:spPr/>
+        <p:txBody>
+          <a:bodyPr/>
+          <a:p>
+            <a:fld id="{2E8FC97A-B3A7-4AE9-8D80-5F3E12E41013}" type="slidenum">
               <a:t>&lt;#&gt;</a:t>
             </a:fld>
           </a:p>
@@ -4277,7 +4266,7 @@
             <a:spLocks noGrp="1"/>
           </p:cNvSpPr>
           <p:nvPr>
-            <p:ph type="dt" idx="1"/>
+            <p:ph type="dt" idx="3"/>
           </p:nvPr>
         </p:nvSpPr>
         <p:spPr/>
@@ -4325,8 +4314,8 @@
         </p:nvSpPr>
         <p:spPr>
           <a:xfrm>
-            <a:off x="360000" y="180000"/>
-            <a:ext cx="9360000" cy="478080"/>
+            <a:off x="360000" y="106200"/>
+            <a:ext cx="9359640" cy="625320"/>
           </a:xfrm>
           <a:prstGeom prst="rect">
             <a:avLst/>
@@ -4344,9 +4333,9 @@
             <a:pPr indent="0" algn="ctr">
               <a:buNone/>
             </a:pPr>
-            <a:endParaRPr b="0" lang="en-US" sz="3300" spc="-1" strike="noStrike">
-              <a:solidFill>
-                <a:srgbClr val="ffffff"/>
+            <a:endParaRPr b="0" lang="en-US" sz="4400" spc="-1" strike="noStrike">
+              <a:solidFill>
+                <a:srgbClr val="000000"/>
               </a:solidFill>
               <a:latin typeface="Arial"/>
             </a:endParaRPr>
@@ -4378,18 +4367,18 @@
         </p:spPr>
         <p:txBody>
           <a:bodyPr lIns="0" rIns="0" tIns="0" bIns="0" anchor="t">
-            <a:noAutofit/>
+            <a:normAutofit/>
           </a:bodyPr>
           <a:p>
             <a:pPr indent="0">
               <a:spcBef>
-                <a:spcPts val="1060"/>
+                <a:spcPts val="1417"/>
               </a:spcBef>
               <a:buNone/>
             </a:pPr>
-            <a:endParaRPr b="0" lang="en-US" sz="2400" spc="-1" strike="noStrike">
-              <a:solidFill>
-                <a:srgbClr val="009bdd"/>
+            <a:endParaRPr b="0" lang="en-US" sz="3200" spc="-1" strike="noStrike">
+              <a:solidFill>
+                <a:srgbClr val="000000"/>
               </a:solidFill>
               <a:latin typeface="Arial"/>
             </a:endParaRPr>
@@ -4409,7 +4398,7 @@
         <p:spPr>
           <a:xfrm>
             <a:off x="5155920" y="1080000"/>
-            <a:ext cx="4567320" cy="3600000"/>
+            <a:ext cx="4567320" cy="3599640"/>
           </a:xfrm>
           <a:prstGeom prst="rect">
             <a:avLst/>
@@ -4421,18 +4410,18 @@
         </p:spPr>
         <p:txBody>
           <a:bodyPr lIns="0" rIns="0" tIns="0" bIns="0" anchor="t">
-            <a:noAutofit/>
+            <a:normAutofit/>
           </a:bodyPr>
           <a:p>
             <a:pPr indent="0">
               <a:spcBef>
-                <a:spcPts val="1060"/>
+                <a:spcPts val="1417"/>
               </a:spcBef>
               <a:buNone/>
             </a:pPr>
-            <a:endParaRPr b="0" lang="en-US" sz="2400" spc="-1" strike="noStrike">
-              <a:solidFill>
-                <a:srgbClr val="009bdd"/>
+            <a:endParaRPr b="0" lang="en-US" sz="3200" spc="-1" strike="noStrike">
+              <a:solidFill>
+                <a:srgbClr val="000000"/>
               </a:solidFill>
               <a:latin typeface="Arial"/>
             </a:endParaRPr>
@@ -4464,18 +4453,18 @@
         </p:spPr>
         <p:txBody>
           <a:bodyPr lIns="0" rIns="0" tIns="0" bIns="0" anchor="t">
-            <a:noAutofit/>
+            <a:normAutofit/>
           </a:bodyPr>
           <a:p>
             <a:pPr indent="0">
               <a:spcBef>
-                <a:spcPts val="1060"/>
+                <a:spcPts val="1417"/>
               </a:spcBef>
               <a:buNone/>
             </a:pPr>
-            <a:endParaRPr b="0" lang="en-US" sz="2400" spc="-1" strike="noStrike">
-              <a:solidFill>
-                <a:srgbClr val="009bdd"/>
+            <a:endParaRPr b="0" lang="en-US" sz="3200" spc="-1" strike="noStrike">
+              <a:solidFill>
+                <a:srgbClr val="000000"/>
               </a:solidFill>
               <a:latin typeface="Arial"/>
             </a:endParaRPr>
@@ -4489,7 +4478,7 @@
             <a:spLocks noGrp="1"/>
           </p:cNvSpPr>
           <p:nvPr>
-            <p:ph type="ftr" idx="2"/>
+            <p:ph type="ftr" idx="1"/>
           </p:nvPr>
         </p:nvSpPr>
         <p:spPr/>
@@ -4509,14 +4498,14 @@
             <a:spLocks noGrp="1"/>
           </p:cNvSpPr>
           <p:nvPr>
-            <p:ph type="sldNum" idx="3"/>
-          </p:nvPr>
-        </p:nvSpPr>
-        <p:spPr/>
-        <p:txBody>
-          <a:bodyPr/>
-          <a:p>
-            <a:fld id="{FD1909D5-6B5C-4693-8AB3-8789E6951DC5}" type="slidenum">
+            <p:ph type="sldNum" idx="2"/>
+          </p:nvPr>
+        </p:nvSpPr>
+        <p:spPr/>
+        <p:txBody>
+          <a:bodyPr/>
+          <a:p>
+            <a:fld id="{CF252F7A-412B-4494-98EC-BDA7A25C179A}" type="slidenum">
               <a:t>&lt;#&gt;</a:t>
             </a:fld>
           </a:p>
@@ -4529,7 +4518,7 @@
             <a:spLocks noGrp="1"/>
           </p:cNvSpPr>
           <p:nvPr>
-            <p:ph type="dt" idx="1"/>
+            <p:ph type="dt" idx="3"/>
           </p:nvPr>
         </p:nvSpPr>
         <p:spPr/>
@@ -4577,8 +4566,8 @@
         </p:nvSpPr>
         <p:spPr>
           <a:xfrm>
-            <a:off x="360000" y="180000"/>
-            <a:ext cx="9360000" cy="478080"/>
+            <a:off x="360000" y="106200"/>
+            <a:ext cx="9359640" cy="625320"/>
           </a:xfrm>
           <a:prstGeom prst="rect">
             <a:avLst/>
@@ -4596,9 +4585,9 @@
             <a:pPr indent="0" algn="ctr">
               <a:buNone/>
             </a:pPr>
-            <a:endParaRPr b="0" lang="en-US" sz="3300" spc="-1" strike="noStrike">
-              <a:solidFill>
-                <a:srgbClr val="ffffff"/>
+            <a:endParaRPr b="0" lang="en-US" sz="4400" spc="-1" strike="noStrike">
+              <a:solidFill>
+                <a:srgbClr val="000000"/>
               </a:solidFill>
               <a:latin typeface="Arial"/>
             </a:endParaRPr>
@@ -4618,7 +4607,7 @@
         <p:spPr>
           <a:xfrm>
             <a:off x="360000" y="1080000"/>
-            <a:ext cx="4567320" cy="3600000"/>
+            <a:ext cx="4567320" cy="3599640"/>
           </a:xfrm>
           <a:prstGeom prst="rect">
             <a:avLst/>
@@ -4630,18 +4619,18 @@
         </p:spPr>
         <p:txBody>
           <a:bodyPr lIns="0" rIns="0" tIns="0" bIns="0" anchor="t">
-            <a:noAutofit/>
+            <a:normAutofit/>
           </a:bodyPr>
           <a:p>
             <a:pPr indent="0">
               <a:spcBef>
-                <a:spcPts val="1060"/>
+                <a:spcPts val="1417"/>
               </a:spcBef>
               <a:buNone/>
             </a:pPr>
-            <a:endParaRPr b="0" lang="en-US" sz="2400" spc="-1" strike="noStrike">
-              <a:solidFill>
-                <a:srgbClr val="009bdd"/>
+            <a:endParaRPr b="0" lang="en-US" sz="3200" spc="-1" strike="noStrike">
+              <a:solidFill>
+                <a:srgbClr val="000000"/>
               </a:solidFill>
               <a:latin typeface="Arial"/>
             </a:endParaRPr>
@@ -4673,18 +4662,18 @@
         </p:spPr>
         <p:txBody>
           <a:bodyPr lIns="0" rIns="0" tIns="0" bIns="0" anchor="t">
-            <a:noAutofit/>
+            <a:normAutofit/>
           </a:bodyPr>
           <a:p>
             <a:pPr indent="0">
               <a:spcBef>
-                <a:spcPts val="1060"/>
+                <a:spcPts val="1417"/>
               </a:spcBef>
               <a:buNone/>
             </a:pPr>
-            <a:endParaRPr b="0" lang="en-US" sz="2400" spc="-1" strike="noStrike">
-              <a:solidFill>
-                <a:srgbClr val="009bdd"/>
+            <a:endParaRPr b="0" lang="en-US" sz="3200" spc="-1" strike="noStrike">
+              <a:solidFill>
+                <a:srgbClr val="000000"/>
               </a:solidFill>
               <a:latin typeface="Arial"/>
             </a:endParaRPr>
@@ -4716,18 +4705,18 @@
         </p:spPr>
         <p:txBody>
           <a:bodyPr lIns="0" rIns="0" tIns="0" bIns="0" anchor="t">
-            <a:noAutofit/>
+            <a:normAutofit/>
           </a:bodyPr>
           <a:p>
             <a:pPr indent="0">
               <a:spcBef>
-                <a:spcPts val="1060"/>
+                <a:spcPts val="1417"/>
               </a:spcBef>
               <a:buNone/>
             </a:pPr>
-            <a:endParaRPr b="0" lang="en-US" sz="2400" spc="-1" strike="noStrike">
-              <a:solidFill>
-                <a:srgbClr val="009bdd"/>
+            <a:endParaRPr b="0" lang="en-US" sz="3200" spc="-1" strike="noStrike">
+              <a:solidFill>
+                <a:srgbClr val="000000"/>
               </a:solidFill>
               <a:latin typeface="Arial"/>
             </a:endParaRPr>
@@ -4741,7 +4730,7 @@
             <a:spLocks noGrp="1"/>
           </p:cNvSpPr>
           <p:nvPr>
-            <p:ph type="ftr" idx="2"/>
+            <p:ph type="ftr" idx="1"/>
           </p:nvPr>
         </p:nvSpPr>
         <p:spPr/>
@@ -4761,14 +4750,14 @@
             <a:spLocks noGrp="1"/>
           </p:cNvSpPr>
           <p:nvPr>
-            <p:ph type="sldNum" idx="3"/>
-          </p:nvPr>
-        </p:nvSpPr>
-        <p:spPr/>
-        <p:txBody>
-          <a:bodyPr/>
-          <a:p>
-            <a:fld id="{942E2809-815A-4E67-A769-D99972BBA97F}" type="slidenum">
+            <p:ph type="sldNum" idx="2"/>
+          </p:nvPr>
+        </p:nvSpPr>
+        <p:spPr/>
+        <p:txBody>
+          <a:bodyPr/>
+          <a:p>
+            <a:fld id="{EB6DAC22-9A10-4A0F-8E70-66BC98D86142}" type="slidenum">
               <a:t>&lt;#&gt;</a:t>
             </a:fld>
           </a:p>
@@ -4781,7 +4770,7 @@
             <a:spLocks noGrp="1"/>
           </p:cNvSpPr>
           <p:nvPr>
-            <p:ph type="dt" idx="1"/>
+            <p:ph type="dt" idx="3"/>
           </p:nvPr>
         </p:nvSpPr>
         <p:spPr/>
@@ -4829,8 +4818,8 @@
         </p:nvSpPr>
         <p:spPr>
           <a:xfrm>
-            <a:off x="360000" y="180000"/>
-            <a:ext cx="9360000" cy="478080"/>
+            <a:off x="360000" y="106200"/>
+            <a:ext cx="9359640" cy="625320"/>
           </a:xfrm>
           <a:prstGeom prst="rect">
             <a:avLst/>
@@ -4848,9 +4837,9 @@
             <a:pPr indent="0" algn="ctr">
               <a:buNone/>
             </a:pPr>
-            <a:endParaRPr b="0" lang="en-US" sz="3300" spc="-1" strike="noStrike">
-              <a:solidFill>
-                <a:srgbClr val="ffffff"/>
+            <a:endParaRPr b="0" lang="en-US" sz="4400" spc="-1" strike="noStrike">
+              <a:solidFill>
+                <a:srgbClr val="000000"/>
               </a:solidFill>
               <a:latin typeface="Arial"/>
             </a:endParaRPr>
@@ -4882,18 +4871,18 @@
         </p:spPr>
         <p:txBody>
           <a:bodyPr lIns="0" rIns="0" tIns="0" bIns="0" anchor="t">
-            <a:noAutofit/>
+            <a:normAutofit/>
           </a:bodyPr>
           <a:p>
             <a:pPr indent="0">
               <a:spcBef>
-                <a:spcPts val="1060"/>
+                <a:spcPts val="1417"/>
               </a:spcBef>
               <a:buNone/>
             </a:pPr>
-            <a:endParaRPr b="0" lang="en-US" sz="2400" spc="-1" strike="noStrike">
-              <a:solidFill>
-                <a:srgbClr val="009bdd"/>
+            <a:endParaRPr b="0" lang="en-US" sz="3200" spc="-1" strike="noStrike">
+              <a:solidFill>
+                <a:srgbClr val="000000"/>
               </a:solidFill>
               <a:latin typeface="Arial"/>
             </a:endParaRPr>
@@ -4925,18 +4914,18 @@
         </p:spPr>
         <p:txBody>
           <a:bodyPr lIns="0" rIns="0" tIns="0" bIns="0" anchor="t">
-            <a:noAutofit/>
+            <a:normAutofit/>
           </a:bodyPr>
           <a:p>
             <a:pPr indent="0">
               <a:spcBef>
-                <a:spcPts val="1060"/>
+                <a:spcPts val="1417"/>
               </a:spcBef>
               <a:buNone/>
             </a:pPr>
-            <a:endParaRPr b="0" lang="en-US" sz="2400" spc="-1" strike="noStrike">
-              <a:solidFill>
-                <a:srgbClr val="009bdd"/>
+            <a:endParaRPr b="0" lang="en-US" sz="3200" spc="-1" strike="noStrike">
+              <a:solidFill>
+                <a:srgbClr val="000000"/>
               </a:solidFill>
               <a:latin typeface="Arial"/>
             </a:endParaRPr>
@@ -4956,7 +4945,7 @@
         <p:spPr>
           <a:xfrm>
             <a:off x="360000" y="2960280"/>
-            <a:ext cx="9360000" cy="1716840"/>
+            <a:ext cx="9359640" cy="1716840"/>
           </a:xfrm>
           <a:prstGeom prst="rect">
             <a:avLst/>
@@ -4968,18 +4957,18 @@
         </p:spPr>
         <p:txBody>
           <a:bodyPr lIns="0" rIns="0" tIns="0" bIns="0" anchor="t">
-            <a:noAutofit/>
+            <a:normAutofit/>
           </a:bodyPr>
           <a:p>
             <a:pPr indent="0">
               <a:spcBef>
-                <a:spcPts val="1060"/>
+                <a:spcPts val="1417"/>
               </a:spcBef>
               <a:buNone/>
             </a:pPr>
-            <a:endParaRPr b="0" lang="en-US" sz="2400" spc="-1" strike="noStrike">
-              <a:solidFill>
-                <a:srgbClr val="009bdd"/>
+            <a:endParaRPr b="0" lang="en-US" sz="3200" spc="-1" strike="noStrike">
+              <a:solidFill>
+                <a:srgbClr val="000000"/>
               </a:solidFill>
               <a:latin typeface="Arial"/>
             </a:endParaRPr>
@@ -4993,7 +4982,7 @@
             <a:spLocks noGrp="1"/>
           </p:cNvSpPr>
           <p:nvPr>
-            <p:ph type="ftr" idx="2"/>
+            <p:ph type="ftr" idx="1"/>
           </p:nvPr>
         </p:nvSpPr>
         <p:spPr/>
@@ -5013,14 +5002,14 @@
             <a:spLocks noGrp="1"/>
           </p:cNvSpPr>
           <p:nvPr>
-            <p:ph type="sldNum" idx="3"/>
-          </p:nvPr>
-        </p:nvSpPr>
-        <p:spPr/>
-        <p:txBody>
-          <a:bodyPr/>
-          <a:p>
-            <a:fld id="{81447D09-D24D-42FF-A9D3-B64B9B00613B}" type="slidenum">
+            <p:ph type="sldNum" idx="2"/>
+          </p:nvPr>
+        </p:nvSpPr>
+        <p:spPr/>
+        <p:txBody>
+          <a:bodyPr/>
+          <a:p>
+            <a:fld id="{A5E3FA79-67F7-457F-B65F-C301950B2095}" type="slidenum">
               <a:t>&lt;#&gt;</a:t>
             </a:fld>
           </a:p>
@@ -5033,7 +5022,7 @@
             <a:spLocks noGrp="1"/>
           </p:cNvSpPr>
           <p:nvPr>
-            <p:ph type="dt" idx="1"/>
+            <p:ph type="dt" idx="3"/>
           </p:nvPr>
         </p:nvSpPr>
         <p:spPr/>
@@ -5077,8 +5066,8 @@
         </p:nvSpPr>
         <p:spPr>
           <a:xfrm flipH="1" flipV="1">
-            <a:off x="0" y="4500000"/>
-            <a:ext cx="10080000" cy="1170000"/>
+            <a:off x="-720" y="4499280"/>
+            <a:ext cx="10079640" cy="1169640"/>
           </a:xfrm>
           <a:prstGeom prst="flowChartDocument">
             <a:avLst/>
@@ -5092,13 +5081,13 @@
                 <a:srgbClr val="009bdd"/>
               </a:gs>
             </a:gsLst>
-            <a:lin ang="10800000"/>
+            <a:lin ang="0"/>
           </a:gradFill>
           <a:ln w="18000">
             <a:noFill/>
           </a:ln>
           <a:effectLst>
-            <a:outerShdw dist="10800" dir="5400000" blurRad="0" rotWithShape="0">
+            <a:outerShdw blurRad="0" dir="5400000" dist="10800" rotWithShape="0">
               <a:srgbClr val="009bdd"/>
             </a:outerShdw>
           </a:effectLst>
@@ -5114,11 +5103,17 @@
             <a:noAutofit/>
           </a:bodyPr>
           <a:p>
+            <a:pPr>
+              <a:lnSpc>
+                <a:spcPct val="100000"/>
+              </a:lnSpc>
+            </a:pPr>
             <a:endParaRPr b="0" lang="en-US" sz="1800" spc="-1" strike="noStrike">
               <a:solidFill>
                 <a:srgbClr val="000000"/>
               </a:solidFill>
               <a:latin typeface="Arial"/>
+              <a:ea typeface="DejaVu Sans"/>
             </a:endParaRPr>
           </a:p>
         </p:txBody>
@@ -5135,8 +5130,8 @@
         </p:nvSpPr>
         <p:spPr>
           <a:xfrm>
-            <a:off x="0" y="1620000"/>
-            <a:ext cx="9000000" cy="1080000"/>
+            <a:off x="360000" y="180000"/>
+            <a:ext cx="9359640" cy="477720"/>
           </a:xfrm>
           <a:prstGeom prst="rect">
             <a:avLst/>
@@ -5151,21 +5146,21 @@
             <a:noAutofit/>
           </a:bodyPr>
           <a:p>
-            <a:pPr indent="0" algn="ctr">
+            <a:pPr indent="0">
               <a:buNone/>
             </a:pPr>
             <a:r>
-              <a:rPr b="0" lang="en-US" sz="3300" spc="-1" strike="noStrike">
+              <a:rPr b="0" lang="en-US" sz="1800" spc="-1" strike="noStrike">
                 <a:solidFill>
-                  <a:srgbClr val="dd4100"/>
+                  <a:srgbClr val="000000"/>
                 </a:solidFill>
                 <a:latin typeface="Arial"/>
               </a:rPr>
               <a:t>Click to edit the title text format</a:t>
             </a:r>
-            <a:endParaRPr b="0" lang="en-US" sz="3300" spc="-1" strike="noStrike">
-              <a:solidFill>
-                <a:srgbClr val="dd4100"/>
+            <a:endParaRPr b="0" lang="en-US" sz="1800" spc="-1" strike="noStrike">
+              <a:solidFill>
+                <a:srgbClr val="000000"/>
               </a:solidFill>
               <a:latin typeface="Arial"/>
             </a:endParaRPr>
@@ -5179,238 +5174,13 @@
             <a:spLocks noGrp="1"/>
           </p:cNvSpPr>
           <p:nvPr>
-            <p:ph type="body"/>
-          </p:nvPr>
-        </p:nvSpPr>
-        <p:spPr>
-          <a:xfrm>
-            <a:off x="360000" y="2880000"/>
-            <a:ext cx="9360000" cy="1620000"/>
-          </a:xfrm>
-          <a:prstGeom prst="rect">
-            <a:avLst/>
-          </a:prstGeom>
-          <a:noFill/>
-          <a:ln w="0">
-            <a:noFill/>
-          </a:ln>
-        </p:spPr>
-        <p:txBody>
-          <a:bodyPr lIns="0" rIns="0" tIns="0" bIns="0" anchor="t">
-            <a:normAutofit fontScale="78000"/>
-          </a:bodyPr>
-          <a:p>
-            <a:pPr marL="336960" indent="-252720">
-              <a:spcBef>
-                <a:spcPts val="1060"/>
-              </a:spcBef>
-              <a:buClr>
-                <a:srgbClr val="77caee"/>
-              </a:buClr>
-              <a:buSzPct val="45000"/>
-              <a:buFont typeface="Wingdings" charset="2"/>
-              <a:buChar char=""/>
-            </a:pPr>
-            <a:r>
-              <a:rPr b="0" lang="en-US" sz="2400" spc="-1" strike="noStrike">
-                <a:solidFill>
-                  <a:srgbClr val="009bdd"/>
-                </a:solidFill>
-                <a:latin typeface="Arial"/>
-              </a:rPr>
-              <a:t>Click to edit the outline text format</a:t>
-            </a:r>
-            <a:endParaRPr b="0" lang="en-US" sz="2400" spc="-1" strike="noStrike">
-              <a:solidFill>
-                <a:srgbClr val="009bdd"/>
-              </a:solidFill>
-              <a:latin typeface="Arial"/>
-            </a:endParaRPr>
-          </a:p>
-          <a:p>
-            <a:pPr lvl="1" marL="673920" indent="-252720">
-              <a:spcBef>
-                <a:spcPts val="850"/>
-              </a:spcBef>
-              <a:buClr>
-                <a:srgbClr val="77caee"/>
-              </a:buClr>
-              <a:buSzPct val="45000"/>
-              <a:buFont typeface="Wingdings" charset="2"/>
-              <a:buChar char=""/>
-            </a:pPr>
-            <a:r>
-              <a:rPr b="0" lang="en-US" sz="2100" spc="-1" strike="noStrike">
-                <a:solidFill>
-                  <a:srgbClr val="009bdd"/>
-                </a:solidFill>
-                <a:latin typeface="Arial"/>
-              </a:rPr>
-              <a:t>Second Outline Level</a:t>
-            </a:r>
-            <a:endParaRPr b="0" lang="en-US" sz="2100" spc="-1" strike="noStrike">
-              <a:solidFill>
-                <a:srgbClr val="009bdd"/>
-              </a:solidFill>
-              <a:latin typeface="Arial"/>
-            </a:endParaRPr>
-          </a:p>
-          <a:p>
-            <a:pPr lvl="2" marL="1010880" indent="-224640">
-              <a:spcBef>
-                <a:spcPts val="635"/>
-              </a:spcBef>
-              <a:buClr>
-                <a:srgbClr val="77caee"/>
-              </a:buClr>
-              <a:buSzPct val="45000"/>
-              <a:buFont typeface="Wingdings" charset="2"/>
-              <a:buChar char=""/>
-            </a:pPr>
-            <a:r>
-              <a:rPr b="0" lang="en-US" sz="1800" spc="-1" strike="noStrike">
-                <a:solidFill>
-                  <a:srgbClr val="009bdd"/>
-                </a:solidFill>
-                <a:latin typeface="Arial"/>
-              </a:rPr>
-              <a:t>Third Outline Level</a:t>
-            </a:r>
-            <a:endParaRPr b="0" lang="en-US" sz="1800" spc="-1" strike="noStrike">
-              <a:solidFill>
-                <a:srgbClr val="009bdd"/>
-              </a:solidFill>
-              <a:latin typeface="Arial"/>
-            </a:endParaRPr>
-          </a:p>
-          <a:p>
-            <a:pPr lvl="3" marL="1347840" indent="-168480">
-              <a:spcBef>
-                <a:spcPts val="422"/>
-              </a:spcBef>
-              <a:buClr>
-                <a:srgbClr val="77caee"/>
-              </a:buClr>
-              <a:buSzPct val="45000"/>
-              <a:buFont typeface="Wingdings" charset="2"/>
-              <a:buChar char=""/>
-            </a:pPr>
-            <a:r>
-              <a:rPr b="0" lang="en-US" sz="1500" spc="-1" strike="noStrike">
-                <a:solidFill>
-                  <a:srgbClr val="009bdd"/>
-                </a:solidFill>
-                <a:latin typeface="Arial"/>
-              </a:rPr>
-              <a:t>Fourth Outline Level</a:t>
-            </a:r>
-            <a:endParaRPr b="0" lang="en-US" sz="1500" spc="-1" strike="noStrike">
-              <a:solidFill>
-                <a:srgbClr val="009bdd"/>
-              </a:solidFill>
-              <a:latin typeface="Arial"/>
-            </a:endParaRPr>
-          </a:p>
-          <a:p>
-            <a:pPr lvl="4" marL="1684800" indent="-168480">
-              <a:spcBef>
-                <a:spcPts val="210"/>
-              </a:spcBef>
-              <a:buClr>
-                <a:srgbClr val="77caee"/>
-              </a:buClr>
-              <a:buSzPct val="45000"/>
-              <a:buFont typeface="Wingdings" charset="2"/>
-              <a:buChar char=""/>
-            </a:pPr>
-            <a:r>
-              <a:rPr b="0" lang="en-US" sz="1500" spc="-1" strike="noStrike">
-                <a:solidFill>
-                  <a:srgbClr val="009bdd"/>
-                </a:solidFill>
-                <a:latin typeface="Arial"/>
-              </a:rPr>
-              <a:t>Fifth Outline Level</a:t>
-            </a:r>
-            <a:endParaRPr b="0" lang="en-US" sz="1500" spc="-1" strike="noStrike">
-              <a:solidFill>
-                <a:srgbClr val="009bdd"/>
-              </a:solidFill>
-              <a:latin typeface="Arial"/>
-            </a:endParaRPr>
-          </a:p>
-          <a:p>
-            <a:pPr lvl="5" marL="2021760" indent="-168480">
-              <a:spcBef>
-                <a:spcPts val="210"/>
-              </a:spcBef>
-              <a:buClr>
-                <a:srgbClr val="77caee"/>
-              </a:buClr>
-              <a:buSzPct val="45000"/>
-              <a:buFont typeface="Wingdings" charset="2"/>
-              <a:buChar char=""/>
-            </a:pPr>
-            <a:r>
-              <a:rPr b="0" lang="en-US" sz="1500" spc="-1" strike="noStrike">
-                <a:solidFill>
-                  <a:srgbClr val="009bdd"/>
-                </a:solidFill>
-                <a:latin typeface="Arial"/>
-              </a:rPr>
-              <a:t>Sixth Outline Level</a:t>
-            </a:r>
-            <a:endParaRPr b="0" lang="en-US" sz="1500" spc="-1" strike="noStrike">
-              <a:solidFill>
-                <a:srgbClr val="009bdd"/>
-              </a:solidFill>
-              <a:latin typeface="Arial"/>
-            </a:endParaRPr>
-          </a:p>
-          <a:p>
-            <a:pPr lvl="6" marL="2358720" indent="-168480">
-              <a:spcBef>
-                <a:spcPts val="210"/>
-              </a:spcBef>
-              <a:buClr>
-                <a:srgbClr val="77caee"/>
-              </a:buClr>
-              <a:buSzPct val="45000"/>
-              <a:buFont typeface="Wingdings" charset="2"/>
-              <a:buChar char=""/>
-            </a:pPr>
-            <a:r>
-              <a:rPr b="0" lang="en-US" sz="1500" spc="-1" strike="noStrike">
-                <a:solidFill>
-                  <a:srgbClr val="009bdd"/>
-                </a:solidFill>
-                <a:latin typeface="Arial"/>
-              </a:rPr>
-              <a:t>Seventh Outline Level</a:t>
-            </a:r>
-            <a:endParaRPr b="0" lang="en-US" sz="1500" spc="-1" strike="noStrike">
-              <a:solidFill>
-                <a:srgbClr val="009bdd"/>
-              </a:solidFill>
-              <a:latin typeface="Arial"/>
-            </a:endParaRPr>
-          </a:p>
-        </p:txBody>
-      </p:sp>
-      <p:sp>
-        <p:nvSpPr>
-          <p:cNvPr id="3" name="PlaceHolder 3"/>
-          <p:cNvSpPr>
-            <a:spLocks noGrp="1"/>
-          </p:cNvSpPr>
-          <p:nvPr>
-            <p:ph type="dt" idx="1"/>
-          </p:nvPr>
-        </p:nvSpPr>
-        <p:spPr>
-          <a:xfrm>
-            <a:off x="360000" y="5220000"/>
-            <a:ext cx="2340000" cy="360000"/>
+            <p:ph type="ftr" idx="1"/>
+          </p:nvPr>
+        </p:nvSpPr>
+        <p:spPr>
+          <a:xfrm>
+            <a:off x="3420000" y="5220000"/>
+            <a:ext cx="3239640" cy="359640"/>
           </a:xfrm>
           <a:prstGeom prst="rect">
             <a:avLst/>
@@ -5425,8 +5195,14 @@
             <a:noAutofit/>
           </a:bodyPr>
           <a:lstStyle>
-            <a:lvl1pPr indent="0">
-              <a:buNone/>
+            <a:lvl1pPr indent="0" algn="ctr">
+              <a:lnSpc>
+                <a:spcPct val="100000"/>
+              </a:lnSpc>
+              <a:buNone/>
+              <a:tabLst>
+                <a:tab algn="l" pos="0"/>
+              </a:tabLst>
               <a:defRPr b="0" lang="en-US" sz="1400" spc="-1" strike="noStrike">
                 <a:solidFill>
                   <a:srgbClr val="ffffff"/>
@@ -5436,68 +5212,14 @@
             </a:lvl1pPr>
           </a:lstStyle>
           <a:p>
-            <a:pPr indent="0">
-              <a:buNone/>
-            </a:pPr>
-            <a:r>
-              <a:rPr b="0" lang="en-US" sz="1400" spc="-1" strike="noStrike">
-                <a:solidFill>
-                  <a:srgbClr val="ffffff"/>
-                </a:solidFill>
-                <a:latin typeface="Arial"/>
-              </a:rPr>
-              <a:t>&lt;date/time&gt;</a:t>
-            </a:r>
-            <a:endParaRPr b="0" lang="en-US" sz="1400" spc="-1" strike="noStrike">
-              <a:solidFill>
-                <a:srgbClr val="ffffff"/>
-              </a:solidFill>
-              <a:latin typeface="Arial"/>
-            </a:endParaRPr>
-          </a:p>
-        </p:txBody>
-      </p:sp>
-      <p:sp>
-        <p:nvSpPr>
-          <p:cNvPr id="4" name="PlaceHolder 4"/>
-          <p:cNvSpPr>
-            <a:spLocks noGrp="1"/>
-          </p:cNvSpPr>
-          <p:nvPr>
-            <p:ph type="ftr" idx="2"/>
-          </p:nvPr>
-        </p:nvSpPr>
-        <p:spPr>
-          <a:xfrm>
-            <a:off x="3420000" y="5220000"/>
-            <a:ext cx="3240000" cy="360000"/>
-          </a:xfrm>
-          <a:prstGeom prst="rect">
-            <a:avLst/>
-          </a:prstGeom>
-          <a:noFill/>
-          <a:ln w="0">
-            <a:noFill/>
-          </a:ln>
-        </p:spPr>
-        <p:txBody>
-          <a:bodyPr lIns="0" rIns="0" tIns="0" bIns="0" anchor="t">
-            <a:noAutofit/>
-          </a:bodyPr>
-          <a:lstStyle>
-            <a:lvl1pPr indent="0" algn="ctr">
-              <a:buNone/>
-              <a:defRPr b="0" lang="en-US" sz="1400" spc="-1" strike="noStrike">
-                <a:solidFill>
-                  <a:srgbClr val="ffffff"/>
-                </a:solidFill>
-                <a:latin typeface="Arial"/>
-              </a:defRPr>
-            </a:lvl1pPr>
-          </a:lstStyle>
-          <a:p>
             <a:pPr indent="0" algn="ctr">
-              <a:buNone/>
+              <a:lnSpc>
+                <a:spcPct val="100000"/>
+              </a:lnSpc>
+              <a:buNone/>
+              <a:tabLst>
+                <a:tab algn="l" pos="0"/>
+              </a:tabLst>
             </a:pPr>
             <a:r>
               <a:rPr b="0" lang="en-US" sz="1400" spc="-1" strike="noStrike">
@@ -5510,27 +5232,27 @@
             </a:r>
             <a:endParaRPr b="0" lang="en-US" sz="1400" spc="-1" strike="noStrike">
               <a:solidFill>
-                <a:srgbClr val="ffffff"/>
-              </a:solidFill>
-              <a:latin typeface="Arial"/>
-            </a:endParaRPr>
-          </a:p>
-        </p:txBody>
-      </p:sp>
-      <p:sp>
-        <p:nvSpPr>
-          <p:cNvPr id="5" name="PlaceHolder 5"/>
-          <p:cNvSpPr>
-            <a:spLocks noGrp="1"/>
-          </p:cNvSpPr>
-          <p:nvPr>
-            <p:ph type="sldNum" idx="3"/>
+                <a:srgbClr val="000000"/>
+              </a:solidFill>
+              <a:latin typeface="Times New Roman"/>
+            </a:endParaRPr>
+          </a:p>
+        </p:txBody>
+      </p:sp>
+      <p:sp>
+        <p:nvSpPr>
+          <p:cNvPr id="3" name="PlaceHolder 3"/>
+          <p:cNvSpPr>
+            <a:spLocks noGrp="1"/>
+          </p:cNvSpPr>
+          <p:nvPr>
+            <p:ph type="sldNum" idx="2"/>
           </p:nvPr>
         </p:nvSpPr>
         <p:spPr>
           <a:xfrm>
             <a:off x="7380000" y="5220000"/>
-            <a:ext cx="2340000" cy="360000"/>
+            <a:ext cx="2339640" cy="359640"/>
           </a:xfrm>
           <a:prstGeom prst="rect">
             <a:avLst/>
@@ -5546,7 +5268,13 @@
           </a:bodyPr>
           <a:lstStyle>
             <a:lvl1pPr indent="0" algn="r">
-              <a:buNone/>
+              <a:lnSpc>
+                <a:spcPct val="100000"/>
+              </a:lnSpc>
+              <a:buNone/>
+              <a:tabLst>
+                <a:tab algn="l" pos="0"/>
+              </a:tabLst>
               <a:defRPr b="0" lang="en-US" sz="1400" spc="-1" strike="noStrike">
                 <a:solidFill>
                   <a:srgbClr val="ffffff"/>
@@ -5557,9 +5285,15 @@
           </a:lstStyle>
           <a:p>
             <a:pPr indent="0" algn="r">
-              <a:buNone/>
-            </a:pPr>
-            <a:fld id="{D6915E22-D335-465F-9905-198421DF4186}" type="slidenum">
+              <a:lnSpc>
+                <a:spcPct val="100000"/>
+              </a:lnSpc>
+              <a:buNone/>
+              <a:tabLst>
+                <a:tab algn="l" pos="0"/>
+              </a:tabLst>
+            </a:pPr>
+            <a:fld id="{6CA414C4-B9D3-4B55-A31D-9E693645BBC0}" type="slidenum">
               <a:rPr b="0" lang="en-US" sz="1400" spc="-1" strike="noStrike">
                 <a:solidFill>
                   <a:srgbClr val="ffffff"/>
@@ -5570,7 +5304,292 @@
             </a:fld>
             <a:endParaRPr b="0" lang="en-US" sz="1400" spc="-1" strike="noStrike">
               <a:solidFill>
-                <a:srgbClr val="ffffff"/>
+                <a:srgbClr val="000000"/>
+              </a:solidFill>
+              <a:latin typeface="Times New Roman"/>
+            </a:endParaRPr>
+          </a:p>
+        </p:txBody>
+      </p:sp>
+      <p:sp>
+        <p:nvSpPr>
+          <p:cNvPr id="4" name="PlaceHolder 4"/>
+          <p:cNvSpPr>
+            <a:spLocks noGrp="1"/>
+          </p:cNvSpPr>
+          <p:nvPr>
+            <p:ph type="dt" idx="3"/>
+          </p:nvPr>
+        </p:nvSpPr>
+        <p:spPr>
+          <a:xfrm>
+            <a:off x="360000" y="5220000"/>
+            <a:ext cx="2339640" cy="359640"/>
+          </a:xfrm>
+          <a:prstGeom prst="rect">
+            <a:avLst/>
+          </a:prstGeom>
+          <a:noFill/>
+          <a:ln w="0">
+            <a:noFill/>
+          </a:ln>
+        </p:spPr>
+        <p:txBody>
+          <a:bodyPr lIns="0" rIns="0" tIns="0" bIns="0" anchor="t">
+            <a:noAutofit/>
+          </a:bodyPr>
+          <a:lstStyle>
+            <a:lvl1pPr indent="0">
+              <a:buNone/>
+              <a:defRPr b="0" lang="en-US" sz="1400" spc="-1" strike="noStrike">
+                <a:solidFill>
+                  <a:srgbClr val="000000"/>
+                </a:solidFill>
+                <a:latin typeface="Times New Roman"/>
+              </a:defRPr>
+            </a:lvl1pPr>
+          </a:lstStyle>
+          <a:p>
+            <a:pPr indent="0">
+              <a:buNone/>
+            </a:pPr>
+            <a:r>
+              <a:rPr b="0" lang="en-US" sz="1400" spc="-1" strike="noStrike">
+                <a:solidFill>
+                  <a:srgbClr val="000000"/>
+                </a:solidFill>
+                <a:latin typeface="Times New Roman"/>
+              </a:rPr>
+              <a:t>&lt;date/time&gt;</a:t>
+            </a:r>
+            <a:endParaRPr b="0" lang="en-US" sz="1400" spc="-1" strike="noStrike">
+              <a:solidFill>
+                <a:srgbClr val="000000"/>
+              </a:solidFill>
+              <a:latin typeface="Times New Roman"/>
+            </a:endParaRPr>
+          </a:p>
+        </p:txBody>
+      </p:sp>
+      <p:sp>
+        <p:nvSpPr>
+          <p:cNvPr id="5" name="PlaceHolder 5"/>
+          <p:cNvSpPr>
+            <a:spLocks noGrp="1"/>
+          </p:cNvSpPr>
+          <p:nvPr>
+            <p:ph type="body"/>
+          </p:nvPr>
+        </p:nvSpPr>
+        <p:spPr>
+          <a:xfrm>
+            <a:off x="504000" y="1326600"/>
+            <a:ext cx="9072000" cy="3288600"/>
+          </a:xfrm>
+          <a:prstGeom prst="rect">
+            <a:avLst/>
+          </a:prstGeom>
+          <a:noFill/>
+          <a:ln w="0">
+            <a:noFill/>
+          </a:ln>
+        </p:spPr>
+        <p:txBody>
+          <a:bodyPr lIns="0" rIns="0" tIns="0" bIns="0" anchor="t">
+            <a:normAutofit/>
+          </a:bodyPr>
+          <a:p>
+            <a:pPr marL="432000" indent="-324000">
+              <a:spcBef>
+                <a:spcPts val="1417"/>
+              </a:spcBef>
+              <a:buClr>
+                <a:srgbClr val="000000"/>
+              </a:buClr>
+              <a:buSzPct val="45000"/>
+              <a:buFont typeface="Wingdings" charset="2"/>
+              <a:buChar char=""/>
+            </a:pPr>
+            <a:r>
+              <a:rPr b="0" lang="en-US" sz="3200" spc="-1" strike="noStrike">
+                <a:solidFill>
+                  <a:srgbClr val="000000"/>
+                </a:solidFill>
+                <a:latin typeface="Arial"/>
+              </a:rPr>
+              <a:t>Click to edit the outline text format</a:t>
+            </a:r>
+            <a:endParaRPr b="0" lang="en-US" sz="3200" spc="-1" strike="noStrike">
+              <a:solidFill>
+                <a:srgbClr val="000000"/>
+              </a:solidFill>
+              <a:latin typeface="Arial"/>
+            </a:endParaRPr>
+          </a:p>
+          <a:p>
+            <a:pPr lvl="1" marL="864000" indent="-324000">
+              <a:spcBef>
+                <a:spcPts val="1134"/>
+              </a:spcBef>
+              <a:buClr>
+                <a:srgbClr val="000000"/>
+              </a:buClr>
+              <a:buSzPct val="75000"/>
+              <a:buFont typeface="Symbol" charset="2"/>
+              <a:buChar char=""/>
+            </a:pPr>
+            <a:r>
+              <a:rPr b="0" lang="en-US" sz="2800" spc="-1" strike="noStrike">
+                <a:solidFill>
+                  <a:srgbClr val="000000"/>
+                </a:solidFill>
+                <a:latin typeface="Arial"/>
+              </a:rPr>
+              <a:t>Second Outline Level</a:t>
+            </a:r>
+            <a:endParaRPr b="0" lang="en-US" sz="2800" spc="-1" strike="noStrike">
+              <a:solidFill>
+                <a:srgbClr val="000000"/>
+              </a:solidFill>
+              <a:latin typeface="Arial"/>
+            </a:endParaRPr>
+          </a:p>
+          <a:p>
+            <a:pPr lvl="2" marL="1296000" indent="-288000">
+              <a:spcBef>
+                <a:spcPts val="850"/>
+              </a:spcBef>
+              <a:buClr>
+                <a:srgbClr val="000000"/>
+              </a:buClr>
+              <a:buSzPct val="45000"/>
+              <a:buFont typeface="Wingdings" charset="2"/>
+              <a:buChar char=""/>
+            </a:pPr>
+            <a:r>
+              <a:rPr b="0" lang="en-US" sz="2400" spc="-1" strike="noStrike">
+                <a:solidFill>
+                  <a:srgbClr val="000000"/>
+                </a:solidFill>
+                <a:latin typeface="Arial"/>
+              </a:rPr>
+              <a:t>Third Outline Level</a:t>
+            </a:r>
+            <a:endParaRPr b="0" lang="en-US" sz="2400" spc="-1" strike="noStrike">
+              <a:solidFill>
+                <a:srgbClr val="000000"/>
+              </a:solidFill>
+              <a:latin typeface="Arial"/>
+            </a:endParaRPr>
+          </a:p>
+          <a:p>
+            <a:pPr lvl="3" marL="1728000" indent="-216000">
+              <a:spcBef>
+                <a:spcPts val="567"/>
+              </a:spcBef>
+              <a:buClr>
+                <a:srgbClr val="000000"/>
+              </a:buClr>
+              <a:buSzPct val="75000"/>
+              <a:buFont typeface="Symbol" charset="2"/>
+              <a:buChar char=""/>
+            </a:pPr>
+            <a:r>
+              <a:rPr b="0" lang="en-US" sz="2000" spc="-1" strike="noStrike">
+                <a:solidFill>
+                  <a:srgbClr val="000000"/>
+                </a:solidFill>
+                <a:latin typeface="Arial"/>
+              </a:rPr>
+              <a:t>Fourth Outline Level</a:t>
+            </a:r>
+            <a:endParaRPr b="0" lang="en-US" sz="2000" spc="-1" strike="noStrike">
+              <a:solidFill>
+                <a:srgbClr val="000000"/>
+              </a:solidFill>
+              <a:latin typeface="Arial"/>
+            </a:endParaRPr>
+          </a:p>
+          <a:p>
+            <a:pPr lvl="4" marL="2160000" indent="-216000">
+              <a:spcBef>
+                <a:spcPts val="283"/>
+              </a:spcBef>
+              <a:buClr>
+                <a:srgbClr val="000000"/>
+              </a:buClr>
+              <a:buSzPct val="45000"/>
+              <a:buFont typeface="Wingdings" charset="2"/>
+              <a:buChar char=""/>
+            </a:pPr>
+            <a:r>
+              <a:rPr b="0" lang="en-US" sz="2000" spc="-1" strike="noStrike">
+                <a:solidFill>
+                  <a:srgbClr val="000000"/>
+                </a:solidFill>
+                <a:latin typeface="Arial"/>
+              </a:rPr>
+              <a:t>Fifth Outline Level</a:t>
+            </a:r>
+            <a:endParaRPr b="0" lang="en-US" sz="2000" spc="-1" strike="noStrike">
+              <a:solidFill>
+                <a:srgbClr val="000000"/>
+              </a:solidFill>
+              <a:latin typeface="Arial"/>
+            </a:endParaRPr>
+          </a:p>
+          <a:p>
+            <a:pPr lvl="5" marL="2592000" indent="-216000">
+              <a:spcBef>
+                <a:spcPts val="283"/>
+              </a:spcBef>
+              <a:buClr>
+                <a:srgbClr val="000000"/>
+              </a:buClr>
+              <a:buSzPct val="45000"/>
+              <a:buFont typeface="Wingdings" charset="2"/>
+              <a:buChar char=""/>
+            </a:pPr>
+            <a:r>
+              <a:rPr b="0" lang="en-US" sz="2000" spc="-1" strike="noStrike">
+                <a:solidFill>
+                  <a:srgbClr val="000000"/>
+                </a:solidFill>
+                <a:latin typeface="Arial"/>
+              </a:rPr>
+              <a:t>Sixth Outline Level</a:t>
+            </a:r>
+            <a:endParaRPr b="0" lang="en-US" sz="2000" spc="-1" strike="noStrike">
+              <a:solidFill>
+                <a:srgbClr val="000000"/>
+              </a:solidFill>
+              <a:latin typeface="Arial"/>
+            </a:endParaRPr>
+          </a:p>
+          <a:p>
+            <a:pPr lvl="6" marL="3024000" indent="-216000">
+              <a:spcBef>
+                <a:spcPts val="283"/>
+              </a:spcBef>
+              <a:buClr>
+                <a:srgbClr val="000000"/>
+              </a:buClr>
+              <a:buSzPct val="45000"/>
+              <a:buFont typeface="Wingdings" charset="2"/>
+              <a:buChar char=""/>
+            </a:pPr>
+            <a:r>
+              <a:rPr b="0" lang="en-US" sz="2000" spc="-1" strike="noStrike">
+                <a:solidFill>
+                  <a:srgbClr val="000000"/>
+                </a:solidFill>
+                <a:latin typeface="Arial"/>
+              </a:rPr>
+              <a:t>Seventh Outline Level</a:t>
+            </a:r>
+            <a:endParaRPr b="0" lang="en-US" sz="2000" spc="-1" strike="noStrike">
+              <a:solidFill>
+                <a:srgbClr val="000000"/>
               </a:solidFill>
               <a:latin typeface="Arial"/>
             </a:endParaRPr>
@@ -5623,7 +5642,7 @@
         <p:spPr>
           <a:xfrm>
             <a:off x="0" y="0"/>
-            <a:ext cx="10076760" cy="720000"/>
+            <a:ext cx="10076400" cy="719640"/>
           </a:xfrm>
           <a:prstGeom prst="rect">
             <a:avLst/>
@@ -5643,7 +5662,7 @@
             <a:noFill/>
           </a:ln>
           <a:effectLst>
-            <a:outerShdw dist="10800" dir="5400000" blurRad="0" rotWithShape="0">
+            <a:outerShdw blurRad="0" dir="5400000" dist="10800" rotWithShape="0">
               <a:srgbClr val="009bdd"/>
             </a:outerShdw>
           </a:effectLst>
@@ -5659,11 +5678,17 @@
             <a:noAutofit/>
           </a:bodyPr>
           <a:p>
+            <a:pPr>
+              <a:lnSpc>
+                <a:spcPct val="100000"/>
+              </a:lnSpc>
+            </a:pPr>
             <a:endParaRPr b="0" lang="en-US" sz="1800" spc="-1" strike="noStrike">
               <a:solidFill>
                 <a:srgbClr val="000000"/>
               </a:solidFill>
               <a:latin typeface="Arial"/>
+              <a:ea typeface="DejaVu Sans"/>
             </a:endParaRPr>
           </a:p>
         </p:txBody>
@@ -5677,7 +5702,7 @@
         <p:spPr>
           <a:xfrm>
             <a:off x="3240" y="5040000"/>
-            <a:ext cx="10076760" cy="631440"/>
+            <a:ext cx="10076400" cy="631080"/>
           </a:xfrm>
           <a:prstGeom prst="rect">
             <a:avLst/>
@@ -5697,7 +5722,7 @@
             <a:noFill/>
           </a:ln>
           <a:effectLst>
-            <a:outerShdw dist="10800" dir="5400000" blurRad="0" rotWithShape="0">
+            <a:outerShdw blurRad="0" dir="5400000" dist="10800" rotWithShape="0">
               <a:srgbClr val="009bdd"/>
             </a:outerShdw>
           </a:effectLst>
@@ -5713,11 +5738,17 @@
             <a:noAutofit/>
           </a:bodyPr>
           <a:p>
+            <a:pPr>
+              <a:lnSpc>
+                <a:spcPct val="100000"/>
+              </a:lnSpc>
+            </a:pPr>
             <a:endParaRPr b="0" lang="en-US" sz="1800" spc="-1" strike="noStrike">
               <a:solidFill>
                 <a:srgbClr val="000000"/>
               </a:solidFill>
               <a:latin typeface="Arial"/>
+              <a:ea typeface="DejaVu Sans"/>
             </a:endParaRPr>
           </a:p>
         </p:txBody>
@@ -5735,7 +5766,7 @@
         <p:spPr>
           <a:xfrm>
             <a:off x="360000" y="180000"/>
-            <a:ext cx="9360000" cy="478080"/>
+            <a:ext cx="9359640" cy="477720"/>
           </a:xfrm>
           <a:prstGeom prst="rect">
             <a:avLst/>
@@ -5750,21 +5781,21 @@
             <a:noAutofit/>
           </a:bodyPr>
           <a:p>
-            <a:pPr indent="0" algn="ctr">
+            <a:pPr indent="0">
               <a:buNone/>
             </a:pPr>
             <a:r>
-              <a:rPr b="0" lang="en-US" sz="3300" spc="-1" strike="noStrike">
+              <a:rPr b="0" lang="en-US" sz="1800" spc="-1" strike="noStrike">
                 <a:solidFill>
-                  <a:srgbClr val="ffffff"/>
+                  <a:srgbClr val="000000"/>
                 </a:solidFill>
                 <a:latin typeface="Arial"/>
               </a:rPr>
               <a:t>Click to edit the title text format</a:t>
             </a:r>
-            <a:endParaRPr b="0" lang="en-US" sz="3300" spc="-1" strike="noStrike">
-              <a:solidFill>
-                <a:srgbClr val="ffffff"/>
+            <a:endParaRPr b="0" lang="en-US" sz="1800" spc="-1" strike="noStrike">
+              <a:solidFill>
+                <a:srgbClr val="000000"/>
               </a:solidFill>
               <a:latin typeface="Arial"/>
             </a:endParaRPr>
@@ -5784,7 +5815,7 @@
         <p:spPr>
           <a:xfrm>
             <a:off x="360000" y="1080000"/>
-            <a:ext cx="9360000" cy="3600000"/>
+            <a:ext cx="9359640" cy="3599640"/>
           </a:xfrm>
           <a:prstGeom prst="rect">
             <a:avLst/>
@@ -5801,27 +5832,27 @@
           <a:p>
             <a:pPr marL="432000" indent="-324000">
               <a:spcBef>
-                <a:spcPts val="1060"/>
+                <a:spcPts val="1417"/>
               </a:spcBef>
               <a:buClr>
-                <a:srgbClr val="77caee"/>
+                <a:srgbClr val="000000"/>
               </a:buClr>
               <a:buSzPct val="45000"/>
               <a:buFont typeface="Wingdings" charset="2"/>
               <a:buChar char=""/>
             </a:pPr>
             <a:r>
-              <a:rPr b="0" lang="en-US" sz="2400" spc="-1" strike="noStrike">
+              <a:rPr b="0" lang="en-US" sz="1800" spc="-1" strike="noStrike">
                 <a:solidFill>
-                  <a:srgbClr val="009bdd"/>
+                  <a:srgbClr val="000000"/>
                 </a:solidFill>
                 <a:latin typeface="Arial"/>
               </a:rPr>
               <a:t>Click to edit the outline text format</a:t>
             </a:r>
-            <a:endParaRPr b="0" lang="en-US" sz="2400" spc="-1" strike="noStrike">
-              <a:solidFill>
-                <a:srgbClr val="009bdd"/>
+            <a:endParaRPr b="0" lang="en-US" sz="1800" spc="-1" strike="noStrike">
+              <a:solidFill>
+                <a:srgbClr val="000000"/>
               </a:solidFill>
               <a:latin typeface="Arial"/>
             </a:endParaRPr>
@@ -5829,27 +5860,27 @@
           <a:p>
             <a:pPr lvl="1" marL="864000" indent="-324000">
               <a:spcBef>
-                <a:spcPts val="850"/>
+                <a:spcPts val="1134"/>
               </a:spcBef>
               <a:buClr>
-                <a:srgbClr val="77caee"/>
+                <a:srgbClr val="000000"/>
               </a:buClr>
-              <a:buSzPct val="45000"/>
-              <a:buFont typeface="Wingdings" charset="2"/>
-              <a:buChar char=""/>
+              <a:buSzPct val="75000"/>
+              <a:buFont typeface="Symbol" charset="2"/>
+              <a:buChar char=""/>
             </a:pPr>
             <a:r>
-              <a:rPr b="0" lang="en-US" sz="2100" spc="-1" strike="noStrike">
+              <a:rPr b="0" lang="en-US" sz="1800" spc="-1" strike="noStrike">
                 <a:solidFill>
-                  <a:srgbClr val="009bdd"/>
+                  <a:srgbClr val="000000"/>
                 </a:solidFill>
                 <a:latin typeface="Arial"/>
               </a:rPr>
               <a:t>Second Outline Level</a:t>
             </a:r>
-            <a:endParaRPr b="0" lang="en-US" sz="2100" spc="-1" strike="noStrike">
-              <a:solidFill>
-                <a:srgbClr val="009bdd"/>
+            <a:endParaRPr b="0" lang="en-US" sz="1800" spc="-1" strike="noStrike">
+              <a:solidFill>
+                <a:srgbClr val="000000"/>
               </a:solidFill>
               <a:latin typeface="Arial"/>
             </a:endParaRPr>
@@ -5857,10 +5888,10 @@
           <a:p>
             <a:pPr lvl="2" marL="1296000" indent="-288000">
               <a:spcBef>
-                <a:spcPts val="635"/>
+                <a:spcPts val="850"/>
               </a:spcBef>
               <a:buClr>
-                <a:srgbClr val="77caee"/>
+                <a:srgbClr val="000000"/>
               </a:buClr>
               <a:buSzPct val="45000"/>
               <a:buFont typeface="Wingdings" charset="2"/>
@@ -5869,7 +5900,7 @@
             <a:r>
               <a:rPr b="0" lang="en-US" sz="1800" spc="-1" strike="noStrike">
                 <a:solidFill>
-                  <a:srgbClr val="009bdd"/>
+                  <a:srgbClr val="000000"/>
                 </a:solidFill>
                 <a:latin typeface="Arial"/>
               </a:rPr>
@@ -5877,7 +5908,7 @@
             </a:r>
             <a:endParaRPr b="0" lang="en-US" sz="1800" spc="-1" strike="noStrike">
               <a:solidFill>
-                <a:srgbClr val="009bdd"/>
+                <a:srgbClr val="000000"/>
               </a:solidFill>
               <a:latin typeface="Arial"/>
             </a:endParaRPr>
@@ -5885,27 +5916,27 @@
           <a:p>
             <a:pPr lvl="3" marL="1728000" indent="-216000">
               <a:spcBef>
-                <a:spcPts val="422"/>
+                <a:spcPts val="567"/>
               </a:spcBef>
               <a:buClr>
-                <a:srgbClr val="77caee"/>
+                <a:srgbClr val="000000"/>
               </a:buClr>
-              <a:buSzPct val="45000"/>
-              <a:buFont typeface="Wingdings" charset="2"/>
-              <a:buChar char=""/>
+              <a:buSzPct val="75000"/>
+              <a:buFont typeface="Symbol" charset="2"/>
+              <a:buChar char=""/>
             </a:pPr>
             <a:r>
-              <a:rPr b="0" lang="en-US" sz="1500" spc="-1" strike="noStrike">
+              <a:rPr b="0" lang="en-US" sz="1800" spc="-1" strike="noStrike">
                 <a:solidFill>
-                  <a:srgbClr val="009bdd"/>
+                  <a:srgbClr val="000000"/>
                 </a:solidFill>
                 <a:latin typeface="Arial"/>
               </a:rPr>
               <a:t>Fourth Outline Level</a:t>
             </a:r>
-            <a:endParaRPr b="0" lang="en-US" sz="1500" spc="-1" strike="noStrike">
-              <a:solidFill>
-                <a:srgbClr val="009bdd"/>
+            <a:endParaRPr b="0" lang="en-US" sz="1800" spc="-1" strike="noStrike">
+              <a:solidFill>
+                <a:srgbClr val="000000"/>
               </a:solidFill>
               <a:latin typeface="Arial"/>
             </a:endParaRPr>
@@ -5913,27 +5944,27 @@
           <a:p>
             <a:pPr lvl="4" marL="2160000" indent="-216000">
               <a:spcBef>
-                <a:spcPts val="210"/>
+                <a:spcPts val="283"/>
               </a:spcBef>
               <a:buClr>
-                <a:srgbClr val="77caee"/>
+                <a:srgbClr val="000000"/>
               </a:buClr>
               <a:buSzPct val="45000"/>
               <a:buFont typeface="Wingdings" charset="2"/>
               <a:buChar char=""/>
             </a:pPr>
             <a:r>
-              <a:rPr b="0" lang="en-US" sz="1500" spc="-1" strike="noStrike">
+              <a:rPr b="0" lang="en-US" sz="1800" spc="-1" strike="noStrike">
                 <a:solidFill>
-                  <a:srgbClr val="009bdd"/>
+                  <a:srgbClr val="000000"/>
                 </a:solidFill>
                 <a:latin typeface="Arial"/>
               </a:rPr>
               <a:t>Fifth Outline Level</a:t>
             </a:r>
-            <a:endParaRPr b="0" lang="en-US" sz="1500" spc="-1" strike="noStrike">
-              <a:solidFill>
-                <a:srgbClr val="009bdd"/>
+            <a:endParaRPr b="0" lang="en-US" sz="1800" spc="-1" strike="noStrike">
+              <a:solidFill>
+                <a:srgbClr val="000000"/>
               </a:solidFill>
               <a:latin typeface="Arial"/>
             </a:endParaRPr>
@@ -5941,27 +5972,27 @@
           <a:p>
             <a:pPr lvl="5" marL="2592000" indent="-216000">
               <a:spcBef>
-                <a:spcPts val="210"/>
+                <a:spcPts val="283"/>
               </a:spcBef>
               <a:buClr>
-                <a:srgbClr val="77caee"/>
+                <a:srgbClr val="000000"/>
               </a:buClr>
               <a:buSzPct val="45000"/>
               <a:buFont typeface="Wingdings" charset="2"/>
               <a:buChar char=""/>
             </a:pPr>
             <a:r>
-              <a:rPr b="0" lang="en-US" sz="1500" spc="-1" strike="noStrike">
+              <a:rPr b="0" lang="en-US" sz="1800" spc="-1" strike="noStrike">
                 <a:solidFill>
-                  <a:srgbClr val="009bdd"/>
+                  <a:srgbClr val="000000"/>
                 </a:solidFill>
                 <a:latin typeface="Arial"/>
               </a:rPr>
               <a:t>Sixth Outline Level</a:t>
             </a:r>
-            <a:endParaRPr b="0" lang="en-US" sz="1500" spc="-1" strike="noStrike">
-              <a:solidFill>
-                <a:srgbClr val="009bdd"/>
+            <a:endParaRPr b="0" lang="en-US" sz="1800" spc="-1" strike="noStrike">
+              <a:solidFill>
+                <a:srgbClr val="000000"/>
               </a:solidFill>
               <a:latin typeface="Arial"/>
             </a:endParaRPr>
@@ -5969,27 +6000,27 @@
           <a:p>
             <a:pPr lvl="6" marL="3024000" indent="-216000">
               <a:spcBef>
-                <a:spcPts val="210"/>
+                <a:spcPts val="283"/>
               </a:spcBef>
               <a:buClr>
-                <a:srgbClr val="77caee"/>
+                <a:srgbClr val="000000"/>
               </a:buClr>
               <a:buSzPct val="45000"/>
               <a:buFont typeface="Wingdings" charset="2"/>
               <a:buChar char=""/>
             </a:pPr>
             <a:r>
-              <a:rPr b="0" lang="en-US" sz="1500" spc="-1" strike="noStrike">
+              <a:rPr b="0" lang="en-US" sz="1800" spc="-1" strike="noStrike">
                 <a:solidFill>
-                  <a:srgbClr val="009bdd"/>
+                  <a:srgbClr val="000000"/>
                 </a:solidFill>
                 <a:latin typeface="Arial"/>
               </a:rPr>
               <a:t>Seventh Outline Level</a:t>
             </a:r>
-            <a:endParaRPr b="0" lang="en-US" sz="1500" spc="-1" strike="noStrike">
-              <a:solidFill>
-                <a:srgbClr val="009bdd"/>
+            <a:endParaRPr b="0" lang="en-US" sz="1800" spc="-1" strike="noStrike">
+              <a:solidFill>
+                <a:srgbClr val="000000"/>
               </a:solidFill>
               <a:latin typeface="Arial"/>
             </a:endParaRPr>
@@ -6003,13 +6034,13 @@
             <a:spLocks noGrp="1"/>
           </p:cNvSpPr>
           <p:nvPr>
-            <p:ph type="dt" idx="4"/>
-          </p:nvPr>
-        </p:nvSpPr>
-        <p:spPr>
-          <a:xfrm>
-            <a:off x="360000" y="5220000"/>
-            <a:ext cx="2340000" cy="360000"/>
+            <p:ph type="ftr" idx="4"/>
+          </p:nvPr>
+        </p:nvSpPr>
+        <p:spPr>
+          <a:xfrm>
+            <a:off x="3420000" y="5220000"/>
+            <a:ext cx="3239640" cy="359640"/>
           </a:xfrm>
           <a:prstGeom prst="rect">
             <a:avLst/>
@@ -6024,8 +6055,14 @@
             <a:noAutofit/>
           </a:bodyPr>
           <a:lstStyle>
-            <a:lvl1pPr indent="0">
-              <a:buNone/>
+            <a:lvl1pPr indent="0" algn="ctr">
+              <a:lnSpc>
+                <a:spcPct val="100000"/>
+              </a:lnSpc>
+              <a:buNone/>
+              <a:tabLst>
+                <a:tab algn="l" pos="0"/>
+              </a:tabLst>
               <a:defRPr b="0" lang="en-US" sz="1400" spc="-1" strike="noStrike">
                 <a:solidFill>
                   <a:srgbClr val="ffffff"/>
@@ -6035,68 +6072,14 @@
             </a:lvl1pPr>
           </a:lstStyle>
           <a:p>
-            <a:pPr indent="0">
-              <a:buNone/>
-            </a:pPr>
-            <a:r>
-              <a:rPr b="0" lang="en-US" sz="1400" spc="-1" strike="noStrike">
-                <a:solidFill>
-                  <a:srgbClr val="ffffff"/>
-                </a:solidFill>
-                <a:latin typeface="Arial"/>
-              </a:rPr>
-              <a:t>&lt;date/time&gt;</a:t>
-            </a:r>
-            <a:endParaRPr b="0" lang="en-US" sz="1400" spc="-1" strike="noStrike">
-              <a:solidFill>
-                <a:srgbClr val="ffffff"/>
-              </a:solidFill>
-              <a:latin typeface="Arial"/>
-            </a:endParaRPr>
-          </a:p>
-        </p:txBody>
-      </p:sp>
-      <p:sp>
-        <p:nvSpPr>
-          <p:cNvPr id="47" name="PlaceHolder 4"/>
-          <p:cNvSpPr>
-            <a:spLocks noGrp="1"/>
-          </p:cNvSpPr>
-          <p:nvPr>
-            <p:ph type="ftr" idx="5"/>
-          </p:nvPr>
-        </p:nvSpPr>
-        <p:spPr>
-          <a:xfrm>
-            <a:off x="3420000" y="5220000"/>
-            <a:ext cx="3240000" cy="360000"/>
-          </a:xfrm>
-          <a:prstGeom prst="rect">
-            <a:avLst/>
-          </a:prstGeom>
-          <a:noFill/>
-          <a:ln w="0">
-            <a:noFill/>
-          </a:ln>
-        </p:spPr>
-        <p:txBody>
-          <a:bodyPr lIns="0" rIns="0" tIns="0" bIns="0" anchor="t">
-            <a:noAutofit/>
-          </a:bodyPr>
-          <a:lstStyle>
-            <a:lvl1pPr indent="0" algn="ctr">
-              <a:buNone/>
-              <a:defRPr b="0" lang="en-US" sz="1400" spc="-1" strike="noStrike">
-                <a:solidFill>
-                  <a:srgbClr val="ffffff"/>
-                </a:solidFill>
-                <a:latin typeface="Arial"/>
-              </a:defRPr>
-            </a:lvl1pPr>
-          </a:lstStyle>
-          <a:p>
             <a:pPr indent="0" algn="ctr">
-              <a:buNone/>
+              <a:lnSpc>
+                <a:spcPct val="100000"/>
+              </a:lnSpc>
+              <a:buNone/>
+              <a:tabLst>
+                <a:tab algn="l" pos="0"/>
+              </a:tabLst>
             </a:pPr>
             <a:r>
               <a:rPr b="0" lang="en-US" sz="1400" spc="-1" strike="noStrike">
@@ -6109,27 +6092,27 @@
             </a:r>
             <a:endParaRPr b="0" lang="en-US" sz="1400" spc="-1" strike="noStrike">
               <a:solidFill>
-                <a:srgbClr val="ffffff"/>
-              </a:solidFill>
-              <a:latin typeface="Arial"/>
-            </a:endParaRPr>
-          </a:p>
-        </p:txBody>
-      </p:sp>
-      <p:sp>
-        <p:nvSpPr>
-          <p:cNvPr id="48" name="PlaceHolder 5"/>
-          <p:cNvSpPr>
-            <a:spLocks noGrp="1"/>
-          </p:cNvSpPr>
-          <p:nvPr>
-            <p:ph type="sldNum" idx="6"/>
+                <a:srgbClr val="000000"/>
+              </a:solidFill>
+              <a:latin typeface="Times New Roman"/>
+            </a:endParaRPr>
+          </a:p>
+        </p:txBody>
+      </p:sp>
+      <p:sp>
+        <p:nvSpPr>
+          <p:cNvPr id="47" name="PlaceHolder 4"/>
+          <p:cNvSpPr>
+            <a:spLocks noGrp="1"/>
+          </p:cNvSpPr>
+          <p:nvPr>
+            <p:ph type="sldNum" idx="5"/>
           </p:nvPr>
         </p:nvSpPr>
         <p:spPr>
           <a:xfrm>
             <a:off x="7380000" y="5220000"/>
-            <a:ext cx="2340000" cy="360000"/>
+            <a:ext cx="2339640" cy="359640"/>
           </a:xfrm>
           <a:prstGeom prst="rect">
             <a:avLst/>
@@ -6145,7 +6128,13 @@
           </a:bodyPr>
           <a:lstStyle>
             <a:lvl1pPr indent="0" algn="r">
-              <a:buNone/>
+              <a:lnSpc>
+                <a:spcPct val="100000"/>
+              </a:lnSpc>
+              <a:buNone/>
+              <a:tabLst>
+                <a:tab algn="l" pos="0"/>
+              </a:tabLst>
               <a:defRPr b="0" lang="en-US" sz="1400" spc="-1" strike="noStrike">
                 <a:solidFill>
                   <a:srgbClr val="ffffff"/>
@@ -6156,9 +6145,15 @@
           </a:lstStyle>
           <a:p>
             <a:pPr indent="0" algn="r">
-              <a:buNone/>
-            </a:pPr>
-            <a:fld id="{5B90F573-B365-45B3-90C1-5A39D9A12022}" type="slidenum">
+              <a:lnSpc>
+                <a:spcPct val="100000"/>
+              </a:lnSpc>
+              <a:buNone/>
+              <a:tabLst>
+                <a:tab algn="l" pos="0"/>
+              </a:tabLst>
+            </a:pPr>
+            <a:fld id="{CA8F4BDB-088B-45BA-AA90-44AD54F8D9C6}" type="slidenum">
               <a:rPr b="0" lang="en-US" sz="1400" spc="-1" strike="noStrike">
                 <a:solidFill>
                   <a:srgbClr val="ffffff"/>
@@ -6169,9 +6164,69 @@
             </a:fld>
             <a:endParaRPr b="0" lang="en-US" sz="1400" spc="-1" strike="noStrike">
               <a:solidFill>
-                <a:srgbClr val="ffffff"/>
-              </a:solidFill>
-              <a:latin typeface="Arial"/>
+                <a:srgbClr val="000000"/>
+              </a:solidFill>
+              <a:latin typeface="Times New Roman"/>
+            </a:endParaRPr>
+          </a:p>
+        </p:txBody>
+      </p:sp>
+      <p:sp>
+        <p:nvSpPr>
+          <p:cNvPr id="48" name="PlaceHolder 5"/>
+          <p:cNvSpPr>
+            <a:spLocks noGrp="1"/>
+          </p:cNvSpPr>
+          <p:nvPr>
+            <p:ph type="dt" idx="6"/>
+          </p:nvPr>
+        </p:nvSpPr>
+        <p:spPr>
+          <a:xfrm>
+            <a:off x="360000" y="5220000"/>
+            <a:ext cx="2339640" cy="359640"/>
+          </a:xfrm>
+          <a:prstGeom prst="rect">
+            <a:avLst/>
+          </a:prstGeom>
+          <a:noFill/>
+          <a:ln w="0">
+            <a:noFill/>
+          </a:ln>
+        </p:spPr>
+        <p:txBody>
+          <a:bodyPr lIns="0" rIns="0" tIns="0" bIns="0" anchor="t">
+            <a:noAutofit/>
+          </a:bodyPr>
+          <a:lstStyle>
+            <a:lvl1pPr indent="0">
+              <a:buNone/>
+              <a:defRPr b="0" lang="en-US" sz="1400" spc="-1" strike="noStrike">
+                <a:solidFill>
+                  <a:srgbClr val="000000"/>
+                </a:solidFill>
+                <a:latin typeface="Times New Roman"/>
+              </a:defRPr>
+            </a:lvl1pPr>
+          </a:lstStyle>
+          <a:p>
+            <a:pPr indent="0">
+              <a:buNone/>
+            </a:pPr>
+            <a:r>
+              <a:rPr b="0" lang="en-US" sz="1400" spc="-1" strike="noStrike">
+                <a:solidFill>
+                  <a:srgbClr val="000000"/>
+                </a:solidFill>
+                <a:latin typeface="Times New Roman"/>
+              </a:rPr>
+              <a:t>&lt;date/time&gt;</a:t>
+            </a:r>
+            <a:endParaRPr b="0" lang="en-US" sz="1400" spc="-1" strike="noStrike">
+              <a:solidFill>
+                <a:srgbClr val="000000"/>
+              </a:solidFill>
+              <a:latin typeface="Times New Roman"/>
             </a:endParaRPr>
           </a:p>
         </p:txBody>
@@ -6226,7 +6281,7 @@
         <p:spPr>
           <a:xfrm>
             <a:off x="0" y="1620000"/>
-            <a:ext cx="9000000" cy="1080000"/>
+            <a:ext cx="8999640" cy="1079640"/>
           </a:xfrm>
           <a:prstGeom prst="rect">
             <a:avLst/>
@@ -6242,7 +6297,13 @@
           </a:bodyPr>
           <a:p>
             <a:pPr indent="0" algn="ctr">
-              <a:buNone/>
+              <a:lnSpc>
+                <a:spcPct val="100000"/>
+              </a:lnSpc>
+              <a:buNone/>
+              <a:tabLst>
+                <a:tab algn="l" pos="0"/>
+              </a:tabLst>
             </a:pPr>
             <a:r>
               <a:rPr b="0" lang="en-US" sz="3300" spc="-1" strike="noStrike">
@@ -6255,7 +6316,7 @@
             </a:r>
             <a:endParaRPr b="0" lang="en-US" sz="3300" spc="-1" strike="noStrike">
               <a:solidFill>
-                <a:srgbClr val="dd4100"/>
+                <a:srgbClr val="000000"/>
               </a:solidFill>
               <a:latin typeface="Arial"/>
             </a:endParaRPr>
@@ -6305,7 +6366,7 @@
         <p:spPr>
           <a:xfrm>
             <a:off x="360000" y="180000"/>
-            <a:ext cx="9360000" cy="478080"/>
+            <a:ext cx="9359640" cy="477720"/>
           </a:xfrm>
           <a:prstGeom prst="rect">
             <a:avLst/>
@@ -6323,9 +6384,9 @@
             <a:pPr indent="0" algn="ctr">
               <a:buNone/>
             </a:pPr>
-            <a:endParaRPr b="0" lang="en-US" sz="3300" spc="-1" strike="noStrike">
-              <a:solidFill>
-                <a:srgbClr val="ffffff"/>
+            <a:endParaRPr b="0" lang="en-US" sz="1800" spc="-1" strike="noStrike">
+              <a:solidFill>
+                <a:srgbClr val="000000"/>
               </a:solidFill>
               <a:latin typeface="Arial"/>
             </a:endParaRPr>
@@ -6345,7 +6406,7 @@
         <p:spPr>
           <a:xfrm>
             <a:off x="360000" y="1080000"/>
-            <a:ext cx="9360000" cy="3600000"/>
+            <a:ext cx="9359640" cy="3599640"/>
           </a:xfrm>
           <a:prstGeom prst="rect">
             <a:avLst/>
@@ -6362,13 +6423,13 @@
           <a:p>
             <a:pPr indent="0">
               <a:spcBef>
-                <a:spcPts val="1060"/>
+                <a:spcPts val="1417"/>
               </a:spcBef>
               <a:buNone/>
             </a:pPr>
-            <a:endParaRPr b="0" lang="en-US" sz="2400" spc="-1" strike="noStrike">
-              <a:solidFill>
-                <a:srgbClr val="009bdd"/>
+            <a:endParaRPr b="0" lang="en-US" sz="1800" spc="-1" strike="noStrike">
+              <a:solidFill>
+                <a:srgbClr val="000000"/>
               </a:solidFill>
               <a:latin typeface="Arial"/>
             </a:endParaRPr>
@@ -6388,7 +6449,7 @@
         <p:spPr>
           <a:xfrm>
             <a:off x="1362600" y="962280"/>
-            <a:ext cx="2980800" cy="3152520"/>
+            <a:ext cx="2980440" cy="3152160"/>
           </a:xfrm>
           <a:prstGeom prst="rect">
             <a:avLst/>
@@ -6411,7 +6472,7 @@
         <p:spPr>
           <a:xfrm>
             <a:off x="5943600" y="962280"/>
-            <a:ext cx="2980800" cy="3152520"/>
+            <a:ext cx="2980440" cy="3152160"/>
           </a:xfrm>
           <a:prstGeom prst="rect">
             <a:avLst/>
@@ -6428,14 +6489,14 @@
             <a:spLocks noGrp="1"/>
           </p:cNvSpPr>
           <p:nvPr>
-            <p:ph type="sldNum" idx="6"/>
-          </p:nvPr>
-        </p:nvSpPr>
-        <p:spPr/>
-        <p:txBody>
-          <a:bodyPr/>
-          <a:p>
-            <a:fld id="{49D2A88E-6D66-4BE4-9F7E-6CA01822C267}" type="slidenum">
+            <p:ph type="sldNum" idx="5"/>
+          </p:nvPr>
+        </p:nvSpPr>
+        <p:spPr/>
+        <p:txBody>
+          <a:bodyPr/>
+          <a:p>
+            <a:fld id="{55BD6B80-E4C2-4576-B796-5A81CDD16EE7}" type="slidenum">
               <a:t>10</a:t>
             </a:fld>
           </a:p>
@@ -6448,16 +6509,16 @@
             <a:spLocks noGrp="1"/>
           </p:cNvSpPr>
           <p:nvPr>
-            <p:ph type="dt" idx="4"/>
-          </p:nvPr>
-        </p:nvSpPr>
-        <p:spPr/>
-        <p:txBody>
-          <a:bodyPr/>
-          <a:p>
-            <a:fld id="{B1E1ED8F-4953-406A-97CD-93D2AE47C797}" type="datetime1">
+            <p:ph type="dt" idx="6"/>
+          </p:nvPr>
+        </p:nvSpPr>
+        <p:spPr/>
+        <p:txBody>
+          <a:bodyPr/>
+          <a:p>
+            <a:fld id="{A0F45507-DAFE-4B11-AD45-C1A4FC436F30}" type="datetime1">
               <a:rPr lang="en-US"/>
-              <a:t>05/31/2023</a:t>
+              <a:t>06/18/2023</a:t>
             </a:fld>
           </a:p>
         </p:txBody>
@@ -6505,7 +6566,7 @@
         <p:spPr>
           <a:xfrm>
             <a:off x="360000" y="180000"/>
-            <a:ext cx="9360000" cy="478080"/>
+            <a:ext cx="9359640" cy="477720"/>
           </a:xfrm>
           <a:prstGeom prst="rect">
             <a:avLst/>
@@ -6523,9 +6584,9 @@
             <a:pPr indent="0" algn="ctr">
               <a:buNone/>
             </a:pPr>
-            <a:endParaRPr b="0" lang="en-US" sz="3300" spc="-1" strike="noStrike">
-              <a:solidFill>
-                <a:srgbClr val="ffffff"/>
+            <a:endParaRPr b="0" lang="en-US" sz="1800" spc="-1" strike="noStrike">
+              <a:solidFill>
+                <a:srgbClr val="000000"/>
               </a:solidFill>
               <a:latin typeface="Arial"/>
             </a:endParaRPr>
@@ -6545,7 +6606,7 @@
         <p:spPr>
           <a:xfrm>
             <a:off x="360000" y="1080000"/>
-            <a:ext cx="9360000" cy="3600000"/>
+            <a:ext cx="9359640" cy="3599640"/>
           </a:xfrm>
           <a:prstGeom prst="rect">
             <a:avLst/>
@@ -6562,13 +6623,13 @@
           <a:p>
             <a:pPr indent="0">
               <a:spcBef>
-                <a:spcPts val="1060"/>
+                <a:spcPts val="1417"/>
               </a:spcBef>
               <a:buNone/>
             </a:pPr>
-            <a:endParaRPr b="0" lang="en-US" sz="2400" spc="-1" strike="noStrike">
-              <a:solidFill>
-                <a:srgbClr val="009bdd"/>
+            <a:endParaRPr b="0" lang="en-US" sz="1800" spc="-1" strike="noStrike">
+              <a:solidFill>
+                <a:srgbClr val="000000"/>
               </a:solidFill>
               <a:latin typeface="Arial"/>
             </a:endParaRPr>
@@ -6588,7 +6649,7 @@
         <p:spPr>
           <a:xfrm>
             <a:off x="2286000" y="914400"/>
-            <a:ext cx="5209920" cy="3933360"/>
+            <a:ext cx="5209560" cy="3933000"/>
           </a:xfrm>
           <a:prstGeom prst="rect">
             <a:avLst/>
@@ -6605,14 +6666,14 @@
             <a:spLocks noGrp="1"/>
           </p:cNvSpPr>
           <p:nvPr>
-            <p:ph type="sldNum" idx="6"/>
-          </p:nvPr>
-        </p:nvSpPr>
-        <p:spPr/>
-        <p:txBody>
-          <a:bodyPr/>
-          <a:p>
-            <a:fld id="{59A5BFAB-AF3E-4A28-9927-95DEB57ED122}" type="slidenum">
+            <p:ph type="sldNum" idx="5"/>
+          </p:nvPr>
+        </p:nvSpPr>
+        <p:spPr/>
+        <p:txBody>
+          <a:bodyPr/>
+          <a:p>
+            <a:fld id="{DDFA5C94-4988-42C8-8167-21624A407A95}" type="slidenum">
               <a:t>11</a:t>
             </a:fld>
           </a:p>
@@ -6625,16 +6686,16 @@
             <a:spLocks noGrp="1"/>
           </p:cNvSpPr>
           <p:nvPr>
-            <p:ph type="dt" idx="4"/>
-          </p:nvPr>
-        </p:nvSpPr>
-        <p:spPr/>
-        <p:txBody>
-          <a:bodyPr/>
-          <a:p>
-            <a:fld id="{B5C85DD2-D371-46B9-8782-B6AD035091A7}" type="datetime1">
+            <p:ph type="dt" idx="6"/>
+          </p:nvPr>
+        </p:nvSpPr>
+        <p:spPr/>
+        <p:txBody>
+          <a:bodyPr/>
+          <a:p>
+            <a:fld id="{0DE52B6D-1E1C-467E-ACE8-89C6320B5034}" type="datetime1">
               <a:rPr lang="en-US"/>
-              <a:t>05/31/2023</a:t>
+              <a:t>06/18/2023</a:t>
             </a:fld>
           </a:p>
         </p:txBody>
@@ -6682,7 +6743,7 @@
         <p:spPr>
           <a:xfrm>
             <a:off x="360000" y="180000"/>
-            <a:ext cx="9360000" cy="478080"/>
+            <a:ext cx="9359640" cy="477720"/>
           </a:xfrm>
           <a:prstGeom prst="rect">
             <a:avLst/>
@@ -6700,9 +6761,9 @@
             <a:pPr indent="0" algn="ctr">
               <a:buNone/>
             </a:pPr>
-            <a:endParaRPr b="0" lang="en-US" sz="3300" spc="-1" strike="noStrike">
-              <a:solidFill>
-                <a:srgbClr val="ffffff"/>
+            <a:endParaRPr b="0" lang="en-US" sz="1800" spc="-1" strike="noStrike">
+              <a:solidFill>
+                <a:srgbClr val="000000"/>
               </a:solidFill>
               <a:latin typeface="Arial"/>
             </a:endParaRPr>
@@ -6722,7 +6783,7 @@
         <p:spPr>
           <a:xfrm>
             <a:off x="360000" y="1080000"/>
-            <a:ext cx="9360000" cy="3600000"/>
+            <a:ext cx="9359640" cy="3599640"/>
           </a:xfrm>
           <a:prstGeom prst="rect">
             <a:avLst/>
@@ -6739,13 +6800,13 @@
           <a:p>
             <a:pPr indent="0">
               <a:spcBef>
-                <a:spcPts val="1060"/>
+                <a:spcPts val="1417"/>
               </a:spcBef>
               <a:buNone/>
             </a:pPr>
-            <a:endParaRPr b="0" lang="en-US" sz="2400" spc="-1" strike="noStrike">
-              <a:solidFill>
-                <a:srgbClr val="009bdd"/>
+            <a:endParaRPr b="0" lang="en-US" sz="1800" spc="-1" strike="noStrike">
+              <a:solidFill>
+                <a:srgbClr val="000000"/>
               </a:solidFill>
               <a:latin typeface="Arial"/>
             </a:endParaRPr>
@@ -6765,7 +6826,7 @@
         <p:spPr>
           <a:xfrm>
             <a:off x="2333880" y="914400"/>
-            <a:ext cx="5209920" cy="3933360"/>
+            <a:ext cx="5209560" cy="3933000"/>
           </a:xfrm>
           <a:prstGeom prst="rect">
             <a:avLst/>
@@ -6782,14 +6843,14 @@
             <a:spLocks noGrp="1"/>
           </p:cNvSpPr>
           <p:nvPr>
-            <p:ph type="sldNum" idx="6"/>
-          </p:nvPr>
-        </p:nvSpPr>
-        <p:spPr/>
-        <p:txBody>
-          <a:bodyPr/>
-          <a:p>
-            <a:fld id="{8BE18C28-A8D6-428D-B853-78377E0606BC}" type="slidenum">
+            <p:ph type="sldNum" idx="5"/>
+          </p:nvPr>
+        </p:nvSpPr>
+        <p:spPr/>
+        <p:txBody>
+          <a:bodyPr/>
+          <a:p>
+            <a:fld id="{4D205817-0303-4726-B9AC-C055C1EDE3E1}" type="slidenum">
               <a:t>12</a:t>
             </a:fld>
           </a:p>
@@ -6802,16 +6863,16 @@
             <a:spLocks noGrp="1"/>
           </p:cNvSpPr>
           <p:nvPr>
-            <p:ph type="dt" idx="4"/>
-          </p:nvPr>
-        </p:nvSpPr>
-        <p:spPr/>
-        <p:txBody>
-          <a:bodyPr/>
-          <a:p>
-            <a:fld id="{C2CE828D-624D-4F94-BB33-C58C91DC9F1E}" type="datetime1">
+            <p:ph type="dt" idx="6"/>
+          </p:nvPr>
+        </p:nvSpPr>
+        <p:spPr/>
+        <p:txBody>
+          <a:bodyPr/>
+          <a:p>
+            <a:fld id="{6654FD09-537C-4B56-B3FD-27174196CC07}" type="datetime1">
               <a:rPr lang="en-US"/>
-              <a:t>05/31/2023</a:t>
+              <a:t>06/18/2023</a:t>
             </a:fld>
           </a:p>
         </p:txBody>
@@ -6859,7 +6920,7 @@
         <p:spPr>
           <a:xfrm>
             <a:off x="360000" y="180000"/>
-            <a:ext cx="9360000" cy="478080"/>
+            <a:ext cx="9359640" cy="477720"/>
           </a:xfrm>
           <a:prstGeom prst="rect">
             <a:avLst/>
@@ -6877,9 +6938,9 @@
             <a:pPr indent="0" algn="ctr">
               <a:buNone/>
             </a:pPr>
-            <a:endParaRPr b="0" lang="en-US" sz="3300" spc="-1" strike="noStrike">
-              <a:solidFill>
-                <a:srgbClr val="ffffff"/>
+            <a:endParaRPr b="0" lang="en-US" sz="1800" spc="-1" strike="noStrike">
+              <a:solidFill>
+                <a:srgbClr val="000000"/>
               </a:solidFill>
               <a:latin typeface="Arial"/>
             </a:endParaRPr>
@@ -6899,7 +6960,7 @@
         <p:spPr>
           <a:xfrm>
             <a:off x="360000" y="1080000"/>
-            <a:ext cx="9360000" cy="3600000"/>
+            <a:ext cx="9359640" cy="3599640"/>
           </a:xfrm>
           <a:prstGeom prst="rect">
             <a:avLst/>
@@ -6916,13 +6977,13 @@
           <a:p>
             <a:pPr indent="0">
               <a:spcBef>
-                <a:spcPts val="1060"/>
+                <a:spcPts val="1417"/>
               </a:spcBef>
               <a:buNone/>
             </a:pPr>
-            <a:endParaRPr b="0" lang="en-US" sz="2400" spc="-1" strike="noStrike">
-              <a:solidFill>
-                <a:srgbClr val="009bdd"/>
+            <a:endParaRPr b="0" lang="en-US" sz="1800" spc="-1" strike="noStrike">
+              <a:solidFill>
+                <a:srgbClr val="000000"/>
               </a:solidFill>
               <a:latin typeface="Arial"/>
             </a:endParaRPr>
@@ -6941,8 +7002,8 @@
         </p:blipFill>
         <p:spPr>
           <a:xfrm>
-            <a:off x="457200" y="1143000"/>
-            <a:ext cx="3810960" cy="3069000"/>
+            <a:off x="2162520" y="783360"/>
+            <a:ext cx="5380920" cy="4114080"/>
           </a:xfrm>
           <a:prstGeom prst="rect">
             <a:avLst/>
@@ -6952,52 +7013,6 @@
           </a:ln>
         </p:spPr>
       </p:pic>
-      <p:pic>
-        <p:nvPicPr>
-          <p:cNvPr id="127" name="" descr=""/>
-          <p:cNvPicPr/>
-          <p:nvPr/>
-        </p:nvPicPr>
-        <p:blipFill>
-          <a:blip r:embed="rId2"/>
-          <a:stretch/>
-        </p:blipFill>
-        <p:spPr>
-          <a:xfrm>
-            <a:off x="5943600" y="764280"/>
-            <a:ext cx="2709720" cy="1978920"/>
-          </a:xfrm>
-          <a:prstGeom prst="rect">
-            <a:avLst/>
-          </a:prstGeom>
-          <a:ln w="18000">
-            <a:noFill/>
-          </a:ln>
-        </p:spPr>
-      </p:pic>
-      <p:pic>
-        <p:nvPicPr>
-          <p:cNvPr id="128" name="" descr=""/>
-          <p:cNvPicPr/>
-          <p:nvPr/>
-        </p:nvPicPr>
-        <p:blipFill>
-          <a:blip r:embed="rId3"/>
-          <a:stretch/>
-        </p:blipFill>
-        <p:spPr>
-          <a:xfrm>
-            <a:off x="6040080" y="2743200"/>
-            <a:ext cx="2613240" cy="1959840"/>
-          </a:xfrm>
-          <a:prstGeom prst="rect">
-            <a:avLst/>
-          </a:prstGeom>
-          <a:ln w="18000">
-            <a:noFill/>
-          </a:ln>
-        </p:spPr>
-      </p:pic>
       <p:sp>
         <p:nvSpPr>
           <p:cNvPr id="4" name="PlaceHolder 3"/>
@@ -7005,14 +7020,14 @@
             <a:spLocks noGrp="1"/>
           </p:cNvSpPr>
           <p:nvPr>
-            <p:ph type="sldNum" idx="6"/>
-          </p:nvPr>
-        </p:nvSpPr>
-        <p:spPr/>
-        <p:txBody>
-          <a:bodyPr/>
-          <a:p>
-            <a:fld id="{E301424A-421A-4E92-86F8-8C390DA69E49}" type="slidenum">
+            <p:ph type="sldNum" idx="5"/>
+          </p:nvPr>
+        </p:nvSpPr>
+        <p:spPr/>
+        <p:txBody>
+          <a:bodyPr/>
+          <a:p>
+            <a:fld id="{2BFFC9A8-F388-49EC-862E-A02518EB0765}" type="slidenum">
               <a:t>13</a:t>
             </a:fld>
           </a:p>
@@ -7025,16 +7040,16 @@
             <a:spLocks noGrp="1"/>
           </p:cNvSpPr>
           <p:nvPr>
-            <p:ph type="dt" idx="4"/>
-          </p:nvPr>
-        </p:nvSpPr>
-        <p:spPr/>
-        <p:txBody>
-          <a:bodyPr/>
-          <a:p>
-            <a:fld id="{090D3A8B-3C89-4FD8-8D4F-4ACE14705C3F}" type="datetime1">
+            <p:ph type="dt" idx="6"/>
+          </p:nvPr>
+        </p:nvSpPr>
+        <p:spPr/>
+        <p:txBody>
+          <a:bodyPr/>
+          <a:p>
+            <a:fld id="{53B16F0A-AF9E-4758-A83C-D2A2CE6F9529}" type="datetime1">
               <a:rPr lang="en-US"/>
-              <a:t>05/31/2023</a:t>
+              <a:t>06/18/2023</a:t>
             </a:fld>
           </a:p>
         </p:txBody>
@@ -7071,7 +7086,7 @@
       </p:grpSpPr>
       <p:sp>
         <p:nvSpPr>
-          <p:cNvPr id="129" name="PlaceHolder 1"/>
+          <p:cNvPr id="127" name="PlaceHolder 1"/>
           <p:cNvSpPr>
             <a:spLocks noGrp="1"/>
           </p:cNvSpPr>
@@ -7082,7 +7097,7 @@
         <p:spPr>
           <a:xfrm>
             <a:off x="360000" y="180000"/>
-            <a:ext cx="9360000" cy="478080"/>
+            <a:ext cx="9359640" cy="477720"/>
           </a:xfrm>
           <a:prstGeom prst="rect">
             <a:avLst/>
@@ -7100,18 +7115,18 @@
             <a:pPr indent="0" algn="ctr">
               <a:buNone/>
             </a:pPr>
-            <a:endParaRPr b="0" lang="en-US" sz="3300" spc="-1" strike="noStrike">
-              <a:solidFill>
-                <a:srgbClr val="ffffff"/>
-              </a:solidFill>
-              <a:latin typeface="Arial"/>
-            </a:endParaRPr>
-          </a:p>
-        </p:txBody>
-      </p:sp>
-      <p:sp>
-        <p:nvSpPr>
-          <p:cNvPr id="130" name="PlaceHolder 2"/>
+            <a:endParaRPr b="0" lang="en-US" sz="1800" spc="-1" strike="noStrike">
+              <a:solidFill>
+                <a:srgbClr val="000000"/>
+              </a:solidFill>
+              <a:latin typeface="Arial"/>
+            </a:endParaRPr>
+          </a:p>
+        </p:txBody>
+      </p:sp>
+      <p:sp>
+        <p:nvSpPr>
+          <p:cNvPr id="128" name="PlaceHolder 2"/>
           <p:cNvSpPr>
             <a:spLocks noGrp="1"/>
           </p:cNvSpPr>
@@ -7122,7 +7137,7 @@
         <p:spPr>
           <a:xfrm>
             <a:off x="360000" y="1080000"/>
-            <a:ext cx="9360000" cy="3600000"/>
+            <a:ext cx="9359640" cy="3599640"/>
           </a:xfrm>
           <a:prstGeom prst="rect">
             <a:avLst/>
@@ -7139,19 +7154,65 @@
           <a:p>
             <a:pPr indent="0">
               <a:spcBef>
-                <a:spcPts val="1060"/>
+                <a:spcPts val="1417"/>
               </a:spcBef>
               <a:buNone/>
             </a:pPr>
-            <a:endParaRPr b="0" lang="en-US" sz="2400" spc="-1" strike="noStrike">
-              <a:solidFill>
-                <a:srgbClr val="009bdd"/>
-              </a:solidFill>
-              <a:latin typeface="Arial"/>
-            </a:endParaRPr>
-          </a:p>
-        </p:txBody>
-      </p:sp>
+            <a:endParaRPr b="0" lang="en-US" sz="1800" spc="-1" strike="noStrike">
+              <a:solidFill>
+                <a:srgbClr val="000000"/>
+              </a:solidFill>
+              <a:latin typeface="Arial"/>
+            </a:endParaRPr>
+          </a:p>
+        </p:txBody>
+      </p:sp>
+      <p:pic>
+        <p:nvPicPr>
+          <p:cNvPr id="129" name="" descr=""/>
+          <p:cNvPicPr/>
+          <p:nvPr/>
+        </p:nvPicPr>
+        <p:blipFill>
+          <a:blip r:embed="rId1"/>
+          <a:stretch/>
+        </p:blipFill>
+        <p:spPr>
+          <a:xfrm>
+            <a:off x="457200" y="1143000"/>
+            <a:ext cx="3810600" cy="3068640"/>
+          </a:xfrm>
+          <a:prstGeom prst="rect">
+            <a:avLst/>
+          </a:prstGeom>
+          <a:ln w="18000">
+            <a:noFill/>
+          </a:ln>
+        </p:spPr>
+      </p:pic>
+      <p:pic>
+        <p:nvPicPr>
+          <p:cNvPr id="130" name="" descr=""/>
+          <p:cNvPicPr/>
+          <p:nvPr/>
+        </p:nvPicPr>
+        <p:blipFill>
+          <a:blip r:embed="rId2"/>
+          <a:stretch/>
+        </p:blipFill>
+        <p:spPr>
+          <a:xfrm>
+            <a:off x="5943600" y="764280"/>
+            <a:ext cx="2709360" cy="1978560"/>
+          </a:xfrm>
+          <a:prstGeom prst="rect">
+            <a:avLst/>
+          </a:prstGeom>
+          <a:ln w="18000">
+            <a:noFill/>
+          </a:ln>
+        </p:spPr>
+      </p:pic>
       <p:pic>
         <p:nvPicPr>
           <p:cNvPr id="131" name="" descr=""/>
@@ -7159,59 +7220,13 @@
           <p:nvPr/>
         </p:nvPicPr>
         <p:blipFill>
-          <a:blip r:embed="rId1"/>
-          <a:stretch/>
-        </p:blipFill>
-        <p:spPr>
-          <a:xfrm>
-            <a:off x="685800" y="1143000"/>
-            <a:ext cx="3704760" cy="2983680"/>
-          </a:xfrm>
-          <a:prstGeom prst="rect">
-            <a:avLst/>
-          </a:prstGeom>
-          <a:ln w="18000">
-            <a:noFill/>
-          </a:ln>
-        </p:spPr>
-      </p:pic>
-      <p:pic>
-        <p:nvPicPr>
-          <p:cNvPr id="132" name="" descr=""/>
-          <p:cNvPicPr/>
-          <p:nvPr/>
-        </p:nvPicPr>
-        <p:blipFill>
-          <a:blip r:embed="rId2"/>
-          <a:stretch/>
-        </p:blipFill>
-        <p:spPr>
-          <a:xfrm>
-            <a:off x="5749560" y="783360"/>
-            <a:ext cx="2708640" cy="1959840"/>
-          </a:xfrm>
-          <a:prstGeom prst="rect">
-            <a:avLst/>
-          </a:prstGeom>
-          <a:ln w="18000">
-            <a:noFill/>
-          </a:ln>
-        </p:spPr>
-      </p:pic>
-      <p:pic>
-        <p:nvPicPr>
-          <p:cNvPr id="133" name="" descr=""/>
-          <p:cNvPicPr/>
-          <p:nvPr/>
-        </p:nvPicPr>
-        <p:blipFill>
           <a:blip r:embed="rId3"/>
           <a:stretch/>
         </p:blipFill>
         <p:spPr>
           <a:xfrm>
-            <a:off x="5928120" y="2760120"/>
-            <a:ext cx="2758680" cy="2040480"/>
+            <a:off x="6040080" y="2743200"/>
+            <a:ext cx="2612880" cy="1959480"/>
           </a:xfrm>
           <a:prstGeom prst="rect">
             <a:avLst/>
@@ -7228,14 +7243,14 @@
             <a:spLocks noGrp="1"/>
           </p:cNvSpPr>
           <p:nvPr>
-            <p:ph type="sldNum" idx="6"/>
-          </p:nvPr>
-        </p:nvSpPr>
-        <p:spPr/>
-        <p:txBody>
-          <a:bodyPr/>
-          <a:p>
-            <a:fld id="{9C722F09-6C43-4EC7-81EC-0D4B80BA8DF3}" type="slidenum">
+            <p:ph type="sldNum" idx="5"/>
+          </p:nvPr>
+        </p:nvSpPr>
+        <p:spPr/>
+        <p:txBody>
+          <a:bodyPr/>
+          <a:p>
+            <a:fld id="{38FFFDD9-426C-4DA2-ADE4-466733BCA533}" type="slidenum">
               <a:t>14</a:t>
             </a:fld>
           </a:p>
@@ -7248,16 +7263,16 @@
             <a:spLocks noGrp="1"/>
           </p:cNvSpPr>
           <p:nvPr>
-            <p:ph type="dt" idx="4"/>
-          </p:nvPr>
-        </p:nvSpPr>
-        <p:spPr/>
-        <p:txBody>
-          <a:bodyPr/>
-          <a:p>
-            <a:fld id="{65E97F64-C282-4460-B920-5CE94894958C}" type="datetime1">
+            <p:ph type="dt" idx="6"/>
+          </p:nvPr>
+        </p:nvSpPr>
+        <p:spPr/>
+        <p:txBody>
+          <a:bodyPr/>
+          <a:p>
+            <a:fld id="{93124576-2B1C-4514-9C37-D50CDCC255B7}" type="datetime1">
               <a:rPr lang="en-US"/>
-              <a:t>05/31/2023</a:t>
+              <a:t>06/18/2023</a:t>
             </a:fld>
           </a:p>
         </p:txBody>
@@ -7294,7 +7309,7 @@
       </p:grpSpPr>
       <p:sp>
         <p:nvSpPr>
-          <p:cNvPr id="134" name="PlaceHolder 1"/>
+          <p:cNvPr id="132" name="PlaceHolder 1"/>
           <p:cNvSpPr>
             <a:spLocks noGrp="1"/>
           </p:cNvSpPr>
@@ -7305,7 +7320,7 @@
         <p:spPr>
           <a:xfrm>
             <a:off x="360000" y="180000"/>
-            <a:ext cx="9360000" cy="478080"/>
+            <a:ext cx="9359640" cy="477720"/>
           </a:xfrm>
           <a:prstGeom prst="rect">
             <a:avLst/>
@@ -7323,18 +7338,18 @@
             <a:pPr indent="0" algn="ctr">
               <a:buNone/>
             </a:pPr>
-            <a:endParaRPr b="0" lang="en-US" sz="3300" spc="-1" strike="noStrike">
-              <a:solidFill>
-                <a:srgbClr val="ffffff"/>
-              </a:solidFill>
-              <a:latin typeface="Arial"/>
-            </a:endParaRPr>
-          </a:p>
-        </p:txBody>
-      </p:sp>
-      <p:sp>
-        <p:nvSpPr>
-          <p:cNvPr id="135" name="PlaceHolder 2"/>
+            <a:endParaRPr b="0" lang="en-US" sz="1800" spc="-1" strike="noStrike">
+              <a:solidFill>
+                <a:srgbClr val="000000"/>
+              </a:solidFill>
+              <a:latin typeface="Arial"/>
+            </a:endParaRPr>
+          </a:p>
+        </p:txBody>
+      </p:sp>
+      <p:sp>
+        <p:nvSpPr>
+          <p:cNvPr id="133" name="PlaceHolder 2"/>
           <p:cNvSpPr>
             <a:spLocks noGrp="1"/>
           </p:cNvSpPr>
@@ -7345,7 +7360,7 @@
         <p:spPr>
           <a:xfrm>
             <a:off x="360000" y="1080000"/>
-            <a:ext cx="9360000" cy="3600000"/>
+            <a:ext cx="9359640" cy="3599640"/>
           </a:xfrm>
           <a:prstGeom prst="rect">
             <a:avLst/>
@@ -7362,19 +7377,65 @@
           <a:p>
             <a:pPr indent="0">
               <a:spcBef>
-                <a:spcPts val="1060"/>
+                <a:spcPts val="1417"/>
               </a:spcBef>
               <a:buNone/>
             </a:pPr>
-            <a:endParaRPr b="0" lang="en-US" sz="2400" spc="-1" strike="noStrike">
-              <a:solidFill>
-                <a:srgbClr val="009bdd"/>
-              </a:solidFill>
-              <a:latin typeface="Arial"/>
-            </a:endParaRPr>
-          </a:p>
-        </p:txBody>
-      </p:sp>
+            <a:endParaRPr b="0" lang="en-US" sz="1800" spc="-1" strike="noStrike">
+              <a:solidFill>
+                <a:srgbClr val="000000"/>
+              </a:solidFill>
+              <a:latin typeface="Arial"/>
+            </a:endParaRPr>
+          </a:p>
+        </p:txBody>
+      </p:sp>
+      <p:pic>
+        <p:nvPicPr>
+          <p:cNvPr id="134" name="" descr=""/>
+          <p:cNvPicPr/>
+          <p:nvPr/>
+        </p:nvPicPr>
+        <p:blipFill>
+          <a:blip r:embed="rId1"/>
+          <a:stretch/>
+        </p:blipFill>
+        <p:spPr>
+          <a:xfrm>
+            <a:off x="685800" y="1143000"/>
+            <a:ext cx="3704400" cy="2983320"/>
+          </a:xfrm>
+          <a:prstGeom prst="rect">
+            <a:avLst/>
+          </a:prstGeom>
+          <a:ln w="18000">
+            <a:noFill/>
+          </a:ln>
+        </p:spPr>
+      </p:pic>
+      <p:pic>
+        <p:nvPicPr>
+          <p:cNvPr id="135" name="" descr=""/>
+          <p:cNvPicPr/>
+          <p:nvPr/>
+        </p:nvPicPr>
+        <p:blipFill>
+          <a:blip r:embed="rId2"/>
+          <a:stretch/>
+        </p:blipFill>
+        <p:spPr>
+          <a:xfrm>
+            <a:off x="5749560" y="783360"/>
+            <a:ext cx="2708280" cy="1959480"/>
+          </a:xfrm>
+          <a:prstGeom prst="rect">
+            <a:avLst/>
+          </a:prstGeom>
+          <a:ln w="18000">
+            <a:noFill/>
+          </a:ln>
+        </p:spPr>
+      </p:pic>
       <p:pic>
         <p:nvPicPr>
           <p:cNvPr id="136" name="" descr=""/>
@@ -7382,13 +7443,13 @@
           <p:nvPr/>
         </p:nvPicPr>
         <p:blipFill>
-          <a:blip r:embed="rId1"/>
+          <a:blip r:embed="rId3"/>
           <a:stretch/>
         </p:blipFill>
         <p:spPr>
           <a:xfrm>
-            <a:off x="2162520" y="783360"/>
-            <a:ext cx="5381280" cy="4114440"/>
+            <a:off x="5928120" y="2760120"/>
+            <a:ext cx="2758320" cy="2040120"/>
           </a:xfrm>
           <a:prstGeom prst="rect">
             <a:avLst/>
@@ -7405,14 +7466,14 @@
             <a:spLocks noGrp="1"/>
           </p:cNvSpPr>
           <p:nvPr>
-            <p:ph type="sldNum" idx="6"/>
-          </p:nvPr>
-        </p:nvSpPr>
-        <p:spPr/>
-        <p:txBody>
-          <a:bodyPr/>
-          <a:p>
-            <a:fld id="{7E20D07B-C455-49CB-8616-BB95C5A226AE}" type="slidenum">
+            <p:ph type="sldNum" idx="5"/>
+          </p:nvPr>
+        </p:nvSpPr>
+        <p:spPr/>
+        <p:txBody>
+          <a:bodyPr/>
+          <a:p>
+            <a:fld id="{9940A9FF-D2B8-4665-B7B7-424BA6586F50}" type="slidenum">
               <a:t>15</a:t>
             </a:fld>
           </a:p>
@@ -7425,16 +7486,16 @@
             <a:spLocks noGrp="1"/>
           </p:cNvSpPr>
           <p:nvPr>
-            <p:ph type="dt" idx="4"/>
-          </p:nvPr>
-        </p:nvSpPr>
-        <p:spPr/>
-        <p:txBody>
-          <a:bodyPr/>
-          <a:p>
-            <a:fld id="{374DC301-C44D-4E4B-9E20-84D653605EF5}" type="datetime1">
+            <p:ph type="dt" idx="6"/>
+          </p:nvPr>
+        </p:nvSpPr>
+        <p:spPr/>
+        <p:txBody>
+          <a:bodyPr/>
+          <a:p>
+            <a:fld id="{63074DDD-F7D8-4C17-A038-BA40EAE52D9A}" type="datetime1">
               <a:rPr lang="en-US"/>
-              <a:t>05/31/2023</a:t>
+              <a:t>06/18/2023</a:t>
             </a:fld>
           </a:p>
         </p:txBody>
@@ -7481,8 +7542,8 @@
         </p:nvSpPr>
         <p:spPr>
           <a:xfrm>
-            <a:off x="360000" y="180000"/>
-            <a:ext cx="9360000" cy="478080"/>
+            <a:off x="360000" y="106200"/>
+            <a:ext cx="9359640" cy="625320"/>
           </a:xfrm>
           <a:prstGeom prst="rect">
             <a:avLst/>
@@ -7500,58 +7561,38 @@
             <a:pPr indent="0" algn="ctr">
               <a:buNone/>
             </a:pPr>
-            <a:endParaRPr b="0" lang="en-US" sz="3300" spc="-1" strike="noStrike">
-              <a:solidFill>
-                <a:srgbClr val="ffffff"/>
-              </a:solidFill>
-              <a:latin typeface="Arial"/>
-            </a:endParaRPr>
-          </a:p>
-        </p:txBody>
-      </p:sp>
-      <p:sp>
-        <p:nvSpPr>
-          <p:cNvPr id="138" name="PlaceHolder 2"/>
-          <p:cNvSpPr>
-            <a:spLocks noGrp="1"/>
-          </p:cNvSpPr>
-          <p:nvPr>
-            <p:ph/>
-          </p:nvPr>
-        </p:nvSpPr>
+            <a:endParaRPr b="0" lang="en-US" sz="4400" spc="-1" strike="noStrike">
+              <a:solidFill>
+                <a:srgbClr val="000000"/>
+              </a:solidFill>
+              <a:latin typeface="Arial"/>
+            </a:endParaRPr>
+          </a:p>
+        </p:txBody>
+      </p:sp>
+      <p:pic>
+        <p:nvPicPr>
+          <p:cNvPr id="138" name="" descr=""/>
+          <p:cNvPicPr/>
+          <p:nvPr/>
+        </p:nvPicPr>
+        <p:blipFill>
+          <a:blip r:embed="rId1"/>
+          <a:stretch/>
+        </p:blipFill>
         <p:spPr>
           <a:xfrm>
             <a:off x="360000" y="1080000"/>
-            <a:ext cx="9360000" cy="3600000"/>
-          </a:xfrm>
-          <a:prstGeom prst="rect">
-            <a:avLst/>
-          </a:prstGeom>
-          <a:noFill/>
-          <a:ln w="0">
-            <a:noFill/>
-          </a:ln>
-        </p:spPr>
-        <p:txBody>
-          <a:bodyPr lIns="0" rIns="0" tIns="0" bIns="0" anchor="t">
-            <a:noAutofit/>
-          </a:bodyPr>
-          <a:p>
-            <a:pPr indent="0">
-              <a:spcBef>
-                <a:spcPts val="1060"/>
-              </a:spcBef>
-              <a:buNone/>
-            </a:pPr>
-            <a:endParaRPr b="0" lang="en-US" sz="2400" spc="-1" strike="noStrike">
-              <a:solidFill>
-                <a:srgbClr val="009bdd"/>
-              </a:solidFill>
-              <a:latin typeface="Arial"/>
-            </a:endParaRPr>
-          </a:p>
-        </p:txBody>
-      </p:sp>
+            <a:ext cx="9359640" cy="3599640"/>
+          </a:xfrm>
+          <a:prstGeom prst="rect">
+            <a:avLst/>
+          </a:prstGeom>
+          <a:ln w="0">
+            <a:noFill/>
+          </a:ln>
+        </p:spPr>
+      </p:pic>
       <p:pic>
         <p:nvPicPr>
           <p:cNvPr id="139" name="" descr=""/>
@@ -7559,13 +7600,213 @@
           <p:nvPr/>
         </p:nvPicPr>
         <p:blipFill>
+          <a:blip r:embed="rId2"/>
+          <a:stretch/>
+        </p:blipFill>
+        <p:spPr>
+          <a:xfrm>
+            <a:off x="685800" y="1143000"/>
+            <a:ext cx="4210920" cy="3200400"/>
+          </a:xfrm>
+          <a:prstGeom prst="rect">
+            <a:avLst/>
+          </a:prstGeom>
+          <a:ln w="0">
+            <a:noFill/>
+          </a:ln>
+        </p:spPr>
+      </p:pic>
+      <p:pic>
+        <p:nvPicPr>
+          <p:cNvPr id="140" name="" descr=""/>
+          <p:cNvPicPr/>
+          <p:nvPr/>
+        </p:nvPicPr>
+        <p:blipFill>
+          <a:blip r:embed="rId3"/>
+          <a:stretch/>
+        </p:blipFill>
+        <p:spPr>
+          <a:xfrm>
+            <a:off x="5400720" y="1143000"/>
+            <a:ext cx="4200480" cy="3200400"/>
+          </a:xfrm>
+          <a:prstGeom prst="rect">
+            <a:avLst/>
+          </a:prstGeom>
+          <a:ln w="0">
+            <a:noFill/>
+          </a:ln>
+        </p:spPr>
+      </p:pic>
+      <p:sp>
+        <p:nvSpPr>
+          <p:cNvPr id="3" name="PlaceHolder 2"/>
+          <p:cNvSpPr>
+            <a:spLocks noGrp="1"/>
+          </p:cNvSpPr>
+          <p:nvPr>
+            <p:ph type="sldNum" idx="5"/>
+          </p:nvPr>
+        </p:nvSpPr>
+        <p:spPr/>
+        <p:txBody>
+          <a:bodyPr/>
+          <a:p>
+            <a:fld id="{43E57DFF-72B3-4336-B83B-194BEAA3D97A}" type="slidenum">
+              <a:t>16</a:t>
+            </a:fld>
+          </a:p>
+        </p:txBody>
+      </p:sp>
+      <p:sp>
+        <p:nvSpPr>
+          <p:cNvPr id="4" name="PlaceHolder 3"/>
+          <p:cNvSpPr>
+            <a:spLocks noGrp="1"/>
+          </p:cNvSpPr>
+          <p:nvPr>
+            <p:ph type="dt" idx="6"/>
+          </p:nvPr>
+        </p:nvSpPr>
+        <p:spPr/>
+        <p:txBody>
+          <a:bodyPr/>
+          <a:p>
+            <a:fld id="{ABFC43D4-4EEA-4457-AC4F-BD86AB33A6B8}" type="datetime1">
+              <a:rPr lang="en-US"/>
+              <a:t>06/18/2023</a:t>
+            </a:fld>
+          </a:p>
+        </p:txBody>
+      </p:sp>
+    </p:spTree>
+  </p:cSld>
+  <mc:AlternateContent>
+    <mc:Choice Requires="p14">
+      <p:transition spd="slow" p14:dur="2000"/>
+    </mc:Choice>
+    <mc:Fallback>
+      <p:transition spd="slow"/>
+    </mc:Fallback>
+  </mc:AlternateContent>
+</p:sld>
+</file>
+
+<file path=ppt/slides/slide17.xml><?xml version="1.0" encoding="utf-8"?>
+<p:sld xmlns:a="http://schemas.openxmlformats.org/drawingml/2006/main" xmlns:p="http://schemas.openxmlformats.org/presentationml/2006/main" xmlns:r="http://schemas.openxmlformats.org/officeDocument/2006/relationships" xmlns:p14="http://schemas.microsoft.com/office/powerpoint/2010/main" xmlns:p15="http://schemas.microsoft.com/office/powerpoint/2012/main" xmlns:mc="http://schemas.openxmlformats.org/markup-compatibility/2006">
+  <p:cSld>
+    <p:spTree>
+      <p:nvGrpSpPr>
+        <p:cNvPr id="1" name=""/>
+        <p:cNvGrpSpPr/>
+        <p:nvPr/>
+      </p:nvGrpSpPr>
+      <p:grpSpPr>
+        <a:xfrm>
+          <a:off x="0" y="0"/>
+          <a:ext cx="0" cy="0"/>
+          <a:chOff x="0" y="0"/>
+          <a:chExt cx="0" cy="0"/>
+        </a:xfrm>
+      </p:grpSpPr>
+      <p:sp>
+        <p:nvSpPr>
+          <p:cNvPr id="141" name="PlaceHolder 1"/>
+          <p:cNvSpPr>
+            <a:spLocks noGrp="1"/>
+          </p:cNvSpPr>
+          <p:nvPr>
+            <p:ph type="title"/>
+          </p:nvPr>
+        </p:nvSpPr>
+        <p:spPr>
+          <a:xfrm>
+            <a:off x="360000" y="180000"/>
+            <a:ext cx="9359640" cy="477720"/>
+          </a:xfrm>
+          <a:prstGeom prst="rect">
+            <a:avLst/>
+          </a:prstGeom>
+          <a:noFill/>
+          <a:ln w="0">
+            <a:noFill/>
+          </a:ln>
+        </p:spPr>
+        <p:txBody>
+          <a:bodyPr lIns="0" rIns="0" tIns="0" bIns="0" anchor="ctr">
+            <a:noAutofit/>
+          </a:bodyPr>
+          <a:p>
+            <a:pPr indent="0" algn="ctr">
+              <a:buNone/>
+            </a:pPr>
+            <a:endParaRPr b="0" lang="en-US" sz="1800" spc="-1" strike="noStrike">
+              <a:solidFill>
+                <a:srgbClr val="000000"/>
+              </a:solidFill>
+              <a:latin typeface="Arial"/>
+            </a:endParaRPr>
+          </a:p>
+        </p:txBody>
+      </p:sp>
+      <p:sp>
+        <p:nvSpPr>
+          <p:cNvPr id="142" name="PlaceHolder 2"/>
+          <p:cNvSpPr>
+            <a:spLocks noGrp="1"/>
+          </p:cNvSpPr>
+          <p:nvPr>
+            <p:ph/>
+          </p:nvPr>
+        </p:nvSpPr>
+        <p:spPr>
+          <a:xfrm>
+            <a:off x="360000" y="1080000"/>
+            <a:ext cx="9359640" cy="3599640"/>
+          </a:xfrm>
+          <a:prstGeom prst="rect">
+            <a:avLst/>
+          </a:prstGeom>
+          <a:noFill/>
+          <a:ln w="0">
+            <a:noFill/>
+          </a:ln>
+        </p:spPr>
+        <p:txBody>
+          <a:bodyPr lIns="0" rIns="0" tIns="0" bIns="0" anchor="t">
+            <a:noAutofit/>
+          </a:bodyPr>
+          <a:p>
+            <a:pPr indent="0">
+              <a:spcBef>
+                <a:spcPts val="1417"/>
+              </a:spcBef>
+              <a:buNone/>
+            </a:pPr>
+            <a:endParaRPr b="0" lang="en-US" sz="1800" spc="-1" strike="noStrike">
+              <a:solidFill>
+                <a:srgbClr val="000000"/>
+              </a:solidFill>
+              <a:latin typeface="Arial"/>
+            </a:endParaRPr>
+          </a:p>
+        </p:txBody>
+      </p:sp>
+      <p:pic>
+        <p:nvPicPr>
+          <p:cNvPr id="143" name="" descr=""/>
+          <p:cNvPicPr/>
+          <p:nvPr/>
+        </p:nvPicPr>
+        <p:blipFill>
           <a:blip r:embed="rId1"/>
           <a:stretch/>
         </p:blipFill>
         <p:spPr>
           <a:xfrm>
             <a:off x="2675520" y="860760"/>
-            <a:ext cx="4411080" cy="3819240"/>
+            <a:ext cx="4410720" cy="3818880"/>
           </a:xfrm>
           <a:prstGeom prst="rect">
             <a:avLst/>
@@ -7582,15 +7823,15 @@
             <a:spLocks noGrp="1"/>
           </p:cNvSpPr>
           <p:nvPr>
-            <p:ph type="sldNum" idx="6"/>
-          </p:nvPr>
-        </p:nvSpPr>
-        <p:spPr/>
-        <p:txBody>
-          <a:bodyPr/>
-          <a:p>
-            <a:fld id="{B95020FF-D496-42EE-8287-06D0A32EBC0E}" type="slidenum">
-              <a:t>16</a:t>
+            <p:ph type="sldNum" idx="5"/>
+          </p:nvPr>
+        </p:nvSpPr>
+        <p:spPr/>
+        <p:txBody>
+          <a:bodyPr/>
+          <a:p>
+            <a:fld id="{AE22692A-BD91-4B19-A463-DB11E1B00CEC}" type="slidenum">
+              <a:t>17</a:t>
             </a:fld>
           </a:p>
         </p:txBody>
@@ -7602,16 +7843,16 @@
             <a:spLocks noGrp="1"/>
           </p:cNvSpPr>
           <p:nvPr>
-            <p:ph type="dt" idx="4"/>
-          </p:nvPr>
-        </p:nvSpPr>
-        <p:spPr/>
-        <p:txBody>
-          <a:bodyPr/>
-          <a:p>
-            <a:fld id="{DF972B02-F346-4204-BE3E-8FEB1C481CAC}" type="datetime1">
+            <p:ph type="dt" idx="6"/>
+          </p:nvPr>
+        </p:nvSpPr>
+        <p:spPr/>
+        <p:txBody>
+          <a:bodyPr/>
+          <a:p>
+            <a:fld id="{60FEF2A8-DA30-44A9-BA44-E50EB7CBEC7F}" type="datetime1">
               <a:rPr lang="en-US"/>
-              <a:t>05/31/2023</a:t>
+              <a:t>06/18/2023</a:t>
             </a:fld>
           </a:p>
         </p:txBody>
@@ -7659,7 +7900,7 @@
         <p:spPr>
           <a:xfrm>
             <a:off x="360000" y="180000"/>
-            <a:ext cx="9360000" cy="478080"/>
+            <a:ext cx="9359640" cy="477720"/>
           </a:xfrm>
           <a:prstGeom prst="rect">
             <a:avLst/>
@@ -7677,9 +7918,9 @@
             <a:pPr indent="0" algn="ctr">
               <a:buNone/>
             </a:pPr>
-            <a:endParaRPr b="0" lang="en-US" sz="3300" spc="-1" strike="noStrike">
-              <a:solidFill>
-                <a:srgbClr val="ffffff"/>
+            <a:endParaRPr b="0" lang="en-US" sz="1800" spc="-1" strike="noStrike">
+              <a:solidFill>
+                <a:srgbClr val="000000"/>
               </a:solidFill>
               <a:latin typeface="Arial"/>
             </a:endParaRPr>
@@ -7699,7 +7940,7 @@
         <p:spPr>
           <a:xfrm>
             <a:off x="360000" y="1080000"/>
-            <a:ext cx="9360000" cy="3600000"/>
+            <a:ext cx="9359640" cy="3599640"/>
           </a:xfrm>
           <a:prstGeom prst="rect">
             <a:avLst/>
@@ -7716,13 +7957,13 @@
           <a:p>
             <a:pPr indent="0">
               <a:spcBef>
-                <a:spcPts val="1060"/>
+                <a:spcPts val="1417"/>
               </a:spcBef>
               <a:buNone/>
             </a:pPr>
-            <a:endParaRPr b="0" lang="en-US" sz="2400" spc="-1" strike="noStrike">
-              <a:solidFill>
-                <a:srgbClr val="009bdd"/>
+            <a:endParaRPr b="0" lang="en-US" sz="1800" spc="-1" strike="noStrike">
+              <a:solidFill>
+                <a:srgbClr val="000000"/>
               </a:solidFill>
               <a:latin typeface="Arial"/>
             </a:endParaRPr>
@@ -7742,7 +7983,7 @@
         <p:spPr>
           <a:xfrm>
             <a:off x="1113480" y="697680"/>
-            <a:ext cx="7876800" cy="4285800"/>
+            <a:ext cx="7876440" cy="4285440"/>
           </a:xfrm>
           <a:prstGeom prst="rect">
             <a:avLst/>
@@ -7759,14 +8000,14 @@
             <a:spLocks noGrp="1"/>
           </p:cNvSpPr>
           <p:nvPr>
-            <p:ph type="sldNum" idx="6"/>
-          </p:nvPr>
-        </p:nvSpPr>
-        <p:spPr/>
-        <p:txBody>
-          <a:bodyPr/>
-          <a:p>
-            <a:fld id="{297605F9-803E-44E7-A405-88B6B287B4FB}" type="slidenum">
+            <p:ph type="sldNum" idx="5"/>
+          </p:nvPr>
+        </p:nvSpPr>
+        <p:spPr/>
+        <p:txBody>
+          <a:bodyPr/>
+          <a:p>
+            <a:fld id="{8CA08F86-B605-4CB4-ACA5-9C2781D81E27}" type="slidenum">
               <a:t>2</a:t>
             </a:fld>
           </a:p>
@@ -7779,16 +8020,16 @@
             <a:spLocks noGrp="1"/>
           </p:cNvSpPr>
           <p:nvPr>
-            <p:ph type="dt" idx="4"/>
-          </p:nvPr>
-        </p:nvSpPr>
-        <p:spPr/>
-        <p:txBody>
-          <a:bodyPr/>
-          <a:p>
-            <a:fld id="{F14D8AB5-C6E2-4509-B68B-B53AF85DEBB7}" type="datetime1">
+            <p:ph type="dt" idx="6"/>
+          </p:nvPr>
+        </p:nvSpPr>
+        <p:spPr/>
+        <p:txBody>
+          <a:bodyPr/>
+          <a:p>
+            <a:fld id="{1EF323D6-E63B-41FA-8488-1A34D784CB2A}" type="datetime1">
               <a:rPr lang="en-US"/>
-              <a:t>05/31/2023</a:t>
+              <a:t>06/18/2023</a:t>
             </a:fld>
           </a:p>
         </p:txBody>
@@ -7836,7 +8077,7 @@
         <p:spPr>
           <a:xfrm>
             <a:off x="360000" y="180000"/>
-            <a:ext cx="9360000" cy="478080"/>
+            <a:ext cx="9359640" cy="477720"/>
           </a:xfrm>
           <a:prstGeom prst="rect">
             <a:avLst/>
@@ -7854,9 +8095,9 @@
             <a:pPr indent="0" algn="ctr">
               <a:buNone/>
             </a:pPr>
-            <a:endParaRPr b="0" lang="en-US" sz="3300" spc="-1" strike="noStrike">
-              <a:solidFill>
-                <a:srgbClr val="ffffff"/>
+            <a:endParaRPr b="0" lang="en-US" sz="1800" spc="-1" strike="noStrike">
+              <a:solidFill>
+                <a:srgbClr val="000000"/>
               </a:solidFill>
               <a:latin typeface="Arial"/>
             </a:endParaRPr>
@@ -7876,7 +8117,7 @@
         <p:spPr>
           <a:xfrm>
             <a:off x="2514600" y="914400"/>
-            <a:ext cx="4152600" cy="2923920"/>
+            <a:ext cx="4152240" cy="2923560"/>
           </a:xfrm>
           <a:prstGeom prst="rect">
             <a:avLst/>
@@ -7893,14 +8134,14 @@
             <a:spLocks noGrp="1"/>
           </p:cNvSpPr>
           <p:nvPr>
-            <p:ph type="sldNum" idx="6"/>
-          </p:nvPr>
-        </p:nvSpPr>
-        <p:spPr/>
-        <p:txBody>
-          <a:bodyPr/>
-          <a:p>
-            <a:fld id="{40005543-6A36-459E-9D20-6FED73269A71}" type="slidenum">
+            <p:ph type="sldNum" idx="5"/>
+          </p:nvPr>
+        </p:nvSpPr>
+        <p:spPr/>
+        <p:txBody>
+          <a:bodyPr/>
+          <a:p>
+            <a:fld id="{4249CEA8-D38C-4075-916A-B1323D320208}" type="slidenum">
               <a:t>3</a:t>
             </a:fld>
           </a:p>
@@ -7913,16 +8154,16 @@
             <a:spLocks noGrp="1"/>
           </p:cNvSpPr>
           <p:nvPr>
-            <p:ph type="dt" idx="4"/>
-          </p:nvPr>
-        </p:nvSpPr>
-        <p:spPr/>
-        <p:txBody>
-          <a:bodyPr/>
-          <a:p>
-            <a:fld id="{C32000D1-BADC-4B16-B3D9-129B5644AAD5}" type="datetime1">
+            <p:ph type="dt" idx="6"/>
+          </p:nvPr>
+        </p:nvSpPr>
+        <p:spPr/>
+        <p:txBody>
+          <a:bodyPr/>
+          <a:p>
+            <a:fld id="{1EE247EA-C885-49D1-8D39-C46BC7150B87}" type="datetime1">
               <a:rPr lang="en-US"/>
-              <a:t>05/31/2023</a:t>
+              <a:t>06/18/2023</a:t>
             </a:fld>
           </a:p>
         </p:txBody>
@@ -7970,7 +8211,7 @@
         <p:spPr>
           <a:xfrm>
             <a:off x="360000" y="180000"/>
-            <a:ext cx="9360000" cy="478080"/>
+            <a:ext cx="9359640" cy="477720"/>
           </a:xfrm>
           <a:prstGeom prst="rect">
             <a:avLst/>
@@ -7988,9 +8229,9 @@
             <a:pPr indent="0" algn="ctr">
               <a:buNone/>
             </a:pPr>
-            <a:endParaRPr b="0" lang="en-US" sz="3300" spc="-1" strike="noStrike">
-              <a:solidFill>
-                <a:srgbClr val="ffffff"/>
+            <a:endParaRPr b="0" lang="en-US" sz="1800" spc="-1" strike="noStrike">
+              <a:solidFill>
+                <a:srgbClr val="000000"/>
               </a:solidFill>
               <a:latin typeface="Arial"/>
             </a:endParaRPr>
@@ -8010,7 +8251,7 @@
         <p:spPr>
           <a:xfrm>
             <a:off x="360000" y="1080000"/>
-            <a:ext cx="9360000" cy="3600000"/>
+            <a:ext cx="9359640" cy="3599640"/>
           </a:xfrm>
           <a:prstGeom prst="rect">
             <a:avLst/>
@@ -8027,13 +8268,13 @@
           <a:p>
             <a:pPr indent="0">
               <a:spcBef>
-                <a:spcPts val="1060"/>
+                <a:spcPts val="1417"/>
               </a:spcBef>
               <a:buNone/>
             </a:pPr>
-            <a:endParaRPr b="0" lang="en-US" sz="2400" spc="-1" strike="noStrike">
-              <a:solidFill>
-                <a:srgbClr val="009bdd"/>
+            <a:endParaRPr b="0" lang="en-US" sz="1800" spc="-1" strike="noStrike">
+              <a:solidFill>
+                <a:srgbClr val="000000"/>
               </a:solidFill>
               <a:latin typeface="Arial"/>
             </a:endParaRPr>
@@ -8053,7 +8294,7 @@
         <p:spPr>
           <a:xfrm>
             <a:off x="11880" y="1143000"/>
-            <a:ext cx="10079640" cy="3395160"/>
+            <a:ext cx="10079280" cy="3394800"/>
           </a:xfrm>
           <a:prstGeom prst="rect">
             <a:avLst/>
@@ -8070,14 +8311,14 @@
             <a:spLocks noGrp="1"/>
           </p:cNvSpPr>
           <p:nvPr>
-            <p:ph type="sldNum" idx="6"/>
-          </p:nvPr>
-        </p:nvSpPr>
-        <p:spPr/>
-        <p:txBody>
-          <a:bodyPr/>
-          <a:p>
-            <a:fld id="{AAEF81E5-90F3-42E6-A1D8-1217B00509E4}" type="slidenum">
+            <p:ph type="sldNum" idx="5"/>
+          </p:nvPr>
+        </p:nvSpPr>
+        <p:spPr/>
+        <p:txBody>
+          <a:bodyPr/>
+          <a:p>
+            <a:fld id="{36EF11B6-E519-4DC6-8856-AAA298009F51}" type="slidenum">
               <a:t>4</a:t>
             </a:fld>
           </a:p>
@@ -8090,16 +8331,16 @@
             <a:spLocks noGrp="1"/>
           </p:cNvSpPr>
           <p:nvPr>
-            <p:ph type="dt" idx="4"/>
-          </p:nvPr>
-        </p:nvSpPr>
-        <p:spPr/>
-        <p:txBody>
-          <a:bodyPr/>
-          <a:p>
-            <a:fld id="{12F1C0CA-FCA1-4C8F-B8CC-D0A662F2A646}" type="datetime1">
+            <p:ph type="dt" idx="6"/>
+          </p:nvPr>
+        </p:nvSpPr>
+        <p:spPr/>
+        <p:txBody>
+          <a:bodyPr/>
+          <a:p>
+            <a:fld id="{330965C9-B28E-4268-8974-6EFB5C4785BE}" type="datetime1">
               <a:rPr lang="en-US"/>
-              <a:t>05/31/2023</a:t>
+              <a:t>06/18/2023</a:t>
             </a:fld>
           </a:p>
         </p:txBody>
@@ -8147,7 +8388,7 @@
         <p:spPr>
           <a:xfrm>
             <a:off x="360000" y="180000"/>
-            <a:ext cx="9360000" cy="478080"/>
+            <a:ext cx="9359640" cy="477720"/>
           </a:xfrm>
           <a:prstGeom prst="rect">
             <a:avLst/>
@@ -8165,9 +8406,9 @@
             <a:pPr indent="0" algn="ctr">
               <a:buNone/>
             </a:pPr>
-            <a:endParaRPr b="0" lang="en-US" sz="3300" spc="-1" strike="noStrike">
-              <a:solidFill>
-                <a:srgbClr val="ffffff"/>
+            <a:endParaRPr b="0" lang="en-US" sz="1800" spc="-1" strike="noStrike">
+              <a:solidFill>
+                <a:srgbClr val="000000"/>
               </a:solidFill>
               <a:latin typeface="Arial"/>
             </a:endParaRPr>
@@ -8187,7 +8428,7 @@
         <p:spPr>
           <a:xfrm>
             <a:off x="360000" y="1080000"/>
-            <a:ext cx="9360000" cy="3600000"/>
+            <a:ext cx="9359640" cy="3599640"/>
           </a:xfrm>
           <a:prstGeom prst="rect">
             <a:avLst/>
@@ -8204,13 +8445,13 @@
           <a:p>
             <a:pPr indent="0">
               <a:spcBef>
-                <a:spcPts val="1060"/>
+                <a:spcPts val="1417"/>
               </a:spcBef>
               <a:buNone/>
             </a:pPr>
-            <a:endParaRPr b="0" lang="en-US" sz="2400" spc="-1" strike="noStrike">
-              <a:solidFill>
-                <a:srgbClr val="009bdd"/>
+            <a:endParaRPr b="0" lang="en-US" sz="1800" spc="-1" strike="noStrike">
+              <a:solidFill>
+                <a:srgbClr val="000000"/>
               </a:solidFill>
               <a:latin typeface="Arial"/>
             </a:endParaRPr>
@@ -8230,7 +8471,7 @@
         <p:spPr>
           <a:xfrm>
             <a:off x="2057400" y="884880"/>
-            <a:ext cx="5029200" cy="4144320"/>
+            <a:ext cx="5028840" cy="4143960"/>
           </a:xfrm>
           <a:prstGeom prst="rect">
             <a:avLst/>
@@ -8247,14 +8488,14 @@
             <a:spLocks noGrp="1"/>
           </p:cNvSpPr>
           <p:nvPr>
-            <p:ph type="sldNum" idx="6"/>
-          </p:nvPr>
-        </p:nvSpPr>
-        <p:spPr/>
-        <p:txBody>
-          <a:bodyPr/>
-          <a:p>
-            <a:fld id="{4F5B9E4B-B1FF-4134-B351-C997695BD53D}" type="slidenum">
+            <p:ph type="sldNum" idx="5"/>
+          </p:nvPr>
+        </p:nvSpPr>
+        <p:spPr/>
+        <p:txBody>
+          <a:bodyPr/>
+          <a:p>
+            <a:fld id="{1356D6DD-61CB-462E-8410-8595A458F53C}" type="slidenum">
               <a:t>5</a:t>
             </a:fld>
           </a:p>
@@ -8267,16 +8508,16 @@
             <a:spLocks noGrp="1"/>
           </p:cNvSpPr>
           <p:nvPr>
-            <p:ph type="dt" idx="4"/>
-          </p:nvPr>
-        </p:nvSpPr>
-        <p:spPr/>
-        <p:txBody>
-          <a:bodyPr/>
-          <a:p>
-            <a:fld id="{3707A865-A983-4F31-879E-55AF565790BC}" type="datetime1">
+            <p:ph type="dt" idx="6"/>
+          </p:nvPr>
+        </p:nvSpPr>
+        <p:spPr/>
+        <p:txBody>
+          <a:bodyPr/>
+          <a:p>
+            <a:fld id="{B152C67C-02F9-4868-ADE7-CC4E74C45812}" type="datetime1">
               <a:rPr lang="en-US"/>
-              <a:t>05/31/2023</a:t>
+              <a:t>06/18/2023</a:t>
             </a:fld>
           </a:p>
         </p:txBody>
@@ -8324,7 +8565,7 @@
         <p:spPr>
           <a:xfrm>
             <a:off x="360000" y="180000"/>
-            <a:ext cx="9360000" cy="478080"/>
+            <a:ext cx="9359640" cy="477720"/>
           </a:xfrm>
           <a:prstGeom prst="rect">
             <a:avLst/>
@@ -8342,9 +8583,9 @@
             <a:pPr indent="0" algn="ctr">
               <a:buNone/>
             </a:pPr>
-            <a:endParaRPr b="0" lang="en-US" sz="3300" spc="-1" strike="noStrike">
-              <a:solidFill>
-                <a:srgbClr val="ffffff"/>
+            <a:endParaRPr b="0" lang="en-US" sz="1800" spc="-1" strike="noStrike">
+              <a:solidFill>
+                <a:srgbClr val="000000"/>
               </a:solidFill>
               <a:latin typeface="Arial"/>
             </a:endParaRPr>
@@ -8364,7 +8605,7 @@
         <p:spPr>
           <a:xfrm>
             <a:off x="-2959200" y="-2743200"/>
-            <a:ext cx="9360000" cy="3600000"/>
+            <a:ext cx="9359640" cy="3599640"/>
           </a:xfrm>
           <a:prstGeom prst="rect">
             <a:avLst/>
@@ -8381,13 +8622,13 @@
           <a:p>
             <a:pPr indent="0">
               <a:spcBef>
-                <a:spcPts val="1060"/>
+                <a:spcPts val="1417"/>
               </a:spcBef>
               <a:buNone/>
             </a:pPr>
-            <a:endParaRPr b="0" lang="en-US" sz="2400" spc="-1" strike="noStrike">
-              <a:solidFill>
-                <a:srgbClr val="009bdd"/>
+            <a:endParaRPr b="0" lang="en-US" sz="1800" spc="-1" strike="noStrike">
+              <a:solidFill>
+                <a:srgbClr val="000000"/>
               </a:solidFill>
               <a:latin typeface="Arial"/>
             </a:endParaRPr>
@@ -8407,7 +8648,7 @@
         <p:spPr>
           <a:xfrm>
             <a:off x="228600" y="1252800"/>
-            <a:ext cx="2057400" cy="2176200"/>
+            <a:ext cx="2057040" cy="2175840"/>
           </a:xfrm>
           <a:prstGeom prst="rect">
             <a:avLst/>
@@ -8430,7 +8671,7 @@
         <p:spPr>
           <a:xfrm>
             <a:off x="2823840" y="1143000"/>
-            <a:ext cx="2161440" cy="2286000"/>
+            <a:ext cx="2161080" cy="2285640"/>
           </a:xfrm>
           <a:prstGeom prst="rect">
             <a:avLst/>
@@ -8453,7 +8694,7 @@
         <p:spPr>
           <a:xfrm>
             <a:off x="5909040" y="856800"/>
-            <a:ext cx="3692160" cy="3886200"/>
+            <a:ext cx="3691800" cy="3885840"/>
           </a:xfrm>
           <a:prstGeom prst="rect">
             <a:avLst/>
@@ -8470,14 +8711,14 @@
             <a:spLocks noGrp="1"/>
           </p:cNvSpPr>
           <p:nvPr>
-            <p:ph type="sldNum" idx="6"/>
-          </p:nvPr>
-        </p:nvSpPr>
-        <p:spPr/>
-        <p:txBody>
-          <a:bodyPr/>
-          <a:p>
-            <a:fld id="{FFAA5C2D-932A-4B21-B2B7-304CA7BE2536}" type="slidenum">
+            <p:ph type="sldNum" idx="5"/>
+          </p:nvPr>
+        </p:nvSpPr>
+        <p:spPr/>
+        <p:txBody>
+          <a:bodyPr/>
+          <a:p>
+            <a:fld id="{7B4D12F1-0FC7-4A4C-BFFD-DBB182249CF0}" type="slidenum">
               <a:t>6</a:t>
             </a:fld>
           </a:p>
@@ -8490,16 +8731,16 @@
             <a:spLocks noGrp="1"/>
           </p:cNvSpPr>
           <p:nvPr>
-            <p:ph type="dt" idx="4"/>
-          </p:nvPr>
-        </p:nvSpPr>
-        <p:spPr/>
-        <p:txBody>
-          <a:bodyPr/>
-          <a:p>
-            <a:fld id="{9DB4DCF9-5591-4732-A9C2-55A17A5FBC8C}" type="datetime1">
+            <p:ph type="dt" idx="6"/>
+          </p:nvPr>
+        </p:nvSpPr>
+        <p:spPr/>
+        <p:txBody>
+          <a:bodyPr/>
+          <a:p>
+            <a:fld id="{8E581D19-492B-424A-96E1-BD74AFEB260F}" type="datetime1">
               <a:rPr lang="en-US"/>
-              <a:t>05/31/2023</a:t>
+              <a:t>06/18/2023</a:t>
             </a:fld>
           </a:p>
         </p:txBody>
@@ -8547,7 +8788,7 @@
         <p:spPr>
           <a:xfrm>
             <a:off x="360000" y="180000"/>
-            <a:ext cx="9360000" cy="478080"/>
+            <a:ext cx="9359640" cy="477720"/>
           </a:xfrm>
           <a:prstGeom prst="rect">
             <a:avLst/>
@@ -8565,9 +8806,9 @@
             <a:pPr indent="0" algn="ctr">
               <a:buNone/>
             </a:pPr>
-            <a:endParaRPr b="0" lang="en-US" sz="3300" spc="-1" strike="noStrike">
-              <a:solidFill>
-                <a:srgbClr val="ffffff"/>
+            <a:endParaRPr b="0" lang="en-US" sz="1800" spc="-1" strike="noStrike">
+              <a:solidFill>
+                <a:srgbClr val="000000"/>
               </a:solidFill>
               <a:latin typeface="Arial"/>
             </a:endParaRPr>
@@ -8587,7 +8828,7 @@
         <p:spPr>
           <a:xfrm>
             <a:off x="360000" y="1080000"/>
-            <a:ext cx="9360000" cy="3600000"/>
+            <a:ext cx="9359640" cy="3599640"/>
           </a:xfrm>
           <a:prstGeom prst="rect">
             <a:avLst/>
@@ -8604,13 +8845,13 @@
           <a:p>
             <a:pPr indent="0">
               <a:spcBef>
-                <a:spcPts val="1060"/>
+                <a:spcPts val="1417"/>
               </a:spcBef>
               <a:buNone/>
             </a:pPr>
-            <a:endParaRPr b="0" lang="en-US" sz="2400" spc="-1" strike="noStrike">
-              <a:solidFill>
-                <a:srgbClr val="009bdd"/>
+            <a:endParaRPr b="0" lang="en-US" sz="1800" spc="-1" strike="noStrike">
+              <a:solidFill>
+                <a:srgbClr val="000000"/>
               </a:solidFill>
               <a:latin typeface="Arial"/>
             </a:endParaRPr>
@@ -8630,7 +8871,7 @@
         <p:spPr>
           <a:xfrm>
             <a:off x="457200" y="1190880"/>
-            <a:ext cx="2116080" cy="2238120"/>
+            <a:ext cx="2115720" cy="2237760"/>
           </a:xfrm>
           <a:prstGeom prst="rect">
             <a:avLst/>
@@ -8653,7 +8894,7 @@
         <p:spPr>
           <a:xfrm>
             <a:off x="5111280" y="816840"/>
-            <a:ext cx="4968720" cy="4212360"/>
+            <a:ext cx="4968360" cy="4212000"/>
           </a:xfrm>
           <a:prstGeom prst="rect">
             <a:avLst/>
@@ -8676,7 +8917,7 @@
         <p:spPr>
           <a:xfrm>
             <a:off x="2743200" y="1143000"/>
-            <a:ext cx="2161440" cy="2286000"/>
+            <a:ext cx="2161080" cy="2285640"/>
           </a:xfrm>
           <a:prstGeom prst="rect">
             <a:avLst/>
@@ -8693,14 +8934,14 @@
             <a:spLocks noGrp="1"/>
           </p:cNvSpPr>
           <p:nvPr>
-            <p:ph type="sldNum" idx="6"/>
-          </p:nvPr>
-        </p:nvSpPr>
-        <p:spPr/>
-        <p:txBody>
-          <a:bodyPr/>
-          <a:p>
-            <a:fld id="{E9A0C676-DCB5-4A7A-AFA5-D1BCBED3DA51}" type="slidenum">
+            <p:ph type="sldNum" idx="5"/>
+          </p:nvPr>
+        </p:nvSpPr>
+        <p:spPr/>
+        <p:txBody>
+          <a:bodyPr/>
+          <a:p>
+            <a:fld id="{7840412D-7472-4C6D-BD47-D41BAD49CD85}" type="slidenum">
               <a:t>7</a:t>
             </a:fld>
           </a:p>
@@ -8713,16 +8954,16 @@
             <a:spLocks noGrp="1"/>
           </p:cNvSpPr>
           <p:nvPr>
-            <p:ph type="dt" idx="4"/>
-          </p:nvPr>
-        </p:nvSpPr>
-        <p:spPr/>
-        <p:txBody>
-          <a:bodyPr/>
-          <a:p>
-            <a:fld id="{541FD9A7-6F27-4311-AEC5-81C814EF4080}" type="datetime1">
+            <p:ph type="dt" idx="6"/>
+          </p:nvPr>
+        </p:nvSpPr>
+        <p:spPr/>
+        <p:txBody>
+          <a:bodyPr/>
+          <a:p>
+            <a:fld id="{1E178875-6523-4705-8605-DFFAD0ACB18C}" type="datetime1">
               <a:rPr lang="en-US"/>
-              <a:t>05/31/2023</a:t>
+              <a:t>06/18/2023</a:t>
             </a:fld>
           </a:p>
         </p:txBody>
@@ -8770,7 +9011,7 @@
         <p:spPr>
           <a:xfrm>
             <a:off x="360000" y="180000"/>
-            <a:ext cx="9360000" cy="478080"/>
+            <a:ext cx="9359640" cy="477720"/>
           </a:xfrm>
           <a:prstGeom prst="rect">
             <a:avLst/>
@@ -8788,9 +9029,9 @@
             <a:pPr indent="0" algn="ctr">
               <a:buNone/>
             </a:pPr>
-            <a:endParaRPr b="0" lang="en-US" sz="3300" spc="-1" strike="noStrike">
-              <a:solidFill>
-                <a:srgbClr val="ffffff"/>
+            <a:endParaRPr b="0" lang="en-US" sz="1800" spc="-1" strike="noStrike">
+              <a:solidFill>
+                <a:srgbClr val="000000"/>
               </a:solidFill>
               <a:latin typeface="Arial"/>
             </a:endParaRPr>
@@ -8810,7 +9051,7 @@
         <p:spPr>
           <a:xfrm>
             <a:off x="360000" y="1080000"/>
-            <a:ext cx="9360000" cy="3600000"/>
+            <a:ext cx="9359640" cy="3599640"/>
           </a:xfrm>
           <a:prstGeom prst="rect">
             <a:avLst/>
@@ -8827,13 +9068,13 @@
           <a:p>
             <a:pPr indent="0">
               <a:spcBef>
-                <a:spcPts val="1060"/>
+                <a:spcPts val="1417"/>
               </a:spcBef>
               <a:buNone/>
             </a:pPr>
-            <a:endParaRPr b="0" lang="en-US" sz="2400" spc="-1" strike="noStrike">
-              <a:solidFill>
-                <a:srgbClr val="009bdd"/>
+            <a:endParaRPr b="0" lang="en-US" sz="1800" spc="-1" strike="noStrike">
+              <a:solidFill>
+                <a:srgbClr val="000000"/>
               </a:solidFill>
               <a:latin typeface="Arial"/>
             </a:endParaRPr>
@@ -8853,7 +9094,7 @@
         <p:spPr>
           <a:xfrm>
             <a:off x="2286000" y="867240"/>
-            <a:ext cx="5209920" cy="3933360"/>
+            <a:ext cx="5209560" cy="3933000"/>
           </a:xfrm>
           <a:prstGeom prst="rect">
             <a:avLst/>
@@ -8870,14 +9111,14 @@
             <a:spLocks noGrp="1"/>
           </p:cNvSpPr>
           <p:nvPr>
-            <p:ph type="sldNum" idx="6"/>
-          </p:nvPr>
-        </p:nvSpPr>
-        <p:spPr/>
-        <p:txBody>
-          <a:bodyPr/>
-          <a:p>
-            <a:fld id="{3F1963CB-CEE9-46C1-AB61-34DB703F370E}" type="slidenum">
+            <p:ph type="sldNum" idx="5"/>
+          </p:nvPr>
+        </p:nvSpPr>
+        <p:spPr/>
+        <p:txBody>
+          <a:bodyPr/>
+          <a:p>
+            <a:fld id="{372417DF-A86E-4A8C-85CB-38822AA4D1D7}" type="slidenum">
               <a:t>8</a:t>
             </a:fld>
           </a:p>
@@ -8890,16 +9131,16 @@
             <a:spLocks noGrp="1"/>
           </p:cNvSpPr>
           <p:nvPr>
-            <p:ph type="dt" idx="4"/>
-          </p:nvPr>
-        </p:nvSpPr>
-        <p:spPr/>
-        <p:txBody>
-          <a:bodyPr/>
-          <a:p>
-            <a:fld id="{C4C9A7DC-9FBA-492E-A4CD-89FA0B345B94}" type="datetime1">
+            <p:ph type="dt" idx="6"/>
+          </p:nvPr>
+        </p:nvSpPr>
+        <p:spPr/>
+        <p:txBody>
+          <a:bodyPr/>
+          <a:p>
+            <a:fld id="{8AB7BD40-9C99-47EF-A97F-A624A2B44A0A}" type="datetime1">
               <a:rPr lang="en-US"/>
-              <a:t>05/31/2023</a:t>
+              <a:t>06/18/2023</a:t>
             </a:fld>
           </a:p>
         </p:txBody>
@@ -8947,7 +9188,7 @@
         <p:spPr>
           <a:xfrm>
             <a:off x="360000" y="180000"/>
-            <a:ext cx="9360000" cy="478080"/>
+            <a:ext cx="9359640" cy="477720"/>
           </a:xfrm>
           <a:prstGeom prst="rect">
             <a:avLst/>
@@ -8965,9 +9206,9 @@
             <a:pPr indent="0" algn="ctr">
               <a:buNone/>
             </a:pPr>
-            <a:endParaRPr b="0" lang="en-US" sz="3300" spc="-1" strike="noStrike">
-              <a:solidFill>
-                <a:srgbClr val="ffffff"/>
+            <a:endParaRPr b="0" lang="en-US" sz="1800" spc="-1" strike="noStrike">
+              <a:solidFill>
+                <a:srgbClr val="000000"/>
               </a:solidFill>
               <a:latin typeface="Arial"/>
             </a:endParaRPr>
@@ -8987,7 +9228,7 @@
         <p:spPr>
           <a:xfrm>
             <a:off x="360000" y="1080000"/>
-            <a:ext cx="9360000" cy="3600000"/>
+            <a:ext cx="9359640" cy="3599640"/>
           </a:xfrm>
           <a:prstGeom prst="rect">
             <a:avLst/>
@@ -9004,13 +9245,13 @@
           <a:p>
             <a:pPr indent="0">
               <a:spcBef>
-                <a:spcPts val="1060"/>
+                <a:spcPts val="1417"/>
               </a:spcBef>
               <a:buNone/>
             </a:pPr>
-            <a:endParaRPr b="0" lang="en-US" sz="2400" spc="-1" strike="noStrike">
-              <a:solidFill>
-                <a:srgbClr val="009bdd"/>
+            <a:endParaRPr b="0" lang="en-US" sz="1800" spc="-1" strike="noStrike">
+              <a:solidFill>
+                <a:srgbClr val="000000"/>
               </a:solidFill>
               <a:latin typeface="Arial"/>
             </a:endParaRPr>
@@ -9030,7 +9271,7 @@
         <p:spPr>
           <a:xfrm>
             <a:off x="676800" y="962280"/>
-            <a:ext cx="2980800" cy="3152520"/>
+            <a:ext cx="2980440" cy="3152160"/>
           </a:xfrm>
           <a:prstGeom prst="rect">
             <a:avLst/>
@@ -9053,7 +9294,7 @@
         <p:spPr>
           <a:xfrm>
             <a:off x="5154480" y="1080000"/>
-            <a:ext cx="3989520" cy="3012120"/>
+            <a:ext cx="3989160" cy="3011760"/>
           </a:xfrm>
           <a:prstGeom prst="rect">
             <a:avLst/>
@@ -9070,14 +9311,14 @@
             <a:spLocks noGrp="1"/>
           </p:cNvSpPr>
           <p:nvPr>
-            <p:ph type="sldNum" idx="6"/>
-          </p:nvPr>
-        </p:nvSpPr>
-        <p:spPr/>
-        <p:txBody>
-          <a:bodyPr/>
-          <a:p>
-            <a:fld id="{D95F5FF1-0391-4FB9-B1B3-743A0F6D785C}" type="slidenum">
+            <p:ph type="sldNum" idx="5"/>
+          </p:nvPr>
+        </p:nvSpPr>
+        <p:spPr/>
+        <p:txBody>
+          <a:bodyPr/>
+          <a:p>
+            <a:fld id="{6202AFA0-22C1-4C6B-8172-2D77BFFC86F6}" type="slidenum">
               <a:t>9</a:t>
             </a:fld>
           </a:p>
@@ -9090,16 +9331,16 @@
             <a:spLocks noGrp="1"/>
           </p:cNvSpPr>
           <p:nvPr>
-            <p:ph type="dt" idx="4"/>
-          </p:nvPr>
-        </p:nvSpPr>
-        <p:spPr/>
-        <p:txBody>
-          <a:bodyPr/>
-          <a:p>
-            <a:fld id="{1E701832-41D0-47C5-B12C-D8CFD7B9FDFE}" type="datetime1">
+            <p:ph type="dt" idx="6"/>
+          </p:nvPr>
+        </p:nvSpPr>
+        <p:spPr/>
+        <p:txBody>
+          <a:bodyPr/>
+          <a:p>
+            <a:fld id="{22EA540A-D138-4C8D-8202-BCE3FA6C0A86}" type="datetime1">
               <a:rPr lang="en-US"/>
-              <a:t>05/31/2023</a:t>
+              <a:t>06/18/2023</a:t>
             </a:fld>
           </a:p>
         </p:txBody>
@@ -9122,10 +9363,10 @@
   <a:themeElements>
     <a:clrScheme name="Office">
       <a:dk1>
-        <a:sysClr val="windowText" lastClr="000000"/>
+        <a:srgbClr val="000000"/>
       </a:dk1>
       <a:lt1>
-        <a:sysClr val="window" lastClr="FFFFFF"/>
+        <a:srgbClr val="ffffff"/>
       </a:lt1>
       <a:dk2>
         <a:srgbClr val="1f497d"/>
@@ -9336,10 +9577,10 @@
   <a:themeElements>
     <a:clrScheme name="Office">
       <a:dk1>
-        <a:sysClr val="windowText" lastClr="000000"/>
+        <a:srgbClr val="000000"/>
       </a:dk1>
       <a:lt1>
-        <a:sysClr val="window" lastClr="FFFFFF"/>
+        <a:srgbClr val="ffffff"/>
       </a:lt1>
       <a:dk2>
         <a:srgbClr val="1f497d"/>
